--- a/Week02-04/M2_slides/Lab2_1.pptx
+++ b/Week02-04/M2_slides/Lab2_1.pptx
@@ -1,26 +1,121 @@
 
 <file path=ppt/presentation.xml><?xml version="1.0" encoding="utf-8"?>
-<p:presentation xmlns:a="http://schemas.openxmlformats.org/drawingml/2006/main" xmlns:p="http://schemas.openxmlformats.org/presentationml/2006/main" xmlns:r="http://schemas.openxmlformats.org/officeDocument/2006/relationships" xmlns:p14="http://schemas.microsoft.com/office/powerpoint/2010/main" xmlns:p15="http://schemas.microsoft.com/office/powerpoint/2012/main" xmlns:mc="http://schemas.openxmlformats.org/markup-compatibility/2006">
+<p:presentation xmlns:a="http://schemas.openxmlformats.org/drawingml/2006/main" xmlns:r="http://schemas.openxmlformats.org/officeDocument/2006/relationships" xmlns:p="http://schemas.openxmlformats.org/presentationml/2006/main">
   <p:sldMasterIdLst>
-    <p:sldMasterId id="2147483648" r:id="rId2"/>
+    <p:sldMasterId id="2147483648" r:id="rId1"/>
   </p:sldMasterIdLst>
   <p:sldIdLst>
-    <p:sldId id="256" r:id="rId3"/>
-    <p:sldId id="257" r:id="rId4"/>
-    <p:sldId id="258" r:id="rId5"/>
-    <p:sldId id="259" r:id="rId6"/>
-    <p:sldId id="260" r:id="rId7"/>
-    <p:sldId id="261" r:id="rId8"/>
-    <p:sldId id="262" r:id="rId9"/>
-    <p:sldId id="263" r:id="rId10"/>
+    <p:sldId id="256" r:id="rId2"/>
+    <p:sldId id="257" r:id="rId3"/>
+    <p:sldId id="258" r:id="rId4"/>
+    <p:sldId id="259" r:id="rId5"/>
+    <p:sldId id="260" r:id="rId6"/>
+    <p:sldId id="261" r:id="rId7"/>
+    <p:sldId id="262" r:id="rId8"/>
+    <p:sldId id="263" r:id="rId9"/>
   </p:sldIdLst>
   <p:sldSz cx="12192000" cy="6858000"/>
   <p:notesSz cx="7559675" cy="10691813"/>
+  <p:defaultTextStyle>
+    <a:defPPr>
+      <a:defRPr lang="en-US"/>
+    </a:defPPr>
+    <a:lvl1pPr marL="0" algn="l" defTabSz="914400" rtl="0" eaLnBrk="1" latinLnBrk="0" hangingPunct="1">
+      <a:defRPr sz="1800" kern="1200">
+        <a:solidFill>
+          <a:schemeClr val="tx1"/>
+        </a:solidFill>
+        <a:latin typeface="+mn-lt"/>
+        <a:ea typeface="+mn-ea"/>
+        <a:cs typeface="+mn-cs"/>
+      </a:defRPr>
+    </a:lvl1pPr>
+    <a:lvl2pPr marL="457200" algn="l" defTabSz="914400" rtl="0" eaLnBrk="1" latinLnBrk="0" hangingPunct="1">
+      <a:defRPr sz="1800" kern="1200">
+        <a:solidFill>
+          <a:schemeClr val="tx1"/>
+        </a:solidFill>
+        <a:latin typeface="+mn-lt"/>
+        <a:ea typeface="+mn-ea"/>
+        <a:cs typeface="+mn-cs"/>
+      </a:defRPr>
+    </a:lvl2pPr>
+    <a:lvl3pPr marL="914400" algn="l" defTabSz="914400" rtl="0" eaLnBrk="1" latinLnBrk="0" hangingPunct="1">
+      <a:defRPr sz="1800" kern="1200">
+        <a:solidFill>
+          <a:schemeClr val="tx1"/>
+        </a:solidFill>
+        <a:latin typeface="+mn-lt"/>
+        <a:ea typeface="+mn-ea"/>
+        <a:cs typeface="+mn-cs"/>
+      </a:defRPr>
+    </a:lvl3pPr>
+    <a:lvl4pPr marL="1371600" algn="l" defTabSz="914400" rtl="0" eaLnBrk="1" latinLnBrk="0" hangingPunct="1">
+      <a:defRPr sz="1800" kern="1200">
+        <a:solidFill>
+          <a:schemeClr val="tx1"/>
+        </a:solidFill>
+        <a:latin typeface="+mn-lt"/>
+        <a:ea typeface="+mn-ea"/>
+        <a:cs typeface="+mn-cs"/>
+      </a:defRPr>
+    </a:lvl4pPr>
+    <a:lvl5pPr marL="1828800" algn="l" defTabSz="914400" rtl="0" eaLnBrk="1" latinLnBrk="0" hangingPunct="1">
+      <a:defRPr sz="1800" kern="1200">
+        <a:solidFill>
+          <a:schemeClr val="tx1"/>
+        </a:solidFill>
+        <a:latin typeface="+mn-lt"/>
+        <a:ea typeface="+mn-ea"/>
+        <a:cs typeface="+mn-cs"/>
+      </a:defRPr>
+    </a:lvl5pPr>
+    <a:lvl6pPr marL="2286000" algn="l" defTabSz="914400" rtl="0" eaLnBrk="1" latinLnBrk="0" hangingPunct="1">
+      <a:defRPr sz="1800" kern="1200">
+        <a:solidFill>
+          <a:schemeClr val="tx1"/>
+        </a:solidFill>
+        <a:latin typeface="+mn-lt"/>
+        <a:ea typeface="+mn-ea"/>
+        <a:cs typeface="+mn-cs"/>
+      </a:defRPr>
+    </a:lvl6pPr>
+    <a:lvl7pPr marL="2743200" algn="l" defTabSz="914400" rtl="0" eaLnBrk="1" latinLnBrk="0" hangingPunct="1">
+      <a:defRPr sz="1800" kern="1200">
+        <a:solidFill>
+          <a:schemeClr val="tx1"/>
+        </a:solidFill>
+        <a:latin typeface="+mn-lt"/>
+        <a:ea typeface="+mn-ea"/>
+        <a:cs typeface="+mn-cs"/>
+      </a:defRPr>
+    </a:lvl7pPr>
+    <a:lvl8pPr marL="3200400" algn="l" defTabSz="914400" rtl="0" eaLnBrk="1" latinLnBrk="0" hangingPunct="1">
+      <a:defRPr sz="1800" kern="1200">
+        <a:solidFill>
+          <a:schemeClr val="tx1"/>
+        </a:solidFill>
+        <a:latin typeface="+mn-lt"/>
+        <a:ea typeface="+mn-ea"/>
+        <a:cs typeface="+mn-cs"/>
+      </a:defRPr>
+    </a:lvl8pPr>
+    <a:lvl9pPr marL="3657600" algn="l" defTabSz="914400" rtl="0" eaLnBrk="1" latinLnBrk="0" hangingPunct="1">
+      <a:defRPr sz="1800" kern="1200">
+        <a:solidFill>
+          <a:schemeClr val="tx1"/>
+        </a:solidFill>
+        <a:latin typeface="+mn-lt"/>
+        <a:ea typeface="+mn-ea"/>
+        <a:cs typeface="+mn-cs"/>
+      </a:defRPr>
+    </a:lvl9pPr>
+  </p:defaultTextStyle>
 </p:presentation>
 </file>
 
 <file path=ppt/slideLayouts/slideLayout1.xml><?xml version="1.0" encoding="utf-8"?>
-<p:sldLayout xmlns:a="http://schemas.openxmlformats.org/drawingml/2006/main" xmlns:p="http://schemas.openxmlformats.org/presentationml/2006/main" xmlns:r="http://schemas.openxmlformats.org/officeDocument/2006/relationships" xmlns:p14="http://schemas.microsoft.com/office/powerpoint/2010/main" xmlns:p15="http://schemas.microsoft.com/office/powerpoint/2012/main" xmlns:mc="http://schemas.openxmlformats.org/markup-compatibility/2006" type="blank" preserve="1">
+<p:sldLayout xmlns:a="http://schemas.openxmlformats.org/drawingml/2006/main" xmlns:r="http://schemas.openxmlformats.org/officeDocument/2006/relationships" xmlns:p="http://schemas.openxmlformats.org/presentationml/2006/main" type="blank" preserve="1">
   <p:cSld name="Blank Slide">
     <p:spTree>
       <p:nvGrpSpPr>
@@ -49,6 +144,7 @@
         <p:spPr/>
         <p:txBody>
           <a:bodyPr/>
+          <a:lstStyle/>
           <a:p>
             <a:r>
               <a:t>Footer</a:t>
@@ -69,10 +165,12 @@
         <p:spPr/>
         <p:txBody>
           <a:bodyPr/>
+          <a:lstStyle/>
           <a:p>
             <a:fld id="{F1B51D71-31EE-4EDF-AE6C-9763803481A6}" type="slidenum">
-              <a:t>&lt;#&gt;</a:t>
+              <a:t>‹#›</a:t>
             </a:fld>
+            <a:endParaRPr/>
           </a:p>
         </p:txBody>
       </p:sp>
@@ -89,21 +187,22 @@
         <p:spPr/>
         <p:txBody>
           <a:bodyPr/>
-          <a:p>
-            <a:r>
-              <a:rPr lang="en-AU"/>
-              <a:t/>
-            </a:r>
+          <a:lstStyle/>
+          <a:p>
+            <a:endParaRPr/>
           </a:p>
         </p:txBody>
       </p:sp>
     </p:spTree>
   </p:cSld>
+  <p:clrMapOvr>
+    <a:masterClrMapping/>
+  </p:clrMapOvr>
 </p:sldLayout>
 </file>
 
 <file path=ppt/slideLayouts/slideLayout10.xml><?xml version="1.0" encoding="utf-8"?>
-<p:sldLayout xmlns:a="http://schemas.openxmlformats.org/drawingml/2006/main" xmlns:p="http://schemas.openxmlformats.org/presentationml/2006/main" xmlns:r="http://schemas.openxmlformats.org/officeDocument/2006/relationships" xmlns:p14="http://schemas.microsoft.com/office/powerpoint/2010/main" xmlns:p15="http://schemas.microsoft.com/office/powerpoint/2012/main" xmlns:mc="http://schemas.openxmlformats.org/markup-compatibility/2006" type="objOverTx" preserve="1">
+<p:sldLayout xmlns:a="http://schemas.openxmlformats.org/drawingml/2006/main" xmlns:r="http://schemas.openxmlformats.org/officeDocument/2006/relationships" xmlns:p="http://schemas.openxmlformats.org/presentationml/2006/main" type="objOverTx" preserve="1">
   <p:cSld name="Title, Content over Content">
     <p:spTree>
       <p:nvGrpSpPr>
@@ -143,14 +242,15 @@
           </a:ln>
         </p:spPr>
         <p:txBody>
-          <a:bodyPr lIns="0" rIns="0" tIns="0" bIns="0" anchor="ctr">
+          <a:bodyPr lIns="0" tIns="0" rIns="0" bIns="0" anchor="ctr">
             <a:noAutofit/>
           </a:bodyPr>
+          <a:lstStyle/>
           <a:p>
             <a:pPr algn="ctr">
               <a:buNone/>
             </a:pPr>
-            <a:endParaRPr b="0" lang="en-AU" sz="4400" spc="-1" strike="noStrike">
+            <a:endParaRPr lang="en-AU" sz="4400" b="0" strike="noStrike" spc="-1">
               <a:latin typeface="Arial"/>
             </a:endParaRPr>
           </a:p>
@@ -180,11 +280,12 @@
           </a:ln>
         </p:spPr>
         <p:txBody>
-          <a:bodyPr lIns="0" rIns="0" tIns="0" bIns="0" anchor="t">
+          <a:bodyPr lIns="0" tIns="0" rIns="0" bIns="0" anchor="t">
             <a:normAutofit/>
           </a:bodyPr>
-          <a:p>
-            <a:endParaRPr b="0" lang="en-AU" sz="3200" spc="-1" strike="noStrike">
+          <a:lstStyle/>
+          <a:p>
+            <a:endParaRPr lang="en-AU" sz="3200" b="0" strike="noStrike" spc="-1">
               <a:latin typeface="Arial"/>
             </a:endParaRPr>
           </a:p>
@@ -214,11 +315,12 @@
           </a:ln>
         </p:spPr>
         <p:txBody>
-          <a:bodyPr lIns="0" rIns="0" tIns="0" bIns="0" anchor="t">
+          <a:bodyPr lIns="0" tIns="0" rIns="0" bIns="0" anchor="t">
             <a:normAutofit/>
           </a:bodyPr>
-          <a:p>
-            <a:endParaRPr b="0" lang="en-AU" sz="3200" spc="-1" strike="noStrike">
+          <a:lstStyle/>
+          <a:p>
+            <a:endParaRPr lang="en-AU" sz="3200" b="0" strike="noStrike" spc="-1">
               <a:latin typeface="Arial"/>
             </a:endParaRPr>
           </a:p>
@@ -237,6 +339,7 @@
         <p:spPr/>
         <p:txBody>
           <a:bodyPr/>
+          <a:lstStyle/>
           <a:p>
             <a:r>
               <a:t>Footer</a:t>
@@ -257,10 +360,12 @@
         <p:spPr/>
         <p:txBody>
           <a:bodyPr/>
+          <a:lstStyle/>
           <a:p>
             <a:fld id="{B5BAC725-FC39-4D20-9784-6BC9462D5EFE}" type="slidenum">
-              <a:t>&lt;#&gt;</a:t>
+              <a:t>‹#›</a:t>
             </a:fld>
+            <a:endParaRPr/>
           </a:p>
         </p:txBody>
       </p:sp>
@@ -277,21 +382,22 @@
         <p:spPr/>
         <p:txBody>
           <a:bodyPr/>
-          <a:p>
-            <a:r>
-              <a:rPr lang="en-AU"/>
-              <a:t/>
-            </a:r>
+          <a:lstStyle/>
+          <a:p>
+            <a:endParaRPr/>
           </a:p>
         </p:txBody>
       </p:sp>
     </p:spTree>
   </p:cSld>
+  <p:clrMapOvr>
+    <a:masterClrMapping/>
+  </p:clrMapOvr>
 </p:sldLayout>
 </file>
 
 <file path=ppt/slideLayouts/slideLayout11.xml><?xml version="1.0" encoding="utf-8"?>
-<p:sldLayout xmlns:a="http://schemas.openxmlformats.org/drawingml/2006/main" xmlns:p="http://schemas.openxmlformats.org/presentationml/2006/main" xmlns:r="http://schemas.openxmlformats.org/officeDocument/2006/relationships" xmlns:p14="http://schemas.microsoft.com/office/powerpoint/2010/main" xmlns:p15="http://schemas.microsoft.com/office/powerpoint/2012/main" xmlns:mc="http://schemas.openxmlformats.org/markup-compatibility/2006" type="fourObj" preserve="1">
+<p:sldLayout xmlns:a="http://schemas.openxmlformats.org/drawingml/2006/main" xmlns:r="http://schemas.openxmlformats.org/officeDocument/2006/relationships" xmlns:p="http://schemas.openxmlformats.org/presentationml/2006/main" type="fourObj" preserve="1">
   <p:cSld name="Title, 4 Content">
     <p:spTree>
       <p:nvGrpSpPr>
@@ -331,14 +437,15 @@
           </a:ln>
         </p:spPr>
         <p:txBody>
-          <a:bodyPr lIns="0" rIns="0" tIns="0" bIns="0" anchor="ctr">
+          <a:bodyPr lIns="0" tIns="0" rIns="0" bIns="0" anchor="ctr">
             <a:noAutofit/>
           </a:bodyPr>
+          <a:lstStyle/>
           <a:p>
             <a:pPr algn="ctr">
               <a:buNone/>
             </a:pPr>
-            <a:endParaRPr b="0" lang="en-AU" sz="4400" spc="-1" strike="noStrike">
+            <a:endParaRPr lang="en-AU" sz="4400" b="0" strike="noStrike" spc="-1">
               <a:latin typeface="Arial"/>
             </a:endParaRPr>
           </a:p>
@@ -368,11 +475,12 @@
           </a:ln>
         </p:spPr>
         <p:txBody>
-          <a:bodyPr lIns="0" rIns="0" tIns="0" bIns="0" anchor="t">
+          <a:bodyPr lIns="0" tIns="0" rIns="0" bIns="0" anchor="t">
             <a:normAutofit/>
           </a:bodyPr>
-          <a:p>
-            <a:endParaRPr b="0" lang="en-AU" sz="3200" spc="-1" strike="noStrike">
+          <a:lstStyle/>
+          <a:p>
+            <a:endParaRPr lang="en-AU" sz="3200" b="0" strike="noStrike" spc="-1">
               <a:latin typeface="Arial"/>
             </a:endParaRPr>
           </a:p>
@@ -402,11 +510,12 @@
           </a:ln>
         </p:spPr>
         <p:txBody>
-          <a:bodyPr lIns="0" rIns="0" tIns="0" bIns="0" anchor="t">
+          <a:bodyPr lIns="0" tIns="0" rIns="0" bIns="0" anchor="t">
             <a:normAutofit/>
           </a:bodyPr>
-          <a:p>
-            <a:endParaRPr b="0" lang="en-AU" sz="3200" spc="-1" strike="noStrike">
+          <a:lstStyle/>
+          <a:p>
+            <a:endParaRPr lang="en-AU" sz="3200" b="0" strike="noStrike" spc="-1">
               <a:latin typeface="Arial"/>
             </a:endParaRPr>
           </a:p>
@@ -436,11 +545,12 @@
           </a:ln>
         </p:spPr>
         <p:txBody>
-          <a:bodyPr lIns="0" rIns="0" tIns="0" bIns="0" anchor="t">
+          <a:bodyPr lIns="0" tIns="0" rIns="0" bIns="0" anchor="t">
             <a:normAutofit/>
           </a:bodyPr>
-          <a:p>
-            <a:endParaRPr b="0" lang="en-AU" sz="3200" spc="-1" strike="noStrike">
+          <a:lstStyle/>
+          <a:p>
+            <a:endParaRPr lang="en-AU" sz="3200" b="0" strike="noStrike" spc="-1">
               <a:latin typeface="Arial"/>
             </a:endParaRPr>
           </a:p>
@@ -470,11 +580,12 @@
           </a:ln>
         </p:spPr>
         <p:txBody>
-          <a:bodyPr lIns="0" rIns="0" tIns="0" bIns="0" anchor="t">
+          <a:bodyPr lIns="0" tIns="0" rIns="0" bIns="0" anchor="t">
             <a:normAutofit/>
           </a:bodyPr>
-          <a:p>
-            <a:endParaRPr b="0" lang="en-AU" sz="3200" spc="-1" strike="noStrike">
+          <a:lstStyle/>
+          <a:p>
+            <a:endParaRPr lang="en-AU" sz="3200" b="0" strike="noStrike" spc="-1">
               <a:latin typeface="Arial"/>
             </a:endParaRPr>
           </a:p>
@@ -493,6 +604,7 @@
         <p:spPr/>
         <p:txBody>
           <a:bodyPr/>
+          <a:lstStyle/>
           <a:p>
             <a:r>
               <a:t>Footer</a:t>
@@ -513,10 +625,12 @@
         <p:spPr/>
         <p:txBody>
           <a:bodyPr/>
+          <a:lstStyle/>
           <a:p>
             <a:fld id="{19987D56-687A-484E-870F-1A86CFB28653}" type="slidenum">
-              <a:t>&lt;#&gt;</a:t>
+              <a:t>‹#›</a:t>
             </a:fld>
+            <a:endParaRPr/>
           </a:p>
         </p:txBody>
       </p:sp>
@@ -533,21 +647,22 @@
         <p:spPr/>
         <p:txBody>
           <a:bodyPr/>
-          <a:p>
-            <a:r>
-              <a:rPr lang="en-AU"/>
-              <a:t/>
-            </a:r>
+          <a:lstStyle/>
+          <a:p>
+            <a:endParaRPr/>
           </a:p>
         </p:txBody>
       </p:sp>
     </p:spTree>
   </p:cSld>
+  <p:clrMapOvr>
+    <a:masterClrMapping/>
+  </p:clrMapOvr>
 </p:sldLayout>
 </file>
 
 <file path=ppt/slideLayouts/slideLayout12.xml><?xml version="1.0" encoding="utf-8"?>
-<p:sldLayout xmlns:a="http://schemas.openxmlformats.org/drawingml/2006/main" xmlns:p="http://schemas.openxmlformats.org/presentationml/2006/main" xmlns:r="http://schemas.openxmlformats.org/officeDocument/2006/relationships" xmlns:p14="http://schemas.microsoft.com/office/powerpoint/2010/main" xmlns:p15="http://schemas.microsoft.com/office/powerpoint/2012/main" xmlns:mc="http://schemas.openxmlformats.org/markup-compatibility/2006" type="blank" preserve="1">
+<p:sldLayout xmlns:a="http://schemas.openxmlformats.org/drawingml/2006/main" xmlns:r="http://schemas.openxmlformats.org/officeDocument/2006/relationships" xmlns:p="http://schemas.openxmlformats.org/presentationml/2006/main" type="blank" preserve="1">
   <p:cSld name="Title, 6 Content">
     <p:spTree>
       <p:nvGrpSpPr>
@@ -587,14 +702,15 @@
           </a:ln>
         </p:spPr>
         <p:txBody>
-          <a:bodyPr lIns="0" rIns="0" tIns="0" bIns="0" anchor="ctr">
+          <a:bodyPr lIns="0" tIns="0" rIns="0" bIns="0" anchor="ctr">
             <a:noAutofit/>
           </a:bodyPr>
+          <a:lstStyle/>
           <a:p>
             <a:pPr algn="ctr">
               <a:buNone/>
             </a:pPr>
-            <a:endParaRPr b="0" lang="en-AU" sz="4400" spc="-1" strike="noStrike">
+            <a:endParaRPr lang="en-AU" sz="4400" b="0" strike="noStrike" spc="-1">
               <a:latin typeface="Arial"/>
             </a:endParaRPr>
           </a:p>
@@ -624,11 +740,12 @@
           </a:ln>
         </p:spPr>
         <p:txBody>
-          <a:bodyPr lIns="0" rIns="0" tIns="0" bIns="0" anchor="t">
+          <a:bodyPr lIns="0" tIns="0" rIns="0" bIns="0" anchor="t">
             <a:normAutofit/>
           </a:bodyPr>
-          <a:p>
-            <a:endParaRPr b="0" lang="en-AU" sz="3200" spc="-1" strike="noStrike">
+          <a:lstStyle/>
+          <a:p>
+            <a:endParaRPr lang="en-AU" sz="3200" b="0" strike="noStrike" spc="-1">
               <a:latin typeface="Arial"/>
             </a:endParaRPr>
           </a:p>
@@ -658,11 +775,12 @@
           </a:ln>
         </p:spPr>
         <p:txBody>
-          <a:bodyPr lIns="0" rIns="0" tIns="0" bIns="0" anchor="t">
+          <a:bodyPr lIns="0" tIns="0" rIns="0" bIns="0" anchor="t">
             <a:normAutofit/>
           </a:bodyPr>
-          <a:p>
-            <a:endParaRPr b="0" lang="en-AU" sz="3200" spc="-1" strike="noStrike">
+          <a:lstStyle/>
+          <a:p>
+            <a:endParaRPr lang="en-AU" sz="3200" b="0" strike="noStrike" spc="-1">
               <a:latin typeface="Arial"/>
             </a:endParaRPr>
           </a:p>
@@ -692,11 +810,12 @@
           </a:ln>
         </p:spPr>
         <p:txBody>
-          <a:bodyPr lIns="0" rIns="0" tIns="0" bIns="0" anchor="t">
+          <a:bodyPr lIns="0" tIns="0" rIns="0" bIns="0" anchor="t">
             <a:normAutofit/>
           </a:bodyPr>
-          <a:p>
-            <a:endParaRPr b="0" lang="en-AU" sz="3200" spc="-1" strike="noStrike">
+          <a:lstStyle/>
+          <a:p>
+            <a:endParaRPr lang="en-AU" sz="3200" b="0" strike="noStrike" spc="-1">
               <a:latin typeface="Arial"/>
             </a:endParaRPr>
           </a:p>
@@ -726,11 +845,12 @@
           </a:ln>
         </p:spPr>
         <p:txBody>
-          <a:bodyPr lIns="0" rIns="0" tIns="0" bIns="0" anchor="t">
+          <a:bodyPr lIns="0" tIns="0" rIns="0" bIns="0" anchor="t">
             <a:normAutofit/>
           </a:bodyPr>
-          <a:p>
-            <a:endParaRPr b="0" lang="en-AU" sz="3200" spc="-1" strike="noStrike">
+          <a:lstStyle/>
+          <a:p>
+            <a:endParaRPr lang="en-AU" sz="3200" b="0" strike="noStrike" spc="-1">
               <a:latin typeface="Arial"/>
             </a:endParaRPr>
           </a:p>
@@ -760,11 +880,12 @@
           </a:ln>
         </p:spPr>
         <p:txBody>
-          <a:bodyPr lIns="0" rIns="0" tIns="0" bIns="0" anchor="t">
+          <a:bodyPr lIns="0" tIns="0" rIns="0" bIns="0" anchor="t">
             <a:normAutofit/>
           </a:bodyPr>
-          <a:p>
-            <a:endParaRPr b="0" lang="en-AU" sz="3200" spc="-1" strike="noStrike">
+          <a:lstStyle/>
+          <a:p>
+            <a:endParaRPr lang="en-AU" sz="3200" b="0" strike="noStrike" spc="-1">
               <a:latin typeface="Arial"/>
             </a:endParaRPr>
           </a:p>
@@ -794,11 +915,12 @@
           </a:ln>
         </p:spPr>
         <p:txBody>
-          <a:bodyPr lIns="0" rIns="0" tIns="0" bIns="0" anchor="t">
+          <a:bodyPr lIns="0" tIns="0" rIns="0" bIns="0" anchor="t">
             <a:normAutofit/>
           </a:bodyPr>
-          <a:p>
-            <a:endParaRPr b="0" lang="en-AU" sz="3200" spc="-1" strike="noStrike">
+          <a:lstStyle/>
+          <a:p>
+            <a:endParaRPr lang="en-AU" sz="3200" b="0" strike="noStrike" spc="-1">
               <a:latin typeface="Arial"/>
             </a:endParaRPr>
           </a:p>
@@ -817,6 +939,7 @@
         <p:spPr/>
         <p:txBody>
           <a:bodyPr/>
+          <a:lstStyle/>
           <a:p>
             <a:r>
               <a:t>Footer</a:t>
@@ -837,10 +960,12 @@
         <p:spPr/>
         <p:txBody>
           <a:bodyPr/>
+          <a:lstStyle/>
           <a:p>
             <a:fld id="{F8C9D824-95EF-481D-8CC6-479154697647}" type="slidenum">
-              <a:t>&lt;#&gt;</a:t>
+              <a:t>‹#›</a:t>
             </a:fld>
+            <a:endParaRPr/>
           </a:p>
         </p:txBody>
       </p:sp>
@@ -857,21 +982,22 @@
         <p:spPr/>
         <p:txBody>
           <a:bodyPr/>
-          <a:p>
-            <a:r>
-              <a:rPr lang="en-AU"/>
-              <a:t/>
-            </a:r>
+          <a:lstStyle/>
+          <a:p>
+            <a:endParaRPr/>
           </a:p>
         </p:txBody>
       </p:sp>
     </p:spTree>
   </p:cSld>
+  <p:clrMapOvr>
+    <a:masterClrMapping/>
+  </p:clrMapOvr>
 </p:sldLayout>
 </file>
 
 <file path=ppt/slideLayouts/slideLayout2.xml><?xml version="1.0" encoding="utf-8"?>
-<p:sldLayout xmlns:a="http://schemas.openxmlformats.org/drawingml/2006/main" xmlns:p="http://schemas.openxmlformats.org/presentationml/2006/main" xmlns:r="http://schemas.openxmlformats.org/officeDocument/2006/relationships" xmlns:p14="http://schemas.microsoft.com/office/powerpoint/2010/main" xmlns:p15="http://schemas.microsoft.com/office/powerpoint/2012/main" xmlns:mc="http://schemas.openxmlformats.org/markup-compatibility/2006" type="tx" preserve="1">
+<p:sldLayout xmlns:a="http://schemas.openxmlformats.org/drawingml/2006/main" xmlns:r="http://schemas.openxmlformats.org/officeDocument/2006/relationships" xmlns:p="http://schemas.openxmlformats.org/presentationml/2006/main" type="tx" preserve="1">
   <p:cSld name="Title Slide">
     <p:spTree>
       <p:nvGrpSpPr>
@@ -911,14 +1037,15 @@
           </a:ln>
         </p:spPr>
         <p:txBody>
-          <a:bodyPr lIns="0" rIns="0" tIns="0" bIns="0" anchor="ctr">
+          <a:bodyPr lIns="0" tIns="0" rIns="0" bIns="0" anchor="ctr">
             <a:noAutofit/>
           </a:bodyPr>
+          <a:lstStyle/>
           <a:p>
             <a:pPr algn="ctr">
               <a:buNone/>
             </a:pPr>
-            <a:endParaRPr b="0" lang="en-AU" sz="4400" spc="-1" strike="noStrike">
+            <a:endParaRPr lang="en-AU" sz="4400" b="0" strike="noStrike" spc="-1">
               <a:latin typeface="Arial"/>
             </a:endParaRPr>
           </a:p>
@@ -948,14 +1075,15 @@
           </a:ln>
         </p:spPr>
         <p:txBody>
-          <a:bodyPr lIns="0" rIns="0" tIns="0" bIns="0" anchor="ctr">
+          <a:bodyPr lIns="0" tIns="0" rIns="0" bIns="0" anchor="ctr">
             <a:noAutofit/>
           </a:bodyPr>
+          <a:lstStyle/>
           <a:p>
             <a:pPr algn="ctr">
               <a:buNone/>
             </a:pPr>
-            <a:endParaRPr b="0" lang="en-AU" sz="3200" spc="-1" strike="noStrike">
+            <a:endParaRPr lang="en-AU" sz="3200" b="0" strike="noStrike" spc="-1">
               <a:latin typeface="Arial"/>
             </a:endParaRPr>
           </a:p>
@@ -974,6 +1102,7 @@
         <p:spPr/>
         <p:txBody>
           <a:bodyPr/>
+          <a:lstStyle/>
           <a:p>
             <a:r>
               <a:t>Footer</a:t>
@@ -994,10 +1123,12 @@
         <p:spPr/>
         <p:txBody>
           <a:bodyPr/>
+          <a:lstStyle/>
           <a:p>
             <a:fld id="{9F077C6D-EBBE-4630-ACAC-071B9BBAD14E}" type="slidenum">
-              <a:t>&lt;#&gt;</a:t>
+              <a:t>‹#›</a:t>
             </a:fld>
+            <a:endParaRPr/>
           </a:p>
         </p:txBody>
       </p:sp>
@@ -1014,21 +1145,22 @@
         <p:spPr/>
         <p:txBody>
           <a:bodyPr/>
-          <a:p>
-            <a:r>
-              <a:rPr lang="en-AU"/>
-              <a:t/>
-            </a:r>
+          <a:lstStyle/>
+          <a:p>
+            <a:endParaRPr/>
           </a:p>
         </p:txBody>
       </p:sp>
     </p:spTree>
   </p:cSld>
+  <p:clrMapOvr>
+    <a:masterClrMapping/>
+  </p:clrMapOvr>
 </p:sldLayout>
 </file>
 
 <file path=ppt/slideLayouts/slideLayout3.xml><?xml version="1.0" encoding="utf-8"?>
-<p:sldLayout xmlns:a="http://schemas.openxmlformats.org/drawingml/2006/main" xmlns:p="http://schemas.openxmlformats.org/presentationml/2006/main" xmlns:r="http://schemas.openxmlformats.org/officeDocument/2006/relationships" xmlns:p14="http://schemas.microsoft.com/office/powerpoint/2010/main" xmlns:p15="http://schemas.microsoft.com/office/powerpoint/2012/main" xmlns:mc="http://schemas.openxmlformats.org/markup-compatibility/2006" type="obj" preserve="1">
+<p:sldLayout xmlns:a="http://schemas.openxmlformats.org/drawingml/2006/main" xmlns:r="http://schemas.openxmlformats.org/officeDocument/2006/relationships" xmlns:p="http://schemas.openxmlformats.org/presentationml/2006/main" type="obj" preserve="1">
   <p:cSld name="Title, Content">
     <p:spTree>
       <p:nvGrpSpPr>
@@ -1068,14 +1200,15 @@
           </a:ln>
         </p:spPr>
         <p:txBody>
-          <a:bodyPr lIns="0" rIns="0" tIns="0" bIns="0" anchor="ctr">
+          <a:bodyPr lIns="0" tIns="0" rIns="0" bIns="0" anchor="ctr">
             <a:noAutofit/>
           </a:bodyPr>
+          <a:lstStyle/>
           <a:p>
             <a:pPr algn="ctr">
               <a:buNone/>
             </a:pPr>
-            <a:endParaRPr b="0" lang="en-AU" sz="4400" spc="-1" strike="noStrike">
+            <a:endParaRPr lang="en-AU" sz="4400" b="0" strike="noStrike" spc="-1">
               <a:latin typeface="Arial"/>
             </a:endParaRPr>
           </a:p>
@@ -1105,11 +1238,12 @@
           </a:ln>
         </p:spPr>
         <p:txBody>
-          <a:bodyPr lIns="0" rIns="0" tIns="0" bIns="0" anchor="t">
+          <a:bodyPr lIns="0" tIns="0" rIns="0" bIns="0" anchor="t">
             <a:normAutofit/>
           </a:bodyPr>
-          <a:p>
-            <a:endParaRPr b="0" lang="en-AU" sz="3200" spc="-1" strike="noStrike">
+          <a:lstStyle/>
+          <a:p>
+            <a:endParaRPr lang="en-AU" sz="3200" b="0" strike="noStrike" spc="-1">
               <a:latin typeface="Arial"/>
             </a:endParaRPr>
           </a:p>
@@ -1128,6 +1262,7 @@
         <p:spPr/>
         <p:txBody>
           <a:bodyPr/>
+          <a:lstStyle/>
           <a:p>
             <a:r>
               <a:t>Footer</a:t>
@@ -1148,10 +1283,12 @@
         <p:spPr/>
         <p:txBody>
           <a:bodyPr/>
+          <a:lstStyle/>
           <a:p>
             <a:fld id="{517F66A8-C1E9-41F9-987F-0BD93E220FB4}" type="slidenum">
-              <a:t>&lt;#&gt;</a:t>
+              <a:t>‹#›</a:t>
             </a:fld>
+            <a:endParaRPr/>
           </a:p>
         </p:txBody>
       </p:sp>
@@ -1168,21 +1305,22 @@
         <p:spPr/>
         <p:txBody>
           <a:bodyPr/>
-          <a:p>
-            <a:r>
-              <a:rPr lang="en-AU"/>
-              <a:t/>
-            </a:r>
+          <a:lstStyle/>
+          <a:p>
+            <a:endParaRPr/>
           </a:p>
         </p:txBody>
       </p:sp>
     </p:spTree>
   </p:cSld>
+  <p:clrMapOvr>
+    <a:masterClrMapping/>
+  </p:clrMapOvr>
 </p:sldLayout>
 </file>
 
 <file path=ppt/slideLayouts/slideLayout4.xml><?xml version="1.0" encoding="utf-8"?>
-<p:sldLayout xmlns:a="http://schemas.openxmlformats.org/drawingml/2006/main" xmlns:p="http://schemas.openxmlformats.org/presentationml/2006/main" xmlns:r="http://schemas.openxmlformats.org/officeDocument/2006/relationships" xmlns:p14="http://schemas.microsoft.com/office/powerpoint/2010/main" xmlns:p15="http://schemas.microsoft.com/office/powerpoint/2012/main" xmlns:mc="http://schemas.openxmlformats.org/markup-compatibility/2006" type="twoObj" preserve="1">
+<p:sldLayout xmlns:a="http://schemas.openxmlformats.org/drawingml/2006/main" xmlns:r="http://schemas.openxmlformats.org/officeDocument/2006/relationships" xmlns:p="http://schemas.openxmlformats.org/presentationml/2006/main" type="twoObj" preserve="1">
   <p:cSld name="Title, 2 Content">
     <p:spTree>
       <p:nvGrpSpPr>
@@ -1222,14 +1360,15 @@
           </a:ln>
         </p:spPr>
         <p:txBody>
-          <a:bodyPr lIns="0" rIns="0" tIns="0" bIns="0" anchor="ctr">
+          <a:bodyPr lIns="0" tIns="0" rIns="0" bIns="0" anchor="ctr">
             <a:noAutofit/>
           </a:bodyPr>
+          <a:lstStyle/>
           <a:p>
             <a:pPr algn="ctr">
               <a:buNone/>
             </a:pPr>
-            <a:endParaRPr b="0" lang="en-AU" sz="4400" spc="-1" strike="noStrike">
+            <a:endParaRPr lang="en-AU" sz="4400" b="0" strike="noStrike" spc="-1">
               <a:latin typeface="Arial"/>
             </a:endParaRPr>
           </a:p>
@@ -1259,11 +1398,12 @@
           </a:ln>
         </p:spPr>
         <p:txBody>
-          <a:bodyPr lIns="0" rIns="0" tIns="0" bIns="0" anchor="t">
+          <a:bodyPr lIns="0" tIns="0" rIns="0" bIns="0" anchor="t">
             <a:normAutofit/>
           </a:bodyPr>
-          <a:p>
-            <a:endParaRPr b="0" lang="en-AU" sz="3200" spc="-1" strike="noStrike">
+          <a:lstStyle/>
+          <a:p>
+            <a:endParaRPr lang="en-AU" sz="3200" b="0" strike="noStrike" spc="-1">
               <a:latin typeface="Arial"/>
             </a:endParaRPr>
           </a:p>
@@ -1293,11 +1433,12 @@
           </a:ln>
         </p:spPr>
         <p:txBody>
-          <a:bodyPr lIns="0" rIns="0" tIns="0" bIns="0" anchor="t">
+          <a:bodyPr lIns="0" tIns="0" rIns="0" bIns="0" anchor="t">
             <a:normAutofit/>
           </a:bodyPr>
-          <a:p>
-            <a:endParaRPr b="0" lang="en-AU" sz="3200" spc="-1" strike="noStrike">
+          <a:lstStyle/>
+          <a:p>
+            <a:endParaRPr lang="en-AU" sz="3200" b="0" strike="noStrike" spc="-1">
               <a:latin typeface="Arial"/>
             </a:endParaRPr>
           </a:p>
@@ -1316,6 +1457,7 @@
         <p:spPr/>
         <p:txBody>
           <a:bodyPr/>
+          <a:lstStyle/>
           <a:p>
             <a:r>
               <a:t>Footer</a:t>
@@ -1336,10 +1478,12 @@
         <p:spPr/>
         <p:txBody>
           <a:bodyPr/>
+          <a:lstStyle/>
           <a:p>
             <a:fld id="{71A0FF29-6EDC-4F44-8370-D2A2FBC47019}" type="slidenum">
-              <a:t>&lt;#&gt;</a:t>
+              <a:t>‹#›</a:t>
             </a:fld>
+            <a:endParaRPr/>
           </a:p>
         </p:txBody>
       </p:sp>
@@ -1356,21 +1500,22 @@
         <p:spPr/>
         <p:txBody>
           <a:bodyPr/>
-          <a:p>
-            <a:r>
-              <a:rPr lang="en-AU"/>
-              <a:t/>
-            </a:r>
+          <a:lstStyle/>
+          <a:p>
+            <a:endParaRPr/>
           </a:p>
         </p:txBody>
       </p:sp>
     </p:spTree>
   </p:cSld>
+  <p:clrMapOvr>
+    <a:masterClrMapping/>
+  </p:clrMapOvr>
 </p:sldLayout>
 </file>
 
 <file path=ppt/slideLayouts/slideLayout5.xml><?xml version="1.0" encoding="utf-8"?>
-<p:sldLayout xmlns:a="http://schemas.openxmlformats.org/drawingml/2006/main" xmlns:p="http://schemas.openxmlformats.org/presentationml/2006/main" xmlns:r="http://schemas.openxmlformats.org/officeDocument/2006/relationships" xmlns:p14="http://schemas.microsoft.com/office/powerpoint/2010/main" xmlns:p15="http://schemas.microsoft.com/office/powerpoint/2012/main" xmlns:mc="http://schemas.openxmlformats.org/markup-compatibility/2006" type="titleOnly" preserve="1">
+<p:sldLayout xmlns:a="http://schemas.openxmlformats.org/drawingml/2006/main" xmlns:r="http://schemas.openxmlformats.org/officeDocument/2006/relationships" xmlns:p="http://schemas.openxmlformats.org/presentationml/2006/main" type="titleOnly" preserve="1">
   <p:cSld name="Title Only">
     <p:spTree>
       <p:nvGrpSpPr>
@@ -1410,14 +1555,15 @@
           </a:ln>
         </p:spPr>
         <p:txBody>
-          <a:bodyPr lIns="0" rIns="0" tIns="0" bIns="0" anchor="ctr">
+          <a:bodyPr lIns="0" tIns="0" rIns="0" bIns="0" anchor="ctr">
             <a:noAutofit/>
           </a:bodyPr>
+          <a:lstStyle/>
           <a:p>
             <a:pPr algn="ctr">
               <a:buNone/>
             </a:pPr>
-            <a:endParaRPr b="0" lang="en-AU" sz="4400" spc="-1" strike="noStrike">
+            <a:endParaRPr lang="en-AU" sz="4400" b="0" strike="noStrike" spc="-1">
               <a:latin typeface="Arial"/>
             </a:endParaRPr>
           </a:p>
@@ -1436,6 +1582,7 @@
         <p:spPr/>
         <p:txBody>
           <a:bodyPr/>
+          <a:lstStyle/>
           <a:p>
             <a:r>
               <a:t>Footer</a:t>
@@ -1456,10 +1603,12 @@
         <p:spPr/>
         <p:txBody>
           <a:bodyPr/>
+          <a:lstStyle/>
           <a:p>
             <a:fld id="{776EA8DA-E2E5-4B22-B4AB-5731C4E238B3}" type="slidenum">
-              <a:t>&lt;#&gt;</a:t>
+              <a:t>‹#›</a:t>
             </a:fld>
+            <a:endParaRPr/>
           </a:p>
         </p:txBody>
       </p:sp>
@@ -1476,21 +1625,22 @@
         <p:spPr/>
         <p:txBody>
           <a:bodyPr/>
-          <a:p>
-            <a:r>
-              <a:rPr lang="en-AU"/>
-              <a:t/>
-            </a:r>
+          <a:lstStyle/>
+          <a:p>
+            <a:endParaRPr/>
           </a:p>
         </p:txBody>
       </p:sp>
     </p:spTree>
   </p:cSld>
+  <p:clrMapOvr>
+    <a:masterClrMapping/>
+  </p:clrMapOvr>
 </p:sldLayout>
 </file>
 
 <file path=ppt/slideLayouts/slideLayout6.xml><?xml version="1.0" encoding="utf-8"?>
-<p:sldLayout xmlns:a="http://schemas.openxmlformats.org/drawingml/2006/main" xmlns:p="http://schemas.openxmlformats.org/presentationml/2006/main" xmlns:r="http://schemas.openxmlformats.org/officeDocument/2006/relationships" xmlns:p14="http://schemas.microsoft.com/office/powerpoint/2010/main" xmlns:p15="http://schemas.microsoft.com/office/powerpoint/2012/main" xmlns:mc="http://schemas.openxmlformats.org/markup-compatibility/2006" type="objOnly" preserve="1">
+<p:sldLayout xmlns:a="http://schemas.openxmlformats.org/drawingml/2006/main" xmlns:r="http://schemas.openxmlformats.org/officeDocument/2006/relationships" xmlns:p="http://schemas.openxmlformats.org/presentationml/2006/main" type="objOnly" preserve="1">
   <p:cSld name="Centered Text">
     <p:spTree>
       <p:nvGrpSpPr>
@@ -1530,14 +1680,15 @@
           </a:ln>
         </p:spPr>
         <p:txBody>
-          <a:bodyPr lIns="0" rIns="0" tIns="0" bIns="0" anchor="ctr">
+          <a:bodyPr lIns="0" tIns="0" rIns="0" bIns="0" anchor="ctr">
             <a:noAutofit/>
           </a:bodyPr>
+          <a:lstStyle/>
           <a:p>
             <a:pPr algn="ctr">
               <a:buNone/>
             </a:pPr>
-            <a:endParaRPr b="0" lang="en-AU" sz="3200" spc="-1" strike="noStrike">
+            <a:endParaRPr lang="en-AU" sz="3200" b="0" strike="noStrike" spc="-1">
               <a:latin typeface="Arial"/>
             </a:endParaRPr>
           </a:p>
@@ -1556,6 +1707,7 @@
         <p:spPr/>
         <p:txBody>
           <a:bodyPr/>
+          <a:lstStyle/>
           <a:p>
             <a:r>
               <a:t>Footer</a:t>
@@ -1576,10 +1728,12 @@
         <p:spPr/>
         <p:txBody>
           <a:bodyPr/>
+          <a:lstStyle/>
           <a:p>
             <a:fld id="{A5BC9749-B414-410E-9D78-3C60631956D5}" type="slidenum">
-              <a:t>&lt;#&gt;</a:t>
+              <a:t>‹#›</a:t>
             </a:fld>
+            <a:endParaRPr/>
           </a:p>
         </p:txBody>
       </p:sp>
@@ -1596,21 +1750,22 @@
         <p:spPr/>
         <p:txBody>
           <a:bodyPr/>
-          <a:p>
-            <a:r>
-              <a:rPr lang="en-AU"/>
-              <a:t/>
-            </a:r>
+          <a:lstStyle/>
+          <a:p>
+            <a:endParaRPr/>
           </a:p>
         </p:txBody>
       </p:sp>
     </p:spTree>
   </p:cSld>
+  <p:clrMapOvr>
+    <a:masterClrMapping/>
+  </p:clrMapOvr>
 </p:sldLayout>
 </file>
 
 <file path=ppt/slideLayouts/slideLayout7.xml><?xml version="1.0" encoding="utf-8"?>
-<p:sldLayout xmlns:a="http://schemas.openxmlformats.org/drawingml/2006/main" xmlns:p="http://schemas.openxmlformats.org/presentationml/2006/main" xmlns:r="http://schemas.openxmlformats.org/officeDocument/2006/relationships" xmlns:p14="http://schemas.microsoft.com/office/powerpoint/2010/main" xmlns:p15="http://schemas.microsoft.com/office/powerpoint/2012/main" xmlns:mc="http://schemas.openxmlformats.org/markup-compatibility/2006" type="twoObjAndObj" preserve="1">
+<p:sldLayout xmlns:a="http://schemas.openxmlformats.org/drawingml/2006/main" xmlns:r="http://schemas.openxmlformats.org/officeDocument/2006/relationships" xmlns:p="http://schemas.openxmlformats.org/presentationml/2006/main" type="twoObjAndObj" preserve="1">
   <p:cSld name="Title, 2 Content and Content">
     <p:spTree>
       <p:nvGrpSpPr>
@@ -1650,14 +1805,15 @@
           </a:ln>
         </p:spPr>
         <p:txBody>
-          <a:bodyPr lIns="0" rIns="0" tIns="0" bIns="0" anchor="ctr">
+          <a:bodyPr lIns="0" tIns="0" rIns="0" bIns="0" anchor="ctr">
             <a:noAutofit/>
           </a:bodyPr>
+          <a:lstStyle/>
           <a:p>
             <a:pPr algn="ctr">
               <a:buNone/>
             </a:pPr>
-            <a:endParaRPr b="0" lang="en-AU" sz="4400" spc="-1" strike="noStrike">
+            <a:endParaRPr lang="en-AU" sz="4400" b="0" strike="noStrike" spc="-1">
               <a:latin typeface="Arial"/>
             </a:endParaRPr>
           </a:p>
@@ -1687,11 +1843,12 @@
           </a:ln>
         </p:spPr>
         <p:txBody>
-          <a:bodyPr lIns="0" rIns="0" tIns="0" bIns="0" anchor="t">
+          <a:bodyPr lIns="0" tIns="0" rIns="0" bIns="0" anchor="t">
             <a:normAutofit/>
           </a:bodyPr>
-          <a:p>
-            <a:endParaRPr b="0" lang="en-AU" sz="3200" spc="-1" strike="noStrike">
+          <a:lstStyle/>
+          <a:p>
+            <a:endParaRPr lang="en-AU" sz="3200" b="0" strike="noStrike" spc="-1">
               <a:latin typeface="Arial"/>
             </a:endParaRPr>
           </a:p>
@@ -1721,11 +1878,12 @@
           </a:ln>
         </p:spPr>
         <p:txBody>
-          <a:bodyPr lIns="0" rIns="0" tIns="0" bIns="0" anchor="t">
+          <a:bodyPr lIns="0" tIns="0" rIns="0" bIns="0" anchor="t">
             <a:normAutofit/>
           </a:bodyPr>
-          <a:p>
-            <a:endParaRPr b="0" lang="en-AU" sz="3200" spc="-1" strike="noStrike">
+          <a:lstStyle/>
+          <a:p>
+            <a:endParaRPr lang="en-AU" sz="3200" b="0" strike="noStrike" spc="-1">
               <a:latin typeface="Arial"/>
             </a:endParaRPr>
           </a:p>
@@ -1755,11 +1913,12 @@
           </a:ln>
         </p:spPr>
         <p:txBody>
-          <a:bodyPr lIns="0" rIns="0" tIns="0" bIns="0" anchor="t">
+          <a:bodyPr lIns="0" tIns="0" rIns="0" bIns="0" anchor="t">
             <a:normAutofit/>
           </a:bodyPr>
-          <a:p>
-            <a:endParaRPr b="0" lang="en-AU" sz="3200" spc="-1" strike="noStrike">
+          <a:lstStyle/>
+          <a:p>
+            <a:endParaRPr lang="en-AU" sz="3200" b="0" strike="noStrike" spc="-1">
               <a:latin typeface="Arial"/>
             </a:endParaRPr>
           </a:p>
@@ -1778,6 +1937,7 @@
         <p:spPr/>
         <p:txBody>
           <a:bodyPr/>
+          <a:lstStyle/>
           <a:p>
             <a:r>
               <a:t>Footer</a:t>
@@ -1798,10 +1958,12 @@
         <p:spPr/>
         <p:txBody>
           <a:bodyPr/>
+          <a:lstStyle/>
           <a:p>
             <a:fld id="{448D8571-504A-4183-9F99-82F88538B685}" type="slidenum">
-              <a:t>&lt;#&gt;</a:t>
+              <a:t>‹#›</a:t>
             </a:fld>
+            <a:endParaRPr/>
           </a:p>
         </p:txBody>
       </p:sp>
@@ -1818,21 +1980,22 @@
         <p:spPr/>
         <p:txBody>
           <a:bodyPr/>
-          <a:p>
-            <a:r>
-              <a:rPr lang="en-AU"/>
-              <a:t/>
-            </a:r>
+          <a:lstStyle/>
+          <a:p>
+            <a:endParaRPr/>
           </a:p>
         </p:txBody>
       </p:sp>
     </p:spTree>
   </p:cSld>
+  <p:clrMapOvr>
+    <a:masterClrMapping/>
+  </p:clrMapOvr>
 </p:sldLayout>
 </file>
 
 <file path=ppt/slideLayouts/slideLayout8.xml><?xml version="1.0" encoding="utf-8"?>
-<p:sldLayout xmlns:a="http://schemas.openxmlformats.org/drawingml/2006/main" xmlns:p="http://schemas.openxmlformats.org/presentationml/2006/main" xmlns:r="http://schemas.openxmlformats.org/officeDocument/2006/relationships" xmlns:p14="http://schemas.microsoft.com/office/powerpoint/2010/main" xmlns:p15="http://schemas.microsoft.com/office/powerpoint/2012/main" xmlns:mc="http://schemas.openxmlformats.org/markup-compatibility/2006" type="objAndTwoObj" preserve="1">
+<p:sldLayout xmlns:a="http://schemas.openxmlformats.org/drawingml/2006/main" xmlns:r="http://schemas.openxmlformats.org/officeDocument/2006/relationships" xmlns:p="http://schemas.openxmlformats.org/presentationml/2006/main" type="objAndTwoObj" preserve="1">
   <p:cSld name="Title Content and 2 Content">
     <p:spTree>
       <p:nvGrpSpPr>
@@ -1872,14 +2035,15 @@
           </a:ln>
         </p:spPr>
         <p:txBody>
-          <a:bodyPr lIns="0" rIns="0" tIns="0" bIns="0" anchor="ctr">
+          <a:bodyPr lIns="0" tIns="0" rIns="0" bIns="0" anchor="ctr">
             <a:noAutofit/>
           </a:bodyPr>
+          <a:lstStyle/>
           <a:p>
             <a:pPr algn="ctr">
               <a:buNone/>
             </a:pPr>
-            <a:endParaRPr b="0" lang="en-AU" sz="4400" spc="-1" strike="noStrike">
+            <a:endParaRPr lang="en-AU" sz="4400" b="0" strike="noStrike" spc="-1">
               <a:latin typeface="Arial"/>
             </a:endParaRPr>
           </a:p>
@@ -1909,11 +2073,12 @@
           </a:ln>
         </p:spPr>
         <p:txBody>
-          <a:bodyPr lIns="0" rIns="0" tIns="0" bIns="0" anchor="t">
+          <a:bodyPr lIns="0" tIns="0" rIns="0" bIns="0" anchor="t">
             <a:normAutofit/>
           </a:bodyPr>
-          <a:p>
-            <a:endParaRPr b="0" lang="en-AU" sz="3200" spc="-1" strike="noStrike">
+          <a:lstStyle/>
+          <a:p>
+            <a:endParaRPr lang="en-AU" sz="3200" b="0" strike="noStrike" spc="-1">
               <a:latin typeface="Arial"/>
             </a:endParaRPr>
           </a:p>
@@ -1943,11 +2108,12 @@
           </a:ln>
         </p:spPr>
         <p:txBody>
-          <a:bodyPr lIns="0" rIns="0" tIns="0" bIns="0" anchor="t">
+          <a:bodyPr lIns="0" tIns="0" rIns="0" bIns="0" anchor="t">
             <a:normAutofit/>
           </a:bodyPr>
-          <a:p>
-            <a:endParaRPr b="0" lang="en-AU" sz="3200" spc="-1" strike="noStrike">
+          <a:lstStyle/>
+          <a:p>
+            <a:endParaRPr lang="en-AU" sz="3200" b="0" strike="noStrike" spc="-1">
               <a:latin typeface="Arial"/>
             </a:endParaRPr>
           </a:p>
@@ -1977,11 +2143,12 @@
           </a:ln>
         </p:spPr>
         <p:txBody>
-          <a:bodyPr lIns="0" rIns="0" tIns="0" bIns="0" anchor="t">
+          <a:bodyPr lIns="0" tIns="0" rIns="0" bIns="0" anchor="t">
             <a:normAutofit/>
           </a:bodyPr>
-          <a:p>
-            <a:endParaRPr b="0" lang="en-AU" sz="3200" spc="-1" strike="noStrike">
+          <a:lstStyle/>
+          <a:p>
+            <a:endParaRPr lang="en-AU" sz="3200" b="0" strike="noStrike" spc="-1">
               <a:latin typeface="Arial"/>
             </a:endParaRPr>
           </a:p>
@@ -2000,6 +2167,7 @@
         <p:spPr/>
         <p:txBody>
           <a:bodyPr/>
+          <a:lstStyle/>
           <a:p>
             <a:r>
               <a:t>Footer</a:t>
@@ -2020,10 +2188,12 @@
         <p:spPr/>
         <p:txBody>
           <a:bodyPr/>
+          <a:lstStyle/>
           <a:p>
             <a:fld id="{99B358DF-43C2-4CC2-8BB8-40E106B8DE6C}" type="slidenum">
-              <a:t>&lt;#&gt;</a:t>
+              <a:t>‹#›</a:t>
             </a:fld>
+            <a:endParaRPr/>
           </a:p>
         </p:txBody>
       </p:sp>
@@ -2040,21 +2210,22 @@
         <p:spPr/>
         <p:txBody>
           <a:bodyPr/>
-          <a:p>
-            <a:r>
-              <a:rPr lang="en-AU"/>
-              <a:t/>
-            </a:r>
+          <a:lstStyle/>
+          <a:p>
+            <a:endParaRPr/>
           </a:p>
         </p:txBody>
       </p:sp>
     </p:spTree>
   </p:cSld>
+  <p:clrMapOvr>
+    <a:masterClrMapping/>
+  </p:clrMapOvr>
 </p:sldLayout>
 </file>
 
 <file path=ppt/slideLayouts/slideLayout9.xml><?xml version="1.0" encoding="utf-8"?>
-<p:sldLayout xmlns:a="http://schemas.openxmlformats.org/drawingml/2006/main" xmlns:p="http://schemas.openxmlformats.org/presentationml/2006/main" xmlns:r="http://schemas.openxmlformats.org/officeDocument/2006/relationships" xmlns:p14="http://schemas.microsoft.com/office/powerpoint/2010/main" xmlns:p15="http://schemas.microsoft.com/office/powerpoint/2012/main" xmlns:mc="http://schemas.openxmlformats.org/markup-compatibility/2006" type="twoObjOverTx" preserve="1">
+<p:sldLayout xmlns:a="http://schemas.openxmlformats.org/drawingml/2006/main" xmlns:r="http://schemas.openxmlformats.org/officeDocument/2006/relationships" xmlns:p="http://schemas.openxmlformats.org/presentationml/2006/main" type="twoObjOverTx" preserve="1">
   <p:cSld name="Title, 2 Content over Content">
     <p:spTree>
       <p:nvGrpSpPr>
@@ -2094,14 +2265,15 @@
           </a:ln>
         </p:spPr>
         <p:txBody>
-          <a:bodyPr lIns="0" rIns="0" tIns="0" bIns="0" anchor="ctr">
+          <a:bodyPr lIns="0" tIns="0" rIns="0" bIns="0" anchor="ctr">
             <a:noAutofit/>
           </a:bodyPr>
+          <a:lstStyle/>
           <a:p>
             <a:pPr algn="ctr">
               <a:buNone/>
             </a:pPr>
-            <a:endParaRPr b="0" lang="en-AU" sz="4400" spc="-1" strike="noStrike">
+            <a:endParaRPr lang="en-AU" sz="4400" b="0" strike="noStrike" spc="-1">
               <a:latin typeface="Arial"/>
             </a:endParaRPr>
           </a:p>
@@ -2131,11 +2303,12 @@
           </a:ln>
         </p:spPr>
         <p:txBody>
-          <a:bodyPr lIns="0" rIns="0" tIns="0" bIns="0" anchor="t">
+          <a:bodyPr lIns="0" tIns="0" rIns="0" bIns="0" anchor="t">
             <a:normAutofit/>
           </a:bodyPr>
-          <a:p>
-            <a:endParaRPr b="0" lang="en-AU" sz="3200" spc="-1" strike="noStrike">
+          <a:lstStyle/>
+          <a:p>
+            <a:endParaRPr lang="en-AU" sz="3200" b="0" strike="noStrike" spc="-1">
               <a:latin typeface="Arial"/>
             </a:endParaRPr>
           </a:p>
@@ -2165,11 +2338,12 @@
           </a:ln>
         </p:spPr>
         <p:txBody>
-          <a:bodyPr lIns="0" rIns="0" tIns="0" bIns="0" anchor="t">
+          <a:bodyPr lIns="0" tIns="0" rIns="0" bIns="0" anchor="t">
             <a:normAutofit/>
           </a:bodyPr>
-          <a:p>
-            <a:endParaRPr b="0" lang="en-AU" sz="3200" spc="-1" strike="noStrike">
+          <a:lstStyle/>
+          <a:p>
+            <a:endParaRPr lang="en-AU" sz="3200" b="0" strike="noStrike" spc="-1">
               <a:latin typeface="Arial"/>
             </a:endParaRPr>
           </a:p>
@@ -2199,11 +2373,12 @@
           </a:ln>
         </p:spPr>
         <p:txBody>
-          <a:bodyPr lIns="0" rIns="0" tIns="0" bIns="0" anchor="t">
+          <a:bodyPr lIns="0" tIns="0" rIns="0" bIns="0" anchor="t">
             <a:normAutofit/>
           </a:bodyPr>
-          <a:p>
-            <a:endParaRPr b="0" lang="en-AU" sz="3200" spc="-1" strike="noStrike">
+          <a:lstStyle/>
+          <a:p>
+            <a:endParaRPr lang="en-AU" sz="3200" b="0" strike="noStrike" spc="-1">
               <a:latin typeface="Arial"/>
             </a:endParaRPr>
           </a:p>
@@ -2222,6 +2397,7 @@
         <p:spPr/>
         <p:txBody>
           <a:bodyPr/>
+          <a:lstStyle/>
           <a:p>
             <a:r>
               <a:t>Footer</a:t>
@@ -2242,10 +2418,12 @@
         <p:spPr/>
         <p:txBody>
           <a:bodyPr/>
+          <a:lstStyle/>
           <a:p>
             <a:fld id="{01E27B56-ACBD-46A3-9A32-9C01E297CC6A}" type="slidenum">
-              <a:t>&lt;#&gt;</a:t>
+              <a:t>‹#›</a:t>
             </a:fld>
+            <a:endParaRPr/>
           </a:p>
         </p:txBody>
       </p:sp>
@@ -2262,27 +2440,29 @@
         <p:spPr/>
         <p:txBody>
           <a:bodyPr/>
-          <a:p>
-            <a:r>
-              <a:rPr lang="en-AU"/>
-              <a:t/>
-            </a:r>
+          <a:lstStyle/>
+          <a:p>
+            <a:endParaRPr/>
           </a:p>
         </p:txBody>
       </p:sp>
     </p:spTree>
   </p:cSld>
+  <p:clrMapOvr>
+    <a:masterClrMapping/>
+  </p:clrMapOvr>
 </p:sldLayout>
 </file>
 
 <file path=ppt/slideMasters/slideMaster1.xml><?xml version="1.0" encoding="utf-8"?>
-<p:sldMaster xmlns:a="http://schemas.openxmlformats.org/drawingml/2006/main" xmlns:p="http://schemas.openxmlformats.org/presentationml/2006/main" xmlns:r="http://schemas.openxmlformats.org/officeDocument/2006/relationships" xmlns:p14="http://schemas.microsoft.com/office/powerpoint/2010/main" xmlns:p15="http://schemas.microsoft.com/office/powerpoint/2012/main" xmlns:mc="http://schemas.openxmlformats.org/markup-compatibility/2006">
+<p:sldMaster xmlns:a="http://schemas.openxmlformats.org/drawingml/2006/main" xmlns:r="http://schemas.openxmlformats.org/officeDocument/2006/relationships" xmlns:p="http://schemas.openxmlformats.org/presentationml/2006/main">
   <p:cSld>
     <p:bg>
       <p:bgPr>
         <a:solidFill>
           <a:srgbClr val="343437"/>
         </a:solidFill>
+        <a:effectLst/>
       </p:bgPr>
     </p:bg>
     <p:spTree>
@@ -2301,7 +2481,7 @@
       </p:grpSpPr>
       <p:sp>
         <p:nvSpPr>
-          <p:cNvPr id="0" name="Rectangle 6" hidden="1"/>
+          <p:cNvPr id="7" name="Rectangle 6" hidden="1"/>
           <p:cNvSpPr/>
           <p:nvPr/>
         </p:nvSpPr>
@@ -2339,7 +2519,7 @@
       </p:sp>
       <p:sp>
         <p:nvSpPr>
-          <p:cNvPr id="1" name="Rectangle 6"/>
+          <p:cNvPr id="8" name="Rectangle 6"/>
           <p:cNvSpPr/>
           <p:nvPr/>
         </p:nvSpPr>
@@ -2397,37 +2577,17 @@
           </a:ln>
         </p:spPr>
         <p:txBody>
-          <a:bodyPr lIns="0" rIns="0" tIns="0" bIns="0" anchor="ctr">
+          <a:bodyPr lIns="0" tIns="0" rIns="0" bIns="0" anchor="ctr">
             <a:noAutofit/>
           </a:bodyPr>
-          <a:p>
-            <a:r>
-              <a:rPr b="0" lang="en-AU" sz="1800" spc="-1" strike="noStrike">
+          <a:lstStyle/>
+          <a:p>
+            <a:r>
+              <a:rPr lang="en-AU" sz="1800" b="0" strike="noStrike" spc="-1">
                 <a:latin typeface="Arial"/>
               </a:rPr>
-              <a:t>Click to </a:t>
-            </a:r>
-            <a:r>
-              <a:rPr b="0" lang="en-AU" sz="1800" spc="-1" strike="noStrike">
-                <a:latin typeface="Arial"/>
-              </a:rPr>
-              <a:t>edit the </a:t>
-            </a:r>
-            <a:r>
-              <a:rPr b="0" lang="en-AU" sz="1800" spc="-1" strike="noStrike">
-                <a:latin typeface="Arial"/>
-              </a:rPr>
-              <a:t>title text </a:t>
-            </a:r>
-            <a:r>
-              <a:rPr b="0" lang="en-AU" sz="1800" spc="-1" strike="noStrike">
-                <a:latin typeface="Arial"/>
-              </a:rPr>
-              <a:t>format</a:t>
-            </a:r>
-            <a:endParaRPr b="0" lang="en-AU" sz="1800" spc="-1" strike="noStrike">
-              <a:latin typeface="Arial"/>
-            </a:endParaRPr>
+              <a:t>Click to edit the title text format</a:t>
+            </a:r>
           </a:p>
         </p:txBody>
       </p:sp>
@@ -2455,7 +2615,7 @@
           </a:ln>
         </p:spPr>
         <p:txBody>
-          <a:bodyPr lIns="90000" rIns="90000" tIns="45000" bIns="45000" anchor="ctr">
+          <a:bodyPr lIns="90000" tIns="45000" rIns="90000" bIns="45000" anchor="ctr">
             <a:noAutofit/>
           </a:bodyPr>
           <a:lstStyle>
@@ -2464,7 +2624,7 @@
                 <a:spcPct val="100000"/>
               </a:lnSpc>
               <a:buNone/>
-              <a:defRPr b="0" lang="en-AU" sz="1400" spc="-1" strike="noStrike">
+              <a:defRPr lang="en-AU" sz="1400" b="0" strike="noStrike" spc="-1">
                 <a:latin typeface="Times New Roman"/>
               </a:defRPr>
             </a:lvl1pPr>
@@ -2477,14 +2637,11 @@
               <a:buNone/>
             </a:pPr>
             <a:r>
-              <a:rPr b="0" lang="en-AU" sz="1400" spc="-1" strike="noStrike">
+              <a:rPr lang="en-AU" sz="1400" b="0" strike="noStrike" spc="-1">
                 <a:latin typeface="Times New Roman"/>
               </a:rPr>
               <a:t>&lt;footer&gt;</a:t>
             </a:r>
-            <a:endParaRPr b="0" lang="en-AU" sz="1400" spc="-1" strike="noStrike">
-              <a:latin typeface="Times New Roman"/>
-            </a:endParaRPr>
           </a:p>
         </p:txBody>
       </p:sp>
@@ -2512,7 +2669,7 @@
           </a:ln>
         </p:spPr>
         <p:txBody>
-          <a:bodyPr lIns="45720" rIns="45720" tIns="45000" bIns="45000" anchor="ctr">
+          <a:bodyPr lIns="45720" tIns="45000" rIns="45720" bIns="45000" anchor="ctr">
             <a:noAutofit/>
           </a:bodyPr>
           <a:lstStyle>
@@ -2521,9 +2678,9 @@
                 <a:spcPct val="100000"/>
               </a:lnSpc>
               <a:buNone/>
-              <a:defRPr b="0" lang="en-AU" sz="3600" spc="-1" strike="noStrike">
-                <a:solidFill>
-                  <a:srgbClr val="a6a6a6"/>
+              <a:defRPr lang="en-AU" sz="3600" b="0" strike="noStrike" spc="-1">
+                <a:solidFill>
+                  <a:srgbClr val="A6A6A6"/>
                 </a:solidFill>
                 <a:latin typeface="Century Schoolbook"/>
               </a:defRPr>
@@ -2537,15 +2694,15 @@
               <a:buNone/>
             </a:pPr>
             <a:fld id="{6A9E563C-B7E8-498E-9F84-A458D5C33B77}" type="slidenum">
-              <a:rPr b="0" lang="en-AU" sz="3600" spc="-1" strike="noStrike">
-                <a:solidFill>
-                  <a:srgbClr val="a6a6a6"/>
-                </a:solidFill>
-                <a:latin typeface="Century Schoolbook"/>
-              </a:rPr>
-              <a:t>&lt;number&gt;</a:t>
+              <a:rPr lang="en-AU" sz="3600" b="0" strike="noStrike" spc="-1">
+                <a:solidFill>
+                  <a:srgbClr val="A6A6A6"/>
+                </a:solidFill>
+                <a:latin typeface="Century Schoolbook"/>
+              </a:rPr>
+              <a:t>‹#›</a:t>
             </a:fld>
-            <a:endParaRPr b="0" lang="en-AU" sz="3600" spc="-1" strike="noStrike">
+            <a:endParaRPr lang="en-AU" sz="3600" b="0" strike="noStrike" spc="-1">
               <a:latin typeface="Times New Roman"/>
             </a:endParaRPr>
           </a:p>
@@ -2575,26 +2732,23 @@
           </a:ln>
         </p:spPr>
         <p:txBody>
-          <a:bodyPr lIns="90000" rIns="90000" tIns="45000" bIns="45000" anchor="ctr">
+          <a:bodyPr lIns="90000" tIns="45000" rIns="90000" bIns="45000" anchor="ctr">
             <a:noAutofit/>
           </a:bodyPr>
           <a:lstStyle>
             <a:lvl1pPr>
-              <a:defRPr b="0" lang="en-AU" sz="1400" spc="-1" strike="noStrike">
+              <a:defRPr lang="en-AU" sz="1400" b="0" strike="noStrike" spc="-1">
                 <a:latin typeface="Times New Roman"/>
               </a:defRPr>
             </a:lvl1pPr>
           </a:lstStyle>
           <a:p>
             <a:r>
-              <a:rPr b="0" lang="en-AU" sz="1400" spc="-1" strike="noStrike">
+              <a:rPr lang="en-AU" sz="1400" b="0" strike="noStrike" spc="-1">
                 <a:latin typeface="Times New Roman"/>
               </a:rPr>
               <a:t>&lt;date/time&gt;</a:t>
             </a:r>
-            <a:endParaRPr b="0" lang="en-AU" sz="1400" spc="-1" strike="noStrike">
-              <a:latin typeface="Times New Roman"/>
-            </a:endParaRPr>
           </a:p>
         </p:txBody>
       </p:sp>
@@ -2622,187 +2776,447 @@
           </a:ln>
         </p:spPr>
         <p:txBody>
-          <a:bodyPr lIns="0" rIns="0" tIns="0" bIns="0" anchor="t">
+          <a:bodyPr lIns="0" tIns="0" rIns="0" bIns="0" anchor="t">
             <a:normAutofit/>
           </a:bodyPr>
+          <a:lstStyle/>
           <a:p>
             <a:pPr marL="432000" indent="-324000">
               <a:spcBef>
                 <a:spcPts val="1417"/>
               </a:spcBef>
               <a:buClr>
-                <a:srgbClr val="ffffff"/>
+                <a:srgbClr val="FFFFFF"/>
               </a:buClr>
               <a:buSzPct val="45000"/>
               <a:buFont typeface="Wingdings" charset="2"/>
               <a:buChar char=""/>
             </a:pPr>
             <a:r>
-              <a:rPr b="0" lang="en-AU" sz="3200" spc="-1" strike="noStrike">
+              <a:rPr lang="en-AU" sz="3200" b="0" strike="noStrike" spc="-1">
                 <a:latin typeface="Arial"/>
               </a:rPr>
               <a:t>Click to edit the outline text format</a:t>
             </a:r>
-            <a:endParaRPr b="0" lang="en-AU" sz="3200" spc="-1" strike="noStrike">
-              <a:latin typeface="Arial"/>
-            </a:endParaRPr>
-          </a:p>
-          <a:p>
-            <a:pPr lvl="1" marL="864000" indent="-324000">
+          </a:p>
+          <a:p>
+            <a:pPr marL="864000" lvl="1" indent="-324000">
               <a:spcBef>
                 <a:spcPts val="1134"/>
               </a:spcBef>
               <a:buClr>
-                <a:srgbClr val="ffffff"/>
+                <a:srgbClr val="FFFFFF"/>
               </a:buClr>
               <a:buSzPct val="75000"/>
               <a:buFont typeface="Symbol" charset="2"/>
               <a:buChar char=""/>
             </a:pPr>
             <a:r>
-              <a:rPr b="0" lang="en-AU" sz="2800" spc="-1" strike="noStrike">
+              <a:rPr lang="en-AU" sz="2800" b="0" strike="noStrike" spc="-1">
                 <a:latin typeface="Arial"/>
               </a:rPr>
               <a:t>Second Outline Level</a:t>
             </a:r>
-            <a:endParaRPr b="0" lang="en-AU" sz="2800" spc="-1" strike="noStrike">
-              <a:latin typeface="Arial"/>
-            </a:endParaRPr>
-          </a:p>
-          <a:p>
-            <a:pPr lvl="2" marL="1296000" indent="-288000">
+          </a:p>
+          <a:p>
+            <a:pPr marL="1296000" lvl="2" indent="-288000">
               <a:spcBef>
                 <a:spcPts val="850"/>
               </a:spcBef>
               <a:buClr>
-                <a:srgbClr val="ffffff"/>
+                <a:srgbClr val="FFFFFF"/>
               </a:buClr>
               <a:buSzPct val="45000"/>
               <a:buFont typeface="Wingdings" charset="2"/>
               <a:buChar char=""/>
             </a:pPr>
             <a:r>
-              <a:rPr b="0" lang="en-AU" sz="2400" spc="-1" strike="noStrike">
+              <a:rPr lang="en-AU" sz="2400" b="0" strike="noStrike" spc="-1">
                 <a:latin typeface="Arial"/>
               </a:rPr>
               <a:t>Third Outline Level</a:t>
             </a:r>
-            <a:endParaRPr b="0" lang="en-AU" sz="2400" spc="-1" strike="noStrike">
-              <a:latin typeface="Arial"/>
-            </a:endParaRPr>
-          </a:p>
-          <a:p>
-            <a:pPr lvl="3" marL="1728000" indent="-216000">
+          </a:p>
+          <a:p>
+            <a:pPr marL="1728000" lvl="3" indent="-216000">
               <a:spcBef>
                 <a:spcPts val="567"/>
               </a:spcBef>
               <a:buClr>
-                <a:srgbClr val="ffffff"/>
+                <a:srgbClr val="FFFFFF"/>
               </a:buClr>
               <a:buSzPct val="75000"/>
               <a:buFont typeface="Symbol" charset="2"/>
               <a:buChar char=""/>
             </a:pPr>
             <a:r>
-              <a:rPr b="0" lang="en-AU" sz="2000" spc="-1" strike="noStrike">
+              <a:rPr lang="en-AU" sz="2000" b="0" strike="noStrike" spc="-1">
                 <a:latin typeface="Arial"/>
               </a:rPr>
               <a:t>Fourth Outline Level</a:t>
             </a:r>
-            <a:endParaRPr b="0" lang="en-AU" sz="2000" spc="-1" strike="noStrike">
-              <a:latin typeface="Arial"/>
-            </a:endParaRPr>
-          </a:p>
-          <a:p>
-            <a:pPr lvl="4" marL="2160000" indent="-216000">
+          </a:p>
+          <a:p>
+            <a:pPr marL="2160000" lvl="4" indent="-216000">
               <a:spcBef>
                 <a:spcPts val="283"/>
               </a:spcBef>
               <a:buClr>
-                <a:srgbClr val="ffffff"/>
+                <a:srgbClr val="FFFFFF"/>
               </a:buClr>
               <a:buSzPct val="45000"/>
               <a:buFont typeface="Wingdings" charset="2"/>
               <a:buChar char=""/>
             </a:pPr>
             <a:r>
-              <a:rPr b="0" lang="en-AU" sz="2000" spc="-1" strike="noStrike">
+              <a:rPr lang="en-AU" sz="2000" b="0" strike="noStrike" spc="-1">
                 <a:latin typeface="Arial"/>
               </a:rPr>
               <a:t>Fifth Outline Level</a:t>
             </a:r>
-            <a:endParaRPr b="0" lang="en-AU" sz="2000" spc="-1" strike="noStrike">
-              <a:latin typeface="Arial"/>
-            </a:endParaRPr>
-          </a:p>
-          <a:p>
-            <a:pPr lvl="5" marL="2592000" indent="-216000">
+          </a:p>
+          <a:p>
+            <a:pPr marL="2592000" lvl="5" indent="-216000">
               <a:spcBef>
                 <a:spcPts val="283"/>
               </a:spcBef>
               <a:buClr>
-                <a:srgbClr val="ffffff"/>
+                <a:srgbClr val="FFFFFF"/>
               </a:buClr>
               <a:buSzPct val="45000"/>
               <a:buFont typeface="Wingdings" charset="2"/>
               <a:buChar char=""/>
             </a:pPr>
             <a:r>
-              <a:rPr b="0" lang="en-AU" sz="2000" spc="-1" strike="noStrike">
+              <a:rPr lang="en-AU" sz="2000" b="0" strike="noStrike" spc="-1">
                 <a:latin typeface="Arial"/>
               </a:rPr>
               <a:t>Sixth Outline Level</a:t>
             </a:r>
-            <a:endParaRPr b="0" lang="en-AU" sz="2000" spc="-1" strike="noStrike">
-              <a:latin typeface="Arial"/>
-            </a:endParaRPr>
-          </a:p>
-          <a:p>
-            <a:pPr lvl="6" marL="3024000" indent="-216000">
+          </a:p>
+          <a:p>
+            <a:pPr marL="3024000" lvl="6" indent="-216000">
               <a:spcBef>
                 <a:spcPts val="283"/>
               </a:spcBef>
               <a:buClr>
-                <a:srgbClr val="ffffff"/>
+                <a:srgbClr val="FFFFFF"/>
               </a:buClr>
               <a:buSzPct val="45000"/>
               <a:buFont typeface="Wingdings" charset="2"/>
               <a:buChar char=""/>
             </a:pPr>
             <a:r>
-              <a:rPr b="0" lang="en-AU" sz="2000" spc="-1" strike="noStrike">
+              <a:rPr lang="en-AU" sz="2000" b="0" strike="noStrike" spc="-1">
                 <a:latin typeface="Arial"/>
               </a:rPr>
               <a:t>Seventh Outline Level</a:t>
             </a:r>
-            <a:endParaRPr b="0" lang="en-AU" sz="2000" spc="-1" strike="noStrike">
-              <a:latin typeface="Arial"/>
-            </a:endParaRPr>
           </a:p>
         </p:txBody>
       </p:sp>
     </p:spTree>
   </p:cSld>
-  <p:clrMap bg1="lt1" bg2="lt2" tx1="dk1" tx2="dk2" accent1="accent1" accent2="accent2" accent3="accent3" accent4="accent4" accent5="accent5" accent6="accent6" hlink="hlink" folHlink="folHlink"/>
+  <p:clrMap bg1="lt1" tx1="dk1" bg2="lt2" tx2="dk2" accent1="accent1" accent2="accent2" accent3="accent3" accent4="accent4" accent5="accent5" accent6="accent6" hlink="hlink" folHlink="folHlink"/>
   <p:sldLayoutIdLst>
-    <p:sldLayoutId id="2147483649" r:id="rId2"/>
-    <p:sldLayoutId id="2147483650" r:id="rId3"/>
-    <p:sldLayoutId id="2147483651" r:id="rId4"/>
-    <p:sldLayoutId id="2147483652" r:id="rId5"/>
-    <p:sldLayoutId id="2147483653" r:id="rId6"/>
-    <p:sldLayoutId id="2147483654" r:id="rId7"/>
-    <p:sldLayoutId id="2147483655" r:id="rId8"/>
-    <p:sldLayoutId id="2147483656" r:id="rId9"/>
-    <p:sldLayoutId id="2147483657" r:id="rId10"/>
-    <p:sldLayoutId id="2147483658" r:id="rId11"/>
-    <p:sldLayoutId id="2147483659" r:id="rId12"/>
-    <p:sldLayoutId id="2147483660" r:id="rId13"/>
+    <p:sldLayoutId id="2147483649" r:id="rId1"/>
+    <p:sldLayoutId id="2147483650" r:id="rId2"/>
+    <p:sldLayoutId id="2147483651" r:id="rId3"/>
+    <p:sldLayoutId id="2147483652" r:id="rId4"/>
+    <p:sldLayoutId id="2147483653" r:id="rId5"/>
+    <p:sldLayoutId id="2147483654" r:id="rId6"/>
+    <p:sldLayoutId id="2147483655" r:id="rId7"/>
+    <p:sldLayoutId id="2147483656" r:id="rId8"/>
+    <p:sldLayoutId id="2147483657" r:id="rId9"/>
+    <p:sldLayoutId id="2147483658" r:id="rId10"/>
+    <p:sldLayoutId id="2147483659" r:id="rId11"/>
+    <p:sldLayoutId id="2147483660" r:id="rId12"/>
   </p:sldLayoutIdLst>
+  <p:txStyles>
+    <p:titleStyle>
+      <a:lvl1pPr algn="l" defTabSz="914400" rtl="0" eaLnBrk="1" latinLnBrk="0" hangingPunct="1">
+        <a:lnSpc>
+          <a:spcPct val="90000"/>
+        </a:lnSpc>
+        <a:spcBef>
+          <a:spcPct val="0"/>
+        </a:spcBef>
+        <a:buNone/>
+        <a:defRPr sz="4400" kern="1200">
+          <a:solidFill>
+            <a:schemeClr val="tx1"/>
+          </a:solidFill>
+          <a:latin typeface="+mj-lt"/>
+          <a:ea typeface="+mj-ea"/>
+          <a:cs typeface="+mj-cs"/>
+        </a:defRPr>
+      </a:lvl1pPr>
+    </p:titleStyle>
+    <p:bodyStyle>
+      <a:lvl1pPr marL="228600" indent="-228600" algn="l" defTabSz="914400" rtl="0" eaLnBrk="1" latinLnBrk="0" hangingPunct="1">
+        <a:lnSpc>
+          <a:spcPct val="90000"/>
+        </a:lnSpc>
+        <a:spcBef>
+          <a:spcPts val="1000"/>
+        </a:spcBef>
+        <a:buFont typeface="Arial" panose="020B0604020202020204" pitchFamily="34" charset="0"/>
+        <a:buChar char="•"/>
+        <a:defRPr sz="2800" kern="1200">
+          <a:solidFill>
+            <a:schemeClr val="tx1"/>
+          </a:solidFill>
+          <a:latin typeface="+mn-lt"/>
+          <a:ea typeface="+mn-ea"/>
+          <a:cs typeface="+mn-cs"/>
+        </a:defRPr>
+      </a:lvl1pPr>
+      <a:lvl2pPr marL="685800" indent="-228600" algn="l" defTabSz="914400" rtl="0" eaLnBrk="1" latinLnBrk="0" hangingPunct="1">
+        <a:lnSpc>
+          <a:spcPct val="90000"/>
+        </a:lnSpc>
+        <a:spcBef>
+          <a:spcPts val="500"/>
+        </a:spcBef>
+        <a:buFont typeface="Arial" panose="020B0604020202020204" pitchFamily="34" charset="0"/>
+        <a:buChar char="•"/>
+        <a:defRPr sz="2400" kern="1200">
+          <a:solidFill>
+            <a:schemeClr val="tx1"/>
+          </a:solidFill>
+          <a:latin typeface="+mn-lt"/>
+          <a:ea typeface="+mn-ea"/>
+          <a:cs typeface="+mn-cs"/>
+        </a:defRPr>
+      </a:lvl2pPr>
+      <a:lvl3pPr marL="1143000" indent="-228600" algn="l" defTabSz="914400" rtl="0" eaLnBrk="1" latinLnBrk="0" hangingPunct="1">
+        <a:lnSpc>
+          <a:spcPct val="90000"/>
+        </a:lnSpc>
+        <a:spcBef>
+          <a:spcPts val="500"/>
+        </a:spcBef>
+        <a:buFont typeface="Arial" panose="020B0604020202020204" pitchFamily="34" charset="0"/>
+        <a:buChar char="•"/>
+        <a:defRPr sz="2000" kern="1200">
+          <a:solidFill>
+            <a:schemeClr val="tx1"/>
+          </a:solidFill>
+          <a:latin typeface="+mn-lt"/>
+          <a:ea typeface="+mn-ea"/>
+          <a:cs typeface="+mn-cs"/>
+        </a:defRPr>
+      </a:lvl3pPr>
+      <a:lvl4pPr marL="1600200" indent="-228600" algn="l" defTabSz="914400" rtl="0" eaLnBrk="1" latinLnBrk="0" hangingPunct="1">
+        <a:lnSpc>
+          <a:spcPct val="90000"/>
+        </a:lnSpc>
+        <a:spcBef>
+          <a:spcPts val="500"/>
+        </a:spcBef>
+        <a:buFont typeface="Arial" panose="020B0604020202020204" pitchFamily="34" charset="0"/>
+        <a:buChar char="•"/>
+        <a:defRPr sz="1800" kern="1200">
+          <a:solidFill>
+            <a:schemeClr val="tx1"/>
+          </a:solidFill>
+          <a:latin typeface="+mn-lt"/>
+          <a:ea typeface="+mn-ea"/>
+          <a:cs typeface="+mn-cs"/>
+        </a:defRPr>
+      </a:lvl4pPr>
+      <a:lvl5pPr marL="2057400" indent="-228600" algn="l" defTabSz="914400" rtl="0" eaLnBrk="1" latinLnBrk="0" hangingPunct="1">
+        <a:lnSpc>
+          <a:spcPct val="90000"/>
+        </a:lnSpc>
+        <a:spcBef>
+          <a:spcPts val="500"/>
+        </a:spcBef>
+        <a:buFont typeface="Arial" panose="020B0604020202020204" pitchFamily="34" charset="0"/>
+        <a:buChar char="•"/>
+        <a:defRPr sz="1800" kern="1200">
+          <a:solidFill>
+            <a:schemeClr val="tx1"/>
+          </a:solidFill>
+          <a:latin typeface="+mn-lt"/>
+          <a:ea typeface="+mn-ea"/>
+          <a:cs typeface="+mn-cs"/>
+        </a:defRPr>
+      </a:lvl5pPr>
+      <a:lvl6pPr marL="2514600" indent="-228600" algn="l" defTabSz="914400" rtl="0" eaLnBrk="1" latinLnBrk="0" hangingPunct="1">
+        <a:lnSpc>
+          <a:spcPct val="90000"/>
+        </a:lnSpc>
+        <a:spcBef>
+          <a:spcPts val="500"/>
+        </a:spcBef>
+        <a:buFont typeface="Arial" panose="020B0604020202020204" pitchFamily="34" charset="0"/>
+        <a:buChar char="•"/>
+        <a:defRPr sz="1800" kern="1200">
+          <a:solidFill>
+            <a:schemeClr val="tx1"/>
+          </a:solidFill>
+          <a:latin typeface="+mn-lt"/>
+          <a:ea typeface="+mn-ea"/>
+          <a:cs typeface="+mn-cs"/>
+        </a:defRPr>
+      </a:lvl6pPr>
+      <a:lvl7pPr marL="2971800" indent="-228600" algn="l" defTabSz="914400" rtl="0" eaLnBrk="1" latinLnBrk="0" hangingPunct="1">
+        <a:lnSpc>
+          <a:spcPct val="90000"/>
+        </a:lnSpc>
+        <a:spcBef>
+          <a:spcPts val="500"/>
+        </a:spcBef>
+        <a:buFont typeface="Arial" panose="020B0604020202020204" pitchFamily="34" charset="0"/>
+        <a:buChar char="•"/>
+        <a:defRPr sz="1800" kern="1200">
+          <a:solidFill>
+            <a:schemeClr val="tx1"/>
+          </a:solidFill>
+          <a:latin typeface="+mn-lt"/>
+          <a:ea typeface="+mn-ea"/>
+          <a:cs typeface="+mn-cs"/>
+        </a:defRPr>
+      </a:lvl7pPr>
+      <a:lvl8pPr marL="3429000" indent="-228600" algn="l" defTabSz="914400" rtl="0" eaLnBrk="1" latinLnBrk="0" hangingPunct="1">
+        <a:lnSpc>
+          <a:spcPct val="90000"/>
+        </a:lnSpc>
+        <a:spcBef>
+          <a:spcPts val="500"/>
+        </a:spcBef>
+        <a:buFont typeface="Arial" panose="020B0604020202020204" pitchFamily="34" charset="0"/>
+        <a:buChar char="•"/>
+        <a:defRPr sz="1800" kern="1200">
+          <a:solidFill>
+            <a:schemeClr val="tx1"/>
+          </a:solidFill>
+          <a:latin typeface="+mn-lt"/>
+          <a:ea typeface="+mn-ea"/>
+          <a:cs typeface="+mn-cs"/>
+        </a:defRPr>
+      </a:lvl8pPr>
+      <a:lvl9pPr marL="3886200" indent="-228600" algn="l" defTabSz="914400" rtl="0" eaLnBrk="1" latinLnBrk="0" hangingPunct="1">
+        <a:lnSpc>
+          <a:spcPct val="90000"/>
+        </a:lnSpc>
+        <a:spcBef>
+          <a:spcPts val="500"/>
+        </a:spcBef>
+        <a:buFont typeface="Arial" panose="020B0604020202020204" pitchFamily="34" charset="0"/>
+        <a:buChar char="•"/>
+        <a:defRPr sz="1800" kern="1200">
+          <a:solidFill>
+            <a:schemeClr val="tx1"/>
+          </a:solidFill>
+          <a:latin typeface="+mn-lt"/>
+          <a:ea typeface="+mn-ea"/>
+          <a:cs typeface="+mn-cs"/>
+        </a:defRPr>
+      </a:lvl9pPr>
+    </p:bodyStyle>
+    <p:otherStyle>
+      <a:defPPr>
+        <a:defRPr lang="en-US"/>
+      </a:defPPr>
+      <a:lvl1pPr marL="0" algn="l" defTabSz="914400" rtl="0" eaLnBrk="1" latinLnBrk="0" hangingPunct="1">
+        <a:defRPr sz="1800" kern="1200">
+          <a:solidFill>
+            <a:schemeClr val="tx1"/>
+          </a:solidFill>
+          <a:latin typeface="+mn-lt"/>
+          <a:ea typeface="+mn-ea"/>
+          <a:cs typeface="+mn-cs"/>
+        </a:defRPr>
+      </a:lvl1pPr>
+      <a:lvl2pPr marL="457200" algn="l" defTabSz="914400" rtl="0" eaLnBrk="1" latinLnBrk="0" hangingPunct="1">
+        <a:defRPr sz="1800" kern="1200">
+          <a:solidFill>
+            <a:schemeClr val="tx1"/>
+          </a:solidFill>
+          <a:latin typeface="+mn-lt"/>
+          <a:ea typeface="+mn-ea"/>
+          <a:cs typeface="+mn-cs"/>
+        </a:defRPr>
+      </a:lvl2pPr>
+      <a:lvl3pPr marL="914400" algn="l" defTabSz="914400" rtl="0" eaLnBrk="1" latinLnBrk="0" hangingPunct="1">
+        <a:defRPr sz="1800" kern="1200">
+          <a:solidFill>
+            <a:schemeClr val="tx1"/>
+          </a:solidFill>
+          <a:latin typeface="+mn-lt"/>
+          <a:ea typeface="+mn-ea"/>
+          <a:cs typeface="+mn-cs"/>
+        </a:defRPr>
+      </a:lvl3pPr>
+      <a:lvl4pPr marL="1371600" algn="l" defTabSz="914400" rtl="0" eaLnBrk="1" latinLnBrk="0" hangingPunct="1">
+        <a:defRPr sz="1800" kern="1200">
+          <a:solidFill>
+            <a:schemeClr val="tx1"/>
+          </a:solidFill>
+          <a:latin typeface="+mn-lt"/>
+          <a:ea typeface="+mn-ea"/>
+          <a:cs typeface="+mn-cs"/>
+        </a:defRPr>
+      </a:lvl4pPr>
+      <a:lvl5pPr marL="1828800" algn="l" defTabSz="914400" rtl="0" eaLnBrk="1" latinLnBrk="0" hangingPunct="1">
+        <a:defRPr sz="1800" kern="1200">
+          <a:solidFill>
+            <a:schemeClr val="tx1"/>
+          </a:solidFill>
+          <a:latin typeface="+mn-lt"/>
+          <a:ea typeface="+mn-ea"/>
+          <a:cs typeface="+mn-cs"/>
+        </a:defRPr>
+      </a:lvl5pPr>
+      <a:lvl6pPr marL="2286000" algn="l" defTabSz="914400" rtl="0" eaLnBrk="1" latinLnBrk="0" hangingPunct="1">
+        <a:defRPr sz="1800" kern="1200">
+          <a:solidFill>
+            <a:schemeClr val="tx1"/>
+          </a:solidFill>
+          <a:latin typeface="+mn-lt"/>
+          <a:ea typeface="+mn-ea"/>
+          <a:cs typeface="+mn-cs"/>
+        </a:defRPr>
+      </a:lvl6pPr>
+      <a:lvl7pPr marL="2743200" algn="l" defTabSz="914400" rtl="0" eaLnBrk="1" latinLnBrk="0" hangingPunct="1">
+        <a:defRPr sz="1800" kern="1200">
+          <a:solidFill>
+            <a:schemeClr val="tx1"/>
+          </a:solidFill>
+          <a:latin typeface="+mn-lt"/>
+          <a:ea typeface="+mn-ea"/>
+          <a:cs typeface="+mn-cs"/>
+        </a:defRPr>
+      </a:lvl7pPr>
+      <a:lvl8pPr marL="3200400" algn="l" defTabSz="914400" rtl="0" eaLnBrk="1" latinLnBrk="0" hangingPunct="1">
+        <a:defRPr sz="1800" kern="1200">
+          <a:solidFill>
+            <a:schemeClr val="tx1"/>
+          </a:solidFill>
+          <a:latin typeface="+mn-lt"/>
+          <a:ea typeface="+mn-ea"/>
+          <a:cs typeface="+mn-cs"/>
+        </a:defRPr>
+      </a:lvl8pPr>
+      <a:lvl9pPr marL="3657600" algn="l" defTabSz="914400" rtl="0" eaLnBrk="1" latinLnBrk="0" hangingPunct="1">
+        <a:defRPr sz="1800" kern="1200">
+          <a:solidFill>
+            <a:schemeClr val="tx1"/>
+          </a:solidFill>
+          <a:latin typeface="+mn-lt"/>
+          <a:ea typeface="+mn-ea"/>
+          <a:cs typeface="+mn-cs"/>
+        </a:defRPr>
+      </a:lvl9pPr>
+    </p:otherStyle>
+  </p:txStyles>
 </p:sldMaster>
 </file>
 
 <file path=ppt/slides/slide1.xml><?xml version="1.0" encoding="utf-8"?>
-<p:sld xmlns:a="http://schemas.openxmlformats.org/drawingml/2006/main" xmlns:p="http://schemas.openxmlformats.org/presentationml/2006/main" xmlns:r="http://schemas.openxmlformats.org/officeDocument/2006/relationships" xmlns:p14="http://schemas.microsoft.com/office/powerpoint/2010/main" xmlns:p15="http://schemas.microsoft.com/office/powerpoint/2012/main" xmlns:mc="http://schemas.openxmlformats.org/markup-compatibility/2006">
+<p:sld xmlns:a="http://schemas.openxmlformats.org/drawingml/2006/main" xmlns:r="http://schemas.openxmlformats.org/officeDocument/2006/relationships" xmlns:p="http://schemas.openxmlformats.org/presentationml/2006/main">
   <p:cSld>
     <p:spTree>
       <p:nvGrpSpPr>
@@ -2838,15 +3252,22 @@
           </a:ln>
         </p:spPr>
         <p:style>
-          <a:lnRef idx="0"/>
-          <a:fillRef idx="0"/>
-          <a:effectRef idx="0"/>
+          <a:lnRef idx="0">
+            <a:scrgbClr r="0" g="0" b="0"/>
+          </a:lnRef>
+          <a:fillRef idx="0">
+            <a:scrgbClr r="0" g="0" b="0"/>
+          </a:fillRef>
+          <a:effectRef idx="0">
+            <a:scrgbClr r="0" g="0" b="0"/>
+          </a:effectRef>
           <a:fontRef idx="minor"/>
         </p:style>
         <p:txBody>
-          <a:bodyPr lIns="90000" rIns="90000" tIns="45000" bIns="45000" anchor="t">
+          <a:bodyPr lIns="90000" tIns="45000" rIns="90000" bIns="45000" anchor="t">
             <a:spAutoFit/>
           </a:bodyPr>
+          <a:lstStyle/>
           <a:p>
             <a:pPr algn="ctr">
               <a:lnSpc>
@@ -2855,16 +3276,16 @@
               <a:buNone/>
             </a:pPr>
             <a:r>
-              <a:rPr b="0" lang="en-AU" sz="4800" spc="-1" strike="noStrike">
-                <a:solidFill>
-                  <a:srgbClr val="ffffff"/>
+              <a:rPr lang="en-AU" sz="4800" b="0" strike="noStrike" spc="-1">
+                <a:solidFill>
+                  <a:srgbClr val="FFFFFF"/>
                 </a:solidFill>
                 <a:latin typeface="Century Schoolbook"/>
                 <a:ea typeface="DejaVu Sans"/>
               </a:rPr>
               <a:t>ECE4078  Intelligent robotics</a:t>
             </a:r>
-            <a:endParaRPr b="0" lang="en-AU" sz="4800" spc="-1" strike="noStrike">
+            <a:endParaRPr lang="en-AU" sz="4800" b="0" strike="noStrike" spc="-1">
               <a:latin typeface="Arial"/>
             </a:endParaRPr>
           </a:p>
@@ -2890,15 +3311,22 @@
           </a:ln>
         </p:spPr>
         <p:style>
-          <a:lnRef idx="0"/>
-          <a:fillRef idx="0"/>
-          <a:effectRef idx="0"/>
+          <a:lnRef idx="0">
+            <a:scrgbClr r="0" g="0" b="0"/>
+          </a:lnRef>
+          <a:fillRef idx="0">
+            <a:scrgbClr r="0" g="0" b="0"/>
+          </a:fillRef>
+          <a:effectRef idx="0">
+            <a:scrgbClr r="0" g="0" b="0"/>
+          </a:effectRef>
           <a:fontRef idx="minor"/>
         </p:style>
         <p:txBody>
-          <a:bodyPr lIns="90000" rIns="90000" tIns="45000" bIns="45000" anchor="t">
+          <a:bodyPr lIns="90000" tIns="45000" rIns="90000" bIns="45000" anchor="t">
             <a:spAutoFit/>
           </a:bodyPr>
+          <a:lstStyle/>
           <a:p>
             <a:pPr algn="ctr">
               <a:lnSpc>
@@ -2907,16 +3335,16 @@
               <a:buNone/>
             </a:pPr>
             <a:r>
-              <a:rPr b="0" lang="en-US" sz="1800" spc="-1" strike="noStrike">
-                <a:solidFill>
-                  <a:srgbClr val="ffffff"/>
+              <a:rPr lang="en-US" sz="1800" b="0" strike="noStrike" spc="-1">
+                <a:solidFill>
+                  <a:srgbClr val="FFFFFF"/>
                 </a:solidFill>
                 <a:latin typeface="Century Schoolbook"/>
                 <a:ea typeface="DejaVu Sans"/>
               </a:rPr>
               <a:t>Lab 2-1: Wheel and Camera Calibration</a:t>
             </a:r>
-            <a:endParaRPr b="0" lang="en-AU" sz="1800" spc="-1" strike="noStrike">
+            <a:endParaRPr lang="en-AU" sz="1800" b="0" strike="noStrike" spc="-1">
               <a:latin typeface="Arial"/>
             </a:endParaRPr>
           </a:p>
@@ -2929,7 +3357,7 @@
           <p:nvPr/>
         </p:nvPicPr>
         <p:blipFill>
-          <a:blip r:embed="rId1"/>
+          <a:blip r:embed="rId2"/>
           <a:stretch/>
         </p:blipFill>
         <p:spPr>
@@ -2965,15 +3393,22 @@
           </a:ln>
         </p:spPr>
         <p:style>
-          <a:lnRef idx="0"/>
-          <a:fillRef idx="0"/>
-          <a:effectRef idx="0"/>
+          <a:lnRef idx="0">
+            <a:scrgbClr r="0" g="0" b="0"/>
+          </a:lnRef>
+          <a:fillRef idx="0">
+            <a:scrgbClr r="0" g="0" b="0"/>
+          </a:fillRef>
+          <a:effectRef idx="0">
+            <a:scrgbClr r="0" g="0" b="0"/>
+          </a:effectRef>
           <a:fontRef idx="minor"/>
         </p:style>
         <p:txBody>
-          <a:bodyPr lIns="90000" rIns="90000" tIns="45000" bIns="45000" anchor="t">
+          <a:bodyPr lIns="90000" tIns="45000" rIns="90000" bIns="45000" anchor="t">
             <a:noAutofit/>
           </a:bodyPr>
+          <a:lstStyle/>
           <a:p>
             <a:pPr algn="ctr">
               <a:lnSpc>
@@ -2982,9 +3417,9 @@
               <a:buNone/>
             </a:pPr>
             <a:r>
-              <a:rPr b="0" lang="en-AU" sz="1200" spc="-1" strike="noStrike">
-                <a:solidFill>
-                  <a:srgbClr val="ffffff"/>
+              <a:rPr lang="en-AU" sz="1200" b="0" strike="noStrike" spc="-1">
+                <a:solidFill>
+                  <a:srgbClr val="FFFFFF"/>
                 </a:solidFill>
                 <a:latin typeface="Century Schoolbook"/>
                 <a:ea typeface="DejaVu Sans"/>
@@ -2992,18 +3427,18 @@
               <a:t>AI art generated by </a:t>
             </a:r>
             <a:r>
-              <a:rPr b="0" lang="en-AU" sz="1200" spc="-1" strike="noStrike" u="sng">
-                <a:solidFill>
-                  <a:srgbClr val="67aabf"/>
+              <a:rPr lang="en-AU" sz="1200" b="0" u="sng" strike="noStrike" spc="-1">
+                <a:solidFill>
+                  <a:srgbClr val="67AABF"/>
                 </a:solidFill>
                 <a:uFillTx/>
                 <a:latin typeface="Century Schoolbook"/>
                 <a:ea typeface="DejaVu Sans"/>
-                <a:hlinkClick r:id="rId2"/>
+                <a:hlinkClick r:id="rId3"/>
               </a:rPr>
               <a:t>https://www.craiyon.com/</a:t>
             </a:r>
-            <a:endParaRPr b="0" lang="en-AU" sz="1200" spc="-1" strike="noStrike">
+            <a:endParaRPr lang="en-AU" sz="1200" b="0" strike="noStrike" spc="-1">
               <a:latin typeface="Arial"/>
             </a:endParaRPr>
           </a:p>
@@ -3015,9 +3450,9 @@
               <a:buNone/>
             </a:pPr>
             <a:r>
-              <a:rPr b="0" lang="en-AU" sz="1200" spc="-1" strike="noStrike">
-                <a:solidFill>
-                  <a:srgbClr val="ffffff"/>
+              <a:rPr lang="en-AU" sz="1200" b="0" strike="noStrike" spc="-1">
+                <a:solidFill>
+                  <a:srgbClr val="FFFFFF"/>
                 </a:solidFill>
                 <a:latin typeface="Century Schoolbook"/>
                 <a:ea typeface="DejaVu Sans"/>
@@ -3025,9 +3460,9 @@
               <a:t>(prompt: “</a:t>
             </a:r>
             <a:r>
-              <a:rPr b="0" lang="en-GB" sz="1200" spc="-1" strike="noStrike">
-                <a:solidFill>
-                  <a:srgbClr val="ffffff"/>
+              <a:rPr lang="en-GB" sz="1200" b="0" strike="noStrike" spc="-1">
+                <a:solidFill>
+                  <a:srgbClr val="FFFFFF"/>
                 </a:solidFill>
                 <a:latin typeface="Century Schoolbook"/>
                 <a:ea typeface="DejaVu Sans"/>
@@ -3035,16 +3470,16 @@
               <a:t>a penguin robot shopping for fruits and vegetables in a supermarket</a:t>
             </a:r>
             <a:r>
-              <a:rPr b="0" lang="en-AU" sz="1200" spc="-1" strike="noStrike">
-                <a:solidFill>
-                  <a:srgbClr val="ffffff"/>
+              <a:rPr lang="en-AU" sz="1200" b="0" strike="noStrike" spc="-1">
+                <a:solidFill>
+                  <a:srgbClr val="FFFFFF"/>
                 </a:solidFill>
                 <a:latin typeface="Century Schoolbook"/>
                 <a:ea typeface="DejaVu Sans"/>
               </a:rPr>
               <a:t>”)</a:t>
             </a:r>
-            <a:endParaRPr b="0" lang="en-AU" sz="1200" spc="-1" strike="noStrike">
+            <a:endParaRPr lang="en-AU" sz="1200" b="0" strike="noStrike" spc="-1">
               <a:latin typeface="Arial"/>
             </a:endParaRPr>
           </a:p>
@@ -3052,19 +3487,14 @@
       </p:sp>
     </p:spTree>
   </p:cSld>
-  <mc:AlternateContent>
-    <mc:Choice Requires="p14">
-      <p:transition spd="slow" p14:dur="2000"/>
-    </mc:Choice>
-    <mc:Fallback>
-      <p:transition spd="slow"/>
-    </mc:Fallback>
-  </mc:AlternateContent>
+  <p:clrMapOvr>
+    <a:masterClrMapping/>
+  </p:clrMapOvr>
 </p:sld>
 </file>
 
 <file path=ppt/slides/slide2.xml><?xml version="1.0" encoding="utf-8"?>
-<p:sld xmlns:a="http://schemas.openxmlformats.org/drawingml/2006/main" xmlns:p="http://schemas.openxmlformats.org/presentationml/2006/main" xmlns:r="http://schemas.openxmlformats.org/officeDocument/2006/relationships" xmlns:p14="http://schemas.microsoft.com/office/powerpoint/2010/main" xmlns:p15="http://schemas.microsoft.com/office/powerpoint/2012/main" xmlns:mc="http://schemas.openxmlformats.org/markup-compatibility/2006">
+<p:sld xmlns:a="http://schemas.openxmlformats.org/drawingml/2006/main" xmlns:r="http://schemas.openxmlformats.org/officeDocument/2006/relationships" xmlns:p="http://schemas.openxmlformats.org/presentationml/2006/main">
   <p:cSld>
     <p:spTree>
       <p:nvGrpSpPr>
@@ -3100,15 +3530,22 @@
           </a:ln>
         </p:spPr>
         <p:style>
-          <a:lnRef idx="0"/>
-          <a:fillRef idx="0"/>
-          <a:effectRef idx="0"/>
+          <a:lnRef idx="0">
+            <a:scrgbClr r="0" g="0" b="0"/>
+          </a:lnRef>
+          <a:fillRef idx="0">
+            <a:scrgbClr r="0" g="0" b="0"/>
+          </a:fillRef>
+          <a:effectRef idx="0">
+            <a:scrgbClr r="0" g="0" b="0"/>
+          </a:effectRef>
           <a:fontRef idx="minor"/>
         </p:style>
         <p:txBody>
-          <a:bodyPr lIns="90000" rIns="90000" tIns="45000" bIns="45000" anchor="t">
+          <a:bodyPr lIns="90000" tIns="45000" rIns="90000" bIns="45000" anchor="t">
             <a:spAutoFit/>
           </a:bodyPr>
+          <a:lstStyle/>
           <a:p>
             <a:pPr algn="ctr">
               <a:lnSpc>
@@ -3117,16 +3554,16 @@
               <a:buNone/>
             </a:pPr>
             <a:r>
-              <a:rPr b="0" lang="en-AU" sz="4800" spc="-1" strike="noStrike">
-                <a:solidFill>
-                  <a:srgbClr val="ffffff"/>
+              <a:rPr lang="en-AU" sz="4800" b="0" strike="noStrike" spc="-1">
+                <a:solidFill>
+                  <a:srgbClr val="FFFFFF"/>
                 </a:solidFill>
                 <a:latin typeface="Century Schoolbook"/>
                 <a:ea typeface="DejaVu Sans"/>
               </a:rPr>
               <a:t>ECE4078  Intelligent robotics</a:t>
             </a:r>
-            <a:endParaRPr b="0" lang="en-AU" sz="4800" spc="-1" strike="noStrike">
+            <a:endParaRPr lang="en-AU" sz="4800" b="0" strike="noStrike" spc="-1">
               <a:latin typeface="Arial"/>
             </a:endParaRPr>
           </a:p>
@@ -3152,15 +3589,22 @@
           </a:ln>
         </p:spPr>
         <p:style>
-          <a:lnRef idx="0"/>
-          <a:fillRef idx="0"/>
-          <a:effectRef idx="0"/>
+          <a:lnRef idx="0">
+            <a:scrgbClr r="0" g="0" b="0"/>
+          </a:lnRef>
+          <a:fillRef idx="0">
+            <a:scrgbClr r="0" g="0" b="0"/>
+          </a:fillRef>
+          <a:effectRef idx="0">
+            <a:scrgbClr r="0" g="0" b="0"/>
+          </a:effectRef>
           <a:fontRef idx="minor"/>
         </p:style>
         <p:txBody>
-          <a:bodyPr lIns="90000" rIns="90000" tIns="45000" bIns="45000" anchor="t">
+          <a:bodyPr lIns="90000" tIns="45000" rIns="90000" bIns="45000" anchor="t">
             <a:spAutoFit/>
           </a:bodyPr>
+          <a:lstStyle/>
           <a:p>
             <a:pPr>
               <a:lnSpc>
@@ -3169,16 +3613,16 @@
               <a:buNone/>
             </a:pPr>
             <a:r>
-              <a:rPr b="0" lang="en-AU" sz="2800" spc="-1" strike="noStrike">
-                <a:solidFill>
-                  <a:srgbClr val="ff0000"/>
+              <a:rPr lang="en-AU" sz="2800" b="0" strike="noStrike" spc="-1">
+                <a:solidFill>
+                  <a:srgbClr val="FF0000"/>
                 </a:solidFill>
                 <a:latin typeface="Century Schoolbook"/>
                 <a:ea typeface="DejaVu Sans"/>
               </a:rPr>
               <a:t>*</a:t>
             </a:r>
-            <a:endParaRPr b="0" lang="en-AU" sz="2800" spc="-1" strike="noStrike">
+            <a:endParaRPr lang="en-AU" sz="2800" b="0" strike="noStrike" spc="-1">
               <a:latin typeface="Arial"/>
             </a:endParaRPr>
           </a:p>
@@ -3204,15 +3648,22 @@
           </a:ln>
         </p:spPr>
         <p:style>
-          <a:lnRef idx="0"/>
-          <a:fillRef idx="0"/>
-          <a:effectRef idx="0"/>
+          <a:lnRef idx="0">
+            <a:scrgbClr r="0" g="0" b="0"/>
+          </a:lnRef>
+          <a:fillRef idx="0">
+            <a:scrgbClr r="0" g="0" b="0"/>
+          </a:fillRef>
+          <a:effectRef idx="0">
+            <a:scrgbClr r="0" g="0" b="0"/>
+          </a:effectRef>
           <a:fontRef idx="minor"/>
         </p:style>
         <p:txBody>
-          <a:bodyPr lIns="90000" rIns="90000" tIns="45000" bIns="45000" anchor="t">
+          <a:bodyPr lIns="90000" tIns="45000" rIns="90000" bIns="45000" anchor="t">
             <a:spAutoFit/>
           </a:bodyPr>
+          <a:lstStyle/>
           <a:p>
             <a:pPr>
               <a:lnSpc>
@@ -3221,16 +3672,16 @@
               <a:buNone/>
             </a:pPr>
             <a:r>
-              <a:rPr b="0" lang="en-US" sz="1800" spc="-1" strike="noStrike">
-                <a:solidFill>
-                  <a:srgbClr val="ffffff"/>
+              <a:rPr lang="en-US" sz="1800" b="0" strike="noStrike" spc="-1">
+                <a:solidFill>
+                  <a:srgbClr val="FFFFFF"/>
                 </a:solidFill>
                 <a:latin typeface="Century Schoolbook"/>
                 <a:ea typeface="DejaVu Sans"/>
               </a:rPr>
               <a:t>From this week you will be working as teams.</a:t>
             </a:r>
-            <a:endParaRPr b="0" lang="en-AU" sz="1800" spc="-1" strike="noStrike">
+            <a:endParaRPr lang="en-AU" sz="1800" b="0" strike="noStrike" spc="-1">
               <a:latin typeface="Arial"/>
             </a:endParaRPr>
           </a:p>
@@ -3242,16 +3693,16 @@
               <a:buNone/>
             </a:pPr>
             <a:r>
-              <a:rPr b="0" lang="en-AU" sz="1800" spc="-1" strike="noStrike">
-                <a:solidFill>
-                  <a:srgbClr val="ffffff"/>
+              <a:rPr lang="en-AU" sz="1800" b="0" strike="noStrike" spc="-1">
+                <a:solidFill>
+                  <a:srgbClr val="FFFFFF"/>
                 </a:solidFill>
                 <a:latin typeface="Century Schoolbook"/>
                 <a:ea typeface="DejaVu Sans"/>
               </a:rPr>
               <a:t>Each team will adopt a PenguinPi for the rest of the semester. Please treat it well.</a:t>
             </a:r>
-            <a:endParaRPr b="0" lang="en-AU" sz="1800" spc="-1" strike="noStrike">
+            <a:endParaRPr lang="en-AU" sz="1800" b="0" strike="noStrike" spc="-1">
               <a:latin typeface="Arial"/>
             </a:endParaRPr>
           </a:p>
@@ -3265,23 +3716,40 @@
         </p:nvGraphicFramePr>
         <p:xfrm>
           <a:off x="1923840" y="1495800"/>
-          <a:ext cx="8554320" cy="4353120"/>
+          <a:ext cx="8554680" cy="4541520"/>
         </p:xfrm>
         <a:graphic>
           <a:graphicData uri="http://schemas.openxmlformats.org/drawingml/2006/table">
             <a:tbl>
               <a:tblPr/>
               <a:tblGrid>
-                <a:gridCol w="1076760"/>
-                <a:gridCol w="3575160"/>
-                <a:gridCol w="3902760"/>
+                <a:gridCol w="1076760">
+                  <a:extLst>
+                    <a:ext uri="{9D8B030D-6E8A-4147-A177-3AD203B41FA5}">
+                      <a16:colId xmlns:a16="http://schemas.microsoft.com/office/drawing/2014/main" val="20000"/>
+                    </a:ext>
+                  </a:extLst>
+                </a:gridCol>
+                <a:gridCol w="3575160">
+                  <a:extLst>
+                    <a:ext uri="{9D8B030D-6E8A-4147-A177-3AD203B41FA5}">
+                      <a16:colId xmlns:a16="http://schemas.microsoft.com/office/drawing/2014/main" val="20001"/>
+                    </a:ext>
+                  </a:extLst>
+                </a:gridCol>
+                <a:gridCol w="3902760">
+                  <a:extLst>
+                    <a:ext uri="{9D8B030D-6E8A-4147-A177-3AD203B41FA5}">
+                      <a16:colId xmlns:a16="http://schemas.microsoft.com/office/drawing/2014/main" val="20002"/>
+                    </a:ext>
+                  </a:extLst>
+                </a:gridCol>
               </a:tblGrid>
               <a:tr h="335160">
                 <a:tc>
                   <a:txBody>
-                    <a:bodyPr anchor="t">
-                      <a:noAutofit/>
-                    </a:bodyPr>
+                    <a:bodyPr/>
+                    <a:lstStyle/>
                     <a:p>
                       <a:pPr algn="ctr">
                         <a:lnSpc>
@@ -3290,7 +3758,7 @@
                         <a:buNone/>
                       </a:pPr>
                       <a:r>
-                        <a:rPr b="1" lang="en-AU" sz="1600" spc="-1" strike="noStrike">
+                        <a:rPr lang="en-AU" sz="1600" b="1" strike="noStrike" spc="-1">
                           <a:solidFill>
                             <a:srgbClr val="000000"/>
                           </a:solidFill>
@@ -3299,12 +3767,12 @@
                         </a:rPr>
                         <a:t>Week</a:t>
                       </a:r>
-                      <a:endParaRPr b="0" lang="en-AU" sz="1600" spc="-1" strike="noStrike">
+                      <a:endParaRPr lang="en-AU" sz="1600" b="0" strike="noStrike" spc="-1">
                         <a:latin typeface="Arial"/>
                       </a:endParaRPr>
                     </a:p>
                   </a:txBody>
-                  <a:tcPr anchor="t" marL="91440" marR="91440">
+                  <a:tcPr>
                     <a:lnL w="12240">
                       <a:solidFill>
                         <a:srgbClr val="000000"/>
@@ -3326,15 +3794,14 @@
                       </a:solidFill>
                     </a:lnB>
                     <a:solidFill>
-                      <a:srgbClr val="e7e7e7"/>
+                      <a:srgbClr val="E7E7E7"/>
                     </a:solidFill>
                   </a:tcPr>
                 </a:tc>
                 <a:tc>
                   <a:txBody>
-                    <a:bodyPr anchor="t">
-                      <a:noAutofit/>
-                    </a:bodyPr>
+                    <a:bodyPr/>
+                    <a:lstStyle/>
                     <a:p>
                       <a:pPr algn="ctr">
                         <a:lnSpc>
@@ -3343,7 +3810,7 @@
                         <a:buNone/>
                       </a:pPr>
                       <a:r>
-                        <a:rPr b="1" lang="en-AU" sz="1600" spc="-1" strike="noStrike">
+                        <a:rPr lang="en-AU" sz="1600" b="1" strike="noStrike" spc="-1">
                           <a:solidFill>
                             <a:srgbClr val="000000"/>
                           </a:solidFill>
@@ -3352,12 +3819,12 @@
                         </a:rPr>
                         <a:t>Objectives</a:t>
                       </a:r>
-                      <a:endParaRPr b="0" lang="en-AU" sz="1600" spc="-1" strike="noStrike">
+                      <a:endParaRPr lang="en-AU" sz="1600" b="0" strike="noStrike" spc="-1">
                         <a:latin typeface="Arial"/>
                       </a:endParaRPr>
                     </a:p>
                   </a:txBody>
-                  <a:tcPr anchor="t" marL="91440" marR="91440">
+                  <a:tcPr>
                     <a:lnL w="12240">
                       <a:solidFill>
                         <a:srgbClr val="000000"/>
@@ -3379,15 +3846,14 @@
                       </a:solidFill>
                     </a:lnB>
                     <a:solidFill>
-                      <a:srgbClr val="e7e7e7"/>
+                      <a:srgbClr val="E7E7E7"/>
                     </a:solidFill>
                   </a:tcPr>
                 </a:tc>
                 <a:tc>
                   <a:txBody>
-                    <a:bodyPr anchor="t">
-                      <a:noAutofit/>
-                    </a:bodyPr>
+                    <a:bodyPr/>
+                    <a:lstStyle/>
                     <a:p>
                       <a:pPr algn="ctr">
                         <a:lnSpc>
@@ -3396,7 +3862,7 @@
                         <a:buNone/>
                       </a:pPr>
                       <a:r>
-                        <a:rPr b="1" lang="en-AU" sz="1600" spc="-1" strike="noStrike">
+                        <a:rPr lang="en-AU" sz="1600" b="1" strike="noStrike" spc="-1">
                           <a:solidFill>
                             <a:srgbClr val="000000"/>
                           </a:solidFill>
@@ -3405,12 +3871,12 @@
                         </a:rPr>
                         <a:t>Milestones</a:t>
                       </a:r>
-                      <a:endParaRPr b="0" lang="en-AU" sz="1600" spc="-1" strike="noStrike">
+                      <a:endParaRPr lang="en-AU" sz="1600" b="0" strike="noStrike" spc="-1">
                         <a:latin typeface="Arial"/>
                       </a:endParaRPr>
                     </a:p>
                   </a:txBody>
-                  <a:tcPr anchor="t" marL="91440" marR="91440">
+                  <a:tcPr>
                     <a:lnL w="12240">
                       <a:solidFill>
                         <a:srgbClr val="000000"/>
@@ -3432,17 +3898,21 @@
                       </a:solidFill>
                     </a:lnB>
                     <a:solidFill>
-                      <a:srgbClr val="e7e7e7"/>
+                      <a:srgbClr val="E7E7E7"/>
                     </a:solidFill>
                   </a:tcPr>
                 </a:tc>
+                <a:extLst>
+                  <a:ext uri="{0D108BD9-81ED-4DB2-BD59-A6C34878D82A}">
+                    <a16:rowId xmlns:a16="http://schemas.microsoft.com/office/drawing/2014/main" val="10000"/>
+                  </a:ext>
+                </a:extLst>
               </a:tr>
               <a:tr h="335160">
                 <a:tc>
                   <a:txBody>
-                    <a:bodyPr anchor="t">
-                      <a:noAutofit/>
-                    </a:bodyPr>
+                    <a:bodyPr/>
+                    <a:lstStyle/>
                     <a:p>
                       <a:pPr>
                         <a:lnSpc>
@@ -3451,7 +3921,7 @@
                         <a:buNone/>
                       </a:pPr>
                       <a:r>
-                        <a:rPr b="0" lang="en-AU" sz="1600" spc="-1" strike="noStrike">
+                        <a:rPr lang="en-AU" sz="1600" b="0" strike="noStrike" spc="-1">
                           <a:solidFill>
                             <a:srgbClr val="000000"/>
                           </a:solidFill>
@@ -3460,12 +3930,12 @@
                         </a:rPr>
                         <a:t>1: M1-1</a:t>
                       </a:r>
-                      <a:endParaRPr b="0" lang="en-AU" sz="1600" spc="-1" strike="noStrike">
+                      <a:endParaRPr lang="en-AU" sz="1600" b="0" strike="noStrike" spc="-1">
                         <a:latin typeface="Arial"/>
                       </a:endParaRPr>
                     </a:p>
                   </a:txBody>
-                  <a:tcPr anchor="t" marL="91440" marR="91440">
+                  <a:tcPr>
                     <a:lnL w="12240">
                       <a:solidFill>
                         <a:srgbClr val="000000"/>
@@ -3487,15 +3957,14 @@
                       </a:solidFill>
                     </a:lnB>
                     <a:solidFill>
-                      <a:srgbClr val="cccccc"/>
+                      <a:srgbClr val="CCCCCC"/>
                     </a:solidFill>
                   </a:tcPr>
                 </a:tc>
                 <a:tc>
                   <a:txBody>
-                    <a:bodyPr anchor="t">
-                      <a:noAutofit/>
-                    </a:bodyPr>
+                    <a:bodyPr/>
+                    <a:lstStyle/>
                     <a:p>
                       <a:pPr>
                         <a:lnSpc>
@@ -3504,7 +3973,7 @@
                         <a:buNone/>
                       </a:pPr>
                       <a:r>
-                        <a:rPr b="0" lang="en-AU" sz="1600" spc="-1" strike="noStrike">
+                        <a:rPr lang="en-AU" sz="1600" b="0" strike="noStrike" spc="-1">
                           <a:solidFill>
                             <a:srgbClr val="000000"/>
                           </a:solidFill>
@@ -3513,12 +3982,12 @@
                         </a:rPr>
                         <a:t>Introduction and setup</a:t>
                       </a:r>
-                      <a:endParaRPr b="0" lang="en-AU" sz="1600" spc="-1" strike="noStrike">
+                      <a:endParaRPr lang="en-AU" sz="1600" b="0" strike="noStrike" spc="-1">
                         <a:latin typeface="Arial"/>
                       </a:endParaRPr>
                     </a:p>
                   </a:txBody>
-                  <a:tcPr anchor="t" marL="91440" marR="91440">
+                  <a:tcPr>
                     <a:lnL w="12240">
                       <a:solidFill>
                         <a:srgbClr val="000000"/>
@@ -3540,12 +4009,19 @@
                       </a:solidFill>
                     </a:lnB>
                     <a:solidFill>
-                      <a:srgbClr val="cccccc"/>
+                      <a:srgbClr val="CCCCCC"/>
                     </a:solidFill>
                   </a:tcPr>
                 </a:tc>
                 <a:tc>
-                  <a:tcPr anchor="t" marL="91440" marR="91440">
+                  <a:txBody>
+                    <a:bodyPr/>
+                    <a:lstStyle/>
+                    <a:p>
+                      <a:endParaRPr lang="en-US"/>
+                    </a:p>
+                  </a:txBody>
+                  <a:tcPr>
                     <a:lnL w="12240">
                       <a:solidFill>
                         <a:srgbClr val="000000"/>
@@ -3567,17 +4043,21 @@
                       </a:solidFill>
                     </a:lnB>
                     <a:solidFill>
-                      <a:srgbClr val="cccccc"/>
+                      <a:srgbClr val="CCCCCC"/>
                     </a:solidFill>
                   </a:tcPr>
                 </a:tc>
+                <a:extLst>
+                  <a:ext uri="{0D108BD9-81ED-4DB2-BD59-A6C34878D82A}">
+                    <a16:rowId xmlns:a16="http://schemas.microsoft.com/office/drawing/2014/main" val="10001"/>
+                  </a:ext>
+                </a:extLst>
               </a:tr>
               <a:tr h="335160">
                 <a:tc>
                   <a:txBody>
-                    <a:bodyPr anchor="t">
-                      <a:noAutofit/>
-                    </a:bodyPr>
+                    <a:bodyPr/>
+                    <a:lstStyle/>
                     <a:p>
                       <a:pPr>
                         <a:lnSpc>
@@ -3586,7 +4066,7 @@
                         <a:buNone/>
                       </a:pPr>
                       <a:r>
-                        <a:rPr b="0" lang="en-AU" sz="1600" spc="-1" strike="noStrike">
+                        <a:rPr lang="en-AU" sz="1600" b="0" strike="noStrike" spc="-1">
                           <a:solidFill>
                             <a:srgbClr val="000000"/>
                           </a:solidFill>
@@ -3595,12 +4075,12 @@
                         </a:rPr>
                         <a:t>2: M2-1</a:t>
                       </a:r>
-                      <a:endParaRPr b="0" lang="en-AU" sz="1600" spc="-1" strike="noStrike">
+                      <a:endParaRPr lang="en-AU" sz="1600" b="0" strike="noStrike" spc="-1">
                         <a:latin typeface="Arial"/>
                       </a:endParaRPr>
                     </a:p>
                   </a:txBody>
-                  <a:tcPr anchor="t" marL="91440" marR="91440">
+                  <a:tcPr>
                     <a:lnL w="12240">
                       <a:solidFill>
                         <a:srgbClr val="000000"/>
@@ -3622,15 +4102,14 @@
                       </a:solidFill>
                     </a:lnB>
                     <a:solidFill>
-                      <a:srgbClr val="e7e7e7"/>
+                      <a:srgbClr val="E7E7E7"/>
                     </a:solidFill>
                   </a:tcPr>
                 </a:tc>
                 <a:tc>
                   <a:txBody>
-                    <a:bodyPr anchor="t">
-                      <a:noAutofit/>
-                    </a:bodyPr>
+                    <a:bodyPr/>
+                    <a:lstStyle/>
                     <a:p>
                       <a:pPr>
                         <a:lnSpc>
@@ -3639,7 +4118,7 @@
                         <a:buNone/>
                       </a:pPr>
                       <a:r>
-                        <a:rPr b="0" lang="en-AU" sz="1600" spc="-1" strike="noStrike">
+                        <a:rPr lang="en-AU" sz="1600" b="0" strike="noStrike" spc="-1">
                           <a:solidFill>
                             <a:srgbClr val="000000"/>
                           </a:solidFill>
@@ -3648,12 +4127,12 @@
                         </a:rPr>
                         <a:t>Calibration, ARUCO markers</a:t>
                       </a:r>
-                      <a:endParaRPr b="0" lang="en-AU" sz="1600" spc="-1" strike="noStrike">
+                      <a:endParaRPr lang="en-AU" sz="1600" b="0" strike="noStrike" spc="-1">
                         <a:latin typeface="Arial"/>
                       </a:endParaRPr>
                     </a:p>
                   </a:txBody>
-                  <a:tcPr anchor="t" marL="91440" marR="91440">
+                  <a:tcPr>
                     <a:lnL w="12240">
                       <a:solidFill>
                         <a:srgbClr val="000000"/>
@@ -3675,15 +4154,14 @@
                       </a:solidFill>
                     </a:lnB>
                     <a:solidFill>
-                      <a:srgbClr val="e7e7e7"/>
+                      <a:srgbClr val="E7E7E7"/>
                     </a:solidFill>
                   </a:tcPr>
                 </a:tc>
                 <a:tc>
                   <a:txBody>
-                    <a:bodyPr anchor="t">
-                      <a:noAutofit/>
-                    </a:bodyPr>
+                    <a:bodyPr/>
+                    <a:lstStyle/>
                     <a:p>
                       <a:pPr>
                         <a:lnSpc>
@@ -3692,7 +4170,7 @@
                         <a:buNone/>
                       </a:pPr>
                       <a:r>
-                        <a:rPr b="0" lang="en-AU" sz="1600" spc="-1" strike="noStrike">
+                        <a:rPr lang="en-AU" sz="1600" b="0" strike="noStrike" spc="-1">
                           <a:solidFill>
                             <a:srgbClr val="000000"/>
                           </a:solidFill>
@@ -3701,12 +4179,12 @@
                         </a:rPr>
                         <a:t>M1 due</a:t>
                       </a:r>
-                      <a:endParaRPr b="0" lang="en-AU" sz="1600" spc="-1" strike="noStrike">
+                      <a:endParaRPr lang="en-AU" sz="1600" b="0" strike="noStrike" spc="-1">
                         <a:latin typeface="Arial"/>
                       </a:endParaRPr>
                     </a:p>
                   </a:txBody>
-                  <a:tcPr anchor="t" marL="91440" marR="91440">
+                  <a:tcPr>
                     <a:lnL w="12240">
                       <a:solidFill>
                         <a:srgbClr val="000000"/>
@@ -3728,17 +4206,21 @@
                       </a:solidFill>
                     </a:lnB>
                     <a:solidFill>
-                      <a:srgbClr val="e7e7e7"/>
+                      <a:srgbClr val="E7E7E7"/>
                     </a:solidFill>
                   </a:tcPr>
                 </a:tc>
+                <a:extLst>
+                  <a:ext uri="{0D108BD9-81ED-4DB2-BD59-A6C34878D82A}">
+                    <a16:rowId xmlns:a16="http://schemas.microsoft.com/office/drawing/2014/main" val="10002"/>
+                  </a:ext>
+                </a:extLst>
               </a:tr>
               <a:tr h="335160">
                 <a:tc>
                   <a:txBody>
-                    <a:bodyPr anchor="t">
-                      <a:noAutofit/>
-                    </a:bodyPr>
+                    <a:bodyPr/>
+                    <a:lstStyle/>
                     <a:p>
                       <a:pPr>
                         <a:lnSpc>
@@ -3747,7 +4229,7 @@
                         <a:buNone/>
                       </a:pPr>
                       <a:r>
-                        <a:rPr b="0" lang="en-AU" sz="1600" spc="-1" strike="noStrike">
+                        <a:rPr lang="en-AU" sz="1600" b="0" strike="noStrike" spc="-1">
                           <a:solidFill>
                             <a:srgbClr val="000000"/>
                           </a:solidFill>
@@ -3756,12 +4238,12 @@
                         </a:rPr>
                         <a:t>3: M2-2</a:t>
                       </a:r>
-                      <a:endParaRPr b="0" lang="en-AU" sz="1600" spc="-1" strike="noStrike">
+                      <a:endParaRPr lang="en-AU" sz="1600" b="0" strike="noStrike" spc="-1">
                         <a:latin typeface="Arial"/>
                       </a:endParaRPr>
                     </a:p>
                   </a:txBody>
-                  <a:tcPr anchor="t" marL="91440" marR="91440">
+                  <a:tcPr>
                     <a:lnL w="12240">
                       <a:solidFill>
                         <a:srgbClr val="000000"/>
@@ -3783,15 +4265,14 @@
                       </a:solidFill>
                     </a:lnB>
                     <a:solidFill>
-                      <a:srgbClr val="cccccc"/>
+                      <a:srgbClr val="CCCCCC"/>
                     </a:solidFill>
                   </a:tcPr>
                 </a:tc>
                 <a:tc>
                   <a:txBody>
-                    <a:bodyPr anchor="t">
-                      <a:noAutofit/>
-                    </a:bodyPr>
+                    <a:bodyPr/>
+                    <a:lstStyle/>
                     <a:p>
                       <a:pPr>
                         <a:lnSpc>
@@ -3800,7 +4281,7 @@
                         <a:buNone/>
                       </a:pPr>
                       <a:r>
-                        <a:rPr b="0" lang="en-AU" sz="1600" spc="-1" strike="noStrike">
+                        <a:rPr lang="en-AU" sz="1600" b="0" strike="noStrike" spc="-1">
                           <a:solidFill>
                             <a:srgbClr val="000000"/>
                           </a:solidFill>
@@ -3809,12 +4290,12 @@
                         </a:rPr>
                         <a:t>SLAM</a:t>
                       </a:r>
-                      <a:endParaRPr b="0" lang="en-AU" sz="1600" spc="-1" strike="noStrike">
+                      <a:endParaRPr lang="en-AU" sz="1600" b="0" strike="noStrike" spc="-1">
                         <a:latin typeface="Arial"/>
                       </a:endParaRPr>
                     </a:p>
                   </a:txBody>
-                  <a:tcPr anchor="t" marL="91440" marR="91440">
+                  <a:tcPr>
                     <a:lnL w="12240">
                       <a:solidFill>
                         <a:srgbClr val="000000"/>
@@ -3836,12 +4317,19 @@
                       </a:solidFill>
                     </a:lnB>
                     <a:solidFill>
-                      <a:srgbClr val="cccccc"/>
+                      <a:srgbClr val="CCCCCC"/>
                     </a:solidFill>
                   </a:tcPr>
                 </a:tc>
                 <a:tc>
-                  <a:tcPr anchor="t" marL="91440" marR="91440">
+                  <a:txBody>
+                    <a:bodyPr/>
+                    <a:lstStyle/>
+                    <a:p>
+                      <a:endParaRPr lang="en-US"/>
+                    </a:p>
+                  </a:txBody>
+                  <a:tcPr>
                     <a:lnL w="12240">
                       <a:solidFill>
                         <a:srgbClr val="000000"/>
@@ -3863,17 +4351,21 @@
                       </a:solidFill>
                     </a:lnB>
                     <a:solidFill>
-                      <a:srgbClr val="cccccc"/>
+                      <a:srgbClr val="CCCCCC"/>
                     </a:solidFill>
                   </a:tcPr>
                 </a:tc>
+                <a:extLst>
+                  <a:ext uri="{0D108BD9-81ED-4DB2-BD59-A6C34878D82A}">
+                    <a16:rowId xmlns:a16="http://schemas.microsoft.com/office/drawing/2014/main" val="10003"/>
+                  </a:ext>
+                </a:extLst>
               </a:tr>
               <a:tr h="335160">
                 <a:tc>
                   <a:txBody>
-                    <a:bodyPr anchor="t">
-                      <a:noAutofit/>
-                    </a:bodyPr>
+                    <a:bodyPr/>
+                    <a:lstStyle/>
                     <a:p>
                       <a:pPr>
                         <a:lnSpc>
@@ -3882,7 +4374,7 @@
                         <a:buNone/>
                       </a:pPr>
                       <a:r>
-                        <a:rPr b="0" lang="en-AU" sz="1600" spc="-1" strike="noStrike">
+                        <a:rPr lang="en-AU" sz="1600" b="0" strike="noStrike" spc="-1">
                           <a:solidFill>
                             <a:srgbClr val="000000"/>
                           </a:solidFill>
@@ -3891,12 +4383,12 @@
                         </a:rPr>
                         <a:t>4: M2-3</a:t>
                       </a:r>
-                      <a:endParaRPr b="0" lang="en-AU" sz="1600" spc="-1" strike="noStrike">
+                      <a:endParaRPr lang="en-AU" sz="1600" b="0" strike="noStrike" spc="-1">
                         <a:latin typeface="Arial"/>
                       </a:endParaRPr>
                     </a:p>
                   </a:txBody>
-                  <a:tcPr anchor="t" marL="91440" marR="91440">
+                  <a:tcPr>
                     <a:lnL w="12240">
                       <a:solidFill>
                         <a:srgbClr val="000000"/>
@@ -3918,15 +4410,14 @@
                       </a:solidFill>
                     </a:lnB>
                     <a:solidFill>
-                      <a:srgbClr val="e7e7e7"/>
+                      <a:srgbClr val="E7E7E7"/>
                     </a:solidFill>
                   </a:tcPr>
                 </a:tc>
                 <a:tc>
                   <a:txBody>
-                    <a:bodyPr anchor="t">
-                      <a:noAutofit/>
-                    </a:bodyPr>
+                    <a:bodyPr/>
+                    <a:lstStyle/>
                     <a:p>
                       <a:pPr>
                         <a:lnSpc>
@@ -3935,7 +4426,7 @@
                         <a:buNone/>
                       </a:pPr>
                       <a:r>
-                        <a:rPr b="0" lang="en-AU" sz="1600" spc="-1" strike="noStrike">
+                        <a:rPr lang="en-AU" sz="1600" b="0" strike="noStrike" spc="-1">
                           <a:solidFill>
                             <a:srgbClr val="000000"/>
                           </a:solidFill>
@@ -3944,12 +4435,12 @@
                         </a:rPr>
                         <a:t>SLAM</a:t>
                       </a:r>
-                      <a:endParaRPr b="0" lang="en-AU" sz="1600" spc="-1" strike="noStrike">
+                      <a:endParaRPr lang="en-AU" sz="1600" b="0" strike="noStrike" spc="-1">
                         <a:latin typeface="Arial"/>
                       </a:endParaRPr>
                     </a:p>
                   </a:txBody>
-                  <a:tcPr anchor="t" marL="91440" marR="91440">
+                  <a:tcPr>
                     <a:lnL w="12240">
                       <a:solidFill>
                         <a:srgbClr val="000000"/>
@@ -3971,12 +4462,19 @@
                       </a:solidFill>
                     </a:lnB>
                     <a:solidFill>
-                      <a:srgbClr val="e7e7e7"/>
+                      <a:srgbClr val="E7E7E7"/>
                     </a:solidFill>
                   </a:tcPr>
                 </a:tc>
                 <a:tc>
-                  <a:tcPr anchor="t" marL="91440" marR="91440">
+                  <a:txBody>
+                    <a:bodyPr/>
+                    <a:lstStyle/>
+                    <a:p>
+                      <a:endParaRPr lang="en-US"/>
+                    </a:p>
+                  </a:txBody>
+                  <a:tcPr>
                     <a:lnL w="12240">
                       <a:solidFill>
                         <a:srgbClr val="000000"/>
@@ -3998,17 +4496,21 @@
                       </a:solidFill>
                     </a:lnB>
                     <a:solidFill>
-                      <a:srgbClr val="e7e7e7"/>
+                      <a:srgbClr val="E7E7E7"/>
                     </a:solidFill>
                   </a:tcPr>
                 </a:tc>
+                <a:extLst>
+                  <a:ext uri="{0D108BD9-81ED-4DB2-BD59-A6C34878D82A}">
+                    <a16:rowId xmlns:a16="http://schemas.microsoft.com/office/drawing/2014/main" val="10004"/>
+                  </a:ext>
+                </a:extLst>
               </a:tr>
               <a:tr h="335160">
                 <a:tc>
                   <a:txBody>
-                    <a:bodyPr anchor="t">
-                      <a:noAutofit/>
-                    </a:bodyPr>
+                    <a:bodyPr/>
+                    <a:lstStyle/>
                     <a:p>
                       <a:pPr>
                         <a:lnSpc>
@@ -4017,7 +4519,7 @@
                         <a:buNone/>
                       </a:pPr>
                       <a:r>
-                        <a:rPr b="0" lang="en-AU" sz="1600" spc="-1" strike="noStrike">
+                        <a:rPr lang="en-AU" sz="1600" b="0" strike="noStrike" spc="-1">
                           <a:solidFill>
                             <a:srgbClr val="000000"/>
                           </a:solidFill>
@@ -4026,12 +4528,12 @@
                         </a:rPr>
                         <a:t>5: M3-1</a:t>
                       </a:r>
-                      <a:endParaRPr b="0" lang="en-AU" sz="1600" spc="-1" strike="noStrike">
+                      <a:endParaRPr lang="en-AU" sz="1600" b="0" strike="noStrike" spc="-1">
                         <a:latin typeface="Arial"/>
                       </a:endParaRPr>
                     </a:p>
                   </a:txBody>
-                  <a:tcPr anchor="t" marL="91440" marR="91440">
+                  <a:tcPr>
                     <a:lnL w="12240">
                       <a:solidFill>
                         <a:srgbClr val="000000"/>
@@ -4053,15 +4555,14 @@
                       </a:solidFill>
                     </a:lnB>
                     <a:solidFill>
-                      <a:srgbClr val="cccccc"/>
+                      <a:srgbClr val="CCCCCC"/>
                     </a:solidFill>
                   </a:tcPr>
                 </a:tc>
                 <a:tc>
                   <a:txBody>
-                    <a:bodyPr anchor="t">
-                      <a:noAutofit/>
-                    </a:bodyPr>
+                    <a:bodyPr/>
+                    <a:lstStyle/>
                     <a:p>
                       <a:pPr>
                         <a:lnSpc>
@@ -4070,7 +4571,7 @@
                         <a:buNone/>
                       </a:pPr>
                       <a:r>
-                        <a:rPr b="0" lang="en-AU" sz="1600" spc="-1" strike="noStrike">
+                        <a:rPr lang="en-AU" sz="1600" b="0" strike="noStrike" spc="-1">
                           <a:solidFill>
                             <a:srgbClr val="000000"/>
                           </a:solidFill>
@@ -4079,12 +4580,12 @@
                         </a:rPr>
                         <a:t>Object recognition &amp; localisation</a:t>
                       </a:r>
-                      <a:endParaRPr b="0" lang="en-AU" sz="1600" spc="-1" strike="noStrike">
+                      <a:endParaRPr lang="en-AU" sz="1600" b="0" strike="noStrike" spc="-1">
                         <a:latin typeface="Arial"/>
                       </a:endParaRPr>
                     </a:p>
                   </a:txBody>
-                  <a:tcPr anchor="t" marL="91440" marR="91440">
+                  <a:tcPr>
                     <a:lnL w="12240">
                       <a:solidFill>
                         <a:srgbClr val="000000"/>
@@ -4106,15 +4607,14 @@
                       </a:solidFill>
                     </a:lnB>
                     <a:solidFill>
-                      <a:srgbClr val="cccccc"/>
+                      <a:srgbClr val="CCCCCC"/>
                     </a:solidFill>
                   </a:tcPr>
                 </a:tc>
                 <a:tc>
                   <a:txBody>
-                    <a:bodyPr anchor="t">
-                      <a:noAutofit/>
-                    </a:bodyPr>
+                    <a:bodyPr/>
+                    <a:lstStyle/>
                     <a:p>
                       <a:pPr>
                         <a:lnSpc>
@@ -4123,7 +4623,7 @@
                         <a:buNone/>
                       </a:pPr>
                       <a:r>
-                        <a:rPr b="0" lang="en-AU" sz="1600" spc="-1" strike="noStrike">
+                        <a:rPr lang="en-AU" sz="1600" b="0" strike="noStrike" spc="-1">
                           <a:solidFill>
                             <a:srgbClr val="000000"/>
                           </a:solidFill>
@@ -4132,12 +4632,12 @@
                         </a:rPr>
                         <a:t>M2 due</a:t>
                       </a:r>
-                      <a:endParaRPr b="0" lang="en-AU" sz="1600" spc="-1" strike="noStrike">
+                      <a:endParaRPr lang="en-AU" sz="1600" b="0" strike="noStrike" spc="-1">
                         <a:latin typeface="Arial"/>
                       </a:endParaRPr>
                     </a:p>
                   </a:txBody>
-                  <a:tcPr anchor="t" marL="91440" marR="91440">
+                  <a:tcPr>
                     <a:lnL w="12240">
                       <a:solidFill>
                         <a:srgbClr val="000000"/>
@@ -4159,17 +4659,21 @@
                       </a:solidFill>
                     </a:lnB>
                     <a:solidFill>
-                      <a:srgbClr val="cccccc"/>
+                      <a:srgbClr val="CCCCCC"/>
                     </a:solidFill>
                   </a:tcPr>
                 </a:tc>
+                <a:extLst>
+                  <a:ext uri="{0D108BD9-81ED-4DB2-BD59-A6C34878D82A}">
+                    <a16:rowId xmlns:a16="http://schemas.microsoft.com/office/drawing/2014/main" val="10005"/>
+                  </a:ext>
+                </a:extLst>
               </a:tr>
               <a:tr h="335160">
                 <a:tc>
                   <a:txBody>
-                    <a:bodyPr anchor="t">
-                      <a:noAutofit/>
-                    </a:bodyPr>
+                    <a:bodyPr/>
+                    <a:lstStyle/>
                     <a:p>
                       <a:pPr>
                         <a:lnSpc>
@@ -4178,7 +4682,7 @@
                         <a:buNone/>
                       </a:pPr>
                       <a:r>
-                        <a:rPr b="0" lang="en-AU" sz="1600" spc="-1" strike="noStrike">
+                        <a:rPr lang="en-AU" sz="1600" b="0" strike="noStrike" spc="-1">
                           <a:solidFill>
                             <a:srgbClr val="000000"/>
                           </a:solidFill>
@@ -4187,12 +4691,12 @@
                         </a:rPr>
                         <a:t>6: M3-2</a:t>
                       </a:r>
-                      <a:endParaRPr b="0" lang="en-AU" sz="1600" spc="-1" strike="noStrike">
+                      <a:endParaRPr lang="en-AU" sz="1600" b="0" strike="noStrike" spc="-1">
                         <a:latin typeface="Arial"/>
                       </a:endParaRPr>
                     </a:p>
                   </a:txBody>
-                  <a:tcPr anchor="t" marL="91440" marR="91440">
+                  <a:tcPr>
                     <a:lnL w="12240">
                       <a:solidFill>
                         <a:srgbClr val="000000"/>
@@ -4214,15 +4718,14 @@
                       </a:solidFill>
                     </a:lnB>
                     <a:solidFill>
-                      <a:srgbClr val="e7e7e7"/>
+                      <a:srgbClr val="E7E7E7"/>
                     </a:solidFill>
                   </a:tcPr>
                 </a:tc>
                 <a:tc>
                   <a:txBody>
-                    <a:bodyPr anchor="t">
-                      <a:noAutofit/>
-                    </a:bodyPr>
+                    <a:bodyPr/>
+                    <a:lstStyle/>
                     <a:p>
                       <a:pPr>
                         <a:lnSpc>
@@ -4231,7 +4734,7 @@
                         <a:buNone/>
                       </a:pPr>
                       <a:r>
-                        <a:rPr b="0" lang="en-AU" sz="1600" spc="-1" strike="noStrike">
+                        <a:rPr lang="en-AU" sz="1600" b="0" strike="noStrike" spc="-1">
                           <a:solidFill>
                             <a:srgbClr val="000000"/>
                           </a:solidFill>
@@ -4240,12 +4743,12 @@
                         </a:rPr>
                         <a:t>Object recognition &amp; localisation</a:t>
                       </a:r>
-                      <a:endParaRPr b="0" lang="en-AU" sz="1600" spc="-1" strike="noStrike">
+                      <a:endParaRPr lang="en-AU" sz="1600" b="0" strike="noStrike" spc="-1">
                         <a:latin typeface="Arial"/>
                       </a:endParaRPr>
                     </a:p>
                   </a:txBody>
-                  <a:tcPr anchor="t" marL="91440" marR="91440">
+                  <a:tcPr>
                     <a:lnL w="12240">
                       <a:solidFill>
                         <a:srgbClr val="000000"/>
@@ -4267,12 +4770,19 @@
                       </a:solidFill>
                     </a:lnB>
                     <a:solidFill>
-                      <a:srgbClr val="e7e7e7"/>
+                      <a:srgbClr val="E7E7E7"/>
                     </a:solidFill>
                   </a:tcPr>
                 </a:tc>
                 <a:tc>
-                  <a:tcPr anchor="t" marL="91440" marR="91440">
+                  <a:txBody>
+                    <a:bodyPr/>
+                    <a:lstStyle/>
+                    <a:p>
+                      <a:endParaRPr lang="en-US"/>
+                    </a:p>
+                  </a:txBody>
+                  <a:tcPr>
                     <a:lnL w="12240">
                       <a:solidFill>
                         <a:srgbClr val="000000"/>
@@ -4294,17 +4804,21 @@
                       </a:solidFill>
                     </a:lnB>
                     <a:solidFill>
-                      <a:srgbClr val="e7e7e7"/>
+                      <a:srgbClr val="E7E7E7"/>
                     </a:solidFill>
                   </a:tcPr>
                 </a:tc>
+                <a:extLst>
+                  <a:ext uri="{0D108BD9-81ED-4DB2-BD59-A6C34878D82A}">
+                    <a16:rowId xmlns:a16="http://schemas.microsoft.com/office/drawing/2014/main" val="10006"/>
+                  </a:ext>
+                </a:extLst>
               </a:tr>
               <a:tr h="335160">
                 <a:tc>
                   <a:txBody>
-                    <a:bodyPr anchor="t">
-                      <a:noAutofit/>
-                    </a:bodyPr>
+                    <a:bodyPr/>
+                    <a:lstStyle/>
                     <a:p>
                       <a:pPr>
                         <a:lnSpc>
@@ -4313,7 +4827,7 @@
                         <a:buNone/>
                       </a:pPr>
                       <a:r>
-                        <a:rPr b="0" lang="en-AU" sz="1600" spc="-1" strike="noStrike">
+                        <a:rPr lang="en-AU" sz="1600" b="0" strike="noStrike" spc="-1">
                           <a:solidFill>
                             <a:srgbClr val="000000"/>
                           </a:solidFill>
@@ -4322,12 +4836,12 @@
                         </a:rPr>
                         <a:t>7: M4-1</a:t>
                       </a:r>
-                      <a:endParaRPr b="0" lang="en-AU" sz="1600" spc="-1" strike="noStrike">
+                      <a:endParaRPr lang="en-AU" sz="1600" b="0" strike="noStrike" spc="-1">
                         <a:latin typeface="Arial"/>
                       </a:endParaRPr>
                     </a:p>
                   </a:txBody>
-                  <a:tcPr anchor="t" marL="91440" marR="91440">
+                  <a:tcPr>
                     <a:lnL w="12240">
                       <a:solidFill>
                         <a:srgbClr val="000000"/>
@@ -4349,15 +4863,14 @@
                       </a:solidFill>
                     </a:lnB>
                     <a:solidFill>
-                      <a:srgbClr val="cccccc"/>
+                      <a:srgbClr val="CCCCCC"/>
                     </a:solidFill>
                   </a:tcPr>
                 </a:tc>
                 <a:tc>
                   <a:txBody>
-                    <a:bodyPr anchor="t">
-                      <a:noAutofit/>
-                    </a:bodyPr>
+                    <a:bodyPr/>
+                    <a:lstStyle/>
                     <a:p>
                       <a:pPr>
                         <a:lnSpc>
@@ -4366,7 +4879,7 @@
                         <a:buNone/>
                       </a:pPr>
                       <a:r>
-                        <a:rPr b="0" lang="en-AU" sz="1600" spc="-1" strike="noStrike">
+                        <a:rPr lang="en-AU" sz="1600" b="0" strike="noStrike" spc="-1">
                           <a:solidFill>
                             <a:srgbClr val="000000"/>
                           </a:solidFill>
@@ -4375,12 +4888,12 @@
                         </a:rPr>
                         <a:t>Navigation &amp; Planning</a:t>
                       </a:r>
-                      <a:endParaRPr b="0" lang="en-AU" sz="1600" spc="-1" strike="noStrike">
+                      <a:endParaRPr lang="en-AU" sz="1600" b="0" strike="noStrike" spc="-1">
                         <a:latin typeface="Arial"/>
                       </a:endParaRPr>
                     </a:p>
                   </a:txBody>
-                  <a:tcPr anchor="t" marL="91440" marR="91440">
+                  <a:tcPr>
                     <a:lnL w="12240">
                       <a:solidFill>
                         <a:srgbClr val="000000"/>
@@ -4402,15 +4915,14 @@
                       </a:solidFill>
                     </a:lnB>
                     <a:solidFill>
-                      <a:srgbClr val="cccccc"/>
+                      <a:srgbClr val="CCCCCC"/>
                     </a:solidFill>
                   </a:tcPr>
                 </a:tc>
                 <a:tc>
                   <a:txBody>
-                    <a:bodyPr anchor="t">
-                      <a:noAutofit/>
-                    </a:bodyPr>
+                    <a:bodyPr/>
+                    <a:lstStyle/>
                     <a:p>
                       <a:pPr>
                         <a:lnSpc>
@@ -4419,7 +4931,7 @@
                         <a:buNone/>
                       </a:pPr>
                       <a:r>
-                        <a:rPr b="0" lang="en-AU" sz="1600" spc="-1" strike="noStrike">
+                        <a:rPr lang="en-AU" sz="1600" b="0" strike="noStrike" spc="-1">
                           <a:solidFill>
                             <a:srgbClr val="000000"/>
                           </a:solidFill>
@@ -4428,12 +4940,12 @@
                         </a:rPr>
                         <a:t>M3 due</a:t>
                       </a:r>
-                      <a:endParaRPr b="0" lang="en-AU" sz="1600" spc="-1" strike="noStrike">
+                      <a:endParaRPr lang="en-AU" sz="1600" b="0" strike="noStrike" spc="-1">
                         <a:latin typeface="Arial"/>
                       </a:endParaRPr>
                     </a:p>
                   </a:txBody>
-                  <a:tcPr anchor="t" marL="91440" marR="91440">
+                  <a:tcPr>
                     <a:lnL w="12240">
                       <a:solidFill>
                         <a:srgbClr val="000000"/>
@@ -4455,17 +4967,21 @@
                       </a:solidFill>
                     </a:lnB>
                     <a:solidFill>
-                      <a:srgbClr val="cccccc"/>
+                      <a:srgbClr val="CCCCCC"/>
                     </a:solidFill>
                   </a:tcPr>
                 </a:tc>
+                <a:extLst>
+                  <a:ext uri="{0D108BD9-81ED-4DB2-BD59-A6C34878D82A}">
+                    <a16:rowId xmlns:a16="http://schemas.microsoft.com/office/drawing/2014/main" val="10007"/>
+                  </a:ext>
+                </a:extLst>
               </a:tr>
               <a:tr h="335160">
                 <a:tc>
                   <a:txBody>
-                    <a:bodyPr anchor="t">
-                      <a:noAutofit/>
-                    </a:bodyPr>
+                    <a:bodyPr/>
+                    <a:lstStyle/>
                     <a:p>
                       <a:pPr>
                         <a:lnSpc>
@@ -4474,7 +4990,7 @@
                         <a:buNone/>
                       </a:pPr>
                       <a:r>
-                        <a:rPr b="0" lang="en-AU" sz="1600" spc="-1" strike="noStrike">
+                        <a:rPr lang="en-AU" sz="1600" b="0" strike="noStrike" spc="-1">
                           <a:solidFill>
                             <a:srgbClr val="000000"/>
                           </a:solidFill>
@@ -4483,12 +4999,12 @@
                         </a:rPr>
                         <a:t>8: M4-2</a:t>
                       </a:r>
-                      <a:endParaRPr b="0" lang="en-AU" sz="1600" spc="-1" strike="noStrike">
+                      <a:endParaRPr lang="en-AU" sz="1600" b="0" strike="noStrike" spc="-1">
                         <a:latin typeface="Arial"/>
                       </a:endParaRPr>
                     </a:p>
                   </a:txBody>
-                  <a:tcPr anchor="t" marL="91440" marR="91440">
+                  <a:tcPr>
                     <a:lnL w="12240">
                       <a:solidFill>
                         <a:srgbClr val="000000"/>
@@ -4510,15 +5026,14 @@
                       </a:solidFill>
                     </a:lnB>
                     <a:solidFill>
-                      <a:srgbClr val="e7e7e7"/>
+                      <a:srgbClr val="E7E7E7"/>
                     </a:solidFill>
                   </a:tcPr>
                 </a:tc>
                 <a:tc>
                   <a:txBody>
-                    <a:bodyPr anchor="t">
-                      <a:noAutofit/>
-                    </a:bodyPr>
+                    <a:bodyPr/>
+                    <a:lstStyle/>
                     <a:p>
                       <a:pPr>
                         <a:lnSpc>
@@ -4527,7 +5042,7 @@
                         <a:buNone/>
                       </a:pPr>
                       <a:r>
-                        <a:rPr b="0" lang="en-AU" sz="1600" spc="-1" strike="noStrike">
+                        <a:rPr lang="en-AU" sz="1600" b="0" strike="noStrike" spc="-1">
                           <a:solidFill>
                             <a:srgbClr val="000000"/>
                           </a:solidFill>
@@ -4536,12 +5051,12 @@
                         </a:rPr>
                         <a:t>Navigation &amp; Planning</a:t>
                       </a:r>
-                      <a:endParaRPr b="0" lang="en-AU" sz="1600" spc="-1" strike="noStrike">
+                      <a:endParaRPr lang="en-AU" sz="1600" b="0" strike="noStrike" spc="-1">
                         <a:latin typeface="Arial"/>
                       </a:endParaRPr>
                     </a:p>
                   </a:txBody>
-                  <a:tcPr anchor="t" marL="91440" marR="91440">
+                  <a:tcPr>
                     <a:lnL w="12240">
                       <a:solidFill>
                         <a:srgbClr val="000000"/>
@@ -4563,12 +5078,19 @@
                       </a:solidFill>
                     </a:lnB>
                     <a:solidFill>
-                      <a:srgbClr val="e7e7e7"/>
+                      <a:srgbClr val="E7E7E7"/>
                     </a:solidFill>
                   </a:tcPr>
                 </a:tc>
                 <a:tc>
-                  <a:tcPr anchor="t" marL="91440" marR="91440">
+                  <a:txBody>
+                    <a:bodyPr/>
+                    <a:lstStyle/>
+                    <a:p>
+                      <a:endParaRPr lang="en-US"/>
+                    </a:p>
+                  </a:txBody>
+                  <a:tcPr>
                     <a:lnL w="12240">
                       <a:solidFill>
                         <a:srgbClr val="000000"/>
@@ -4590,17 +5112,21 @@
                       </a:solidFill>
                     </a:lnB>
                     <a:solidFill>
-                      <a:srgbClr val="e7e7e7"/>
+                      <a:srgbClr val="E7E7E7"/>
                     </a:solidFill>
                   </a:tcPr>
                 </a:tc>
+                <a:extLst>
+                  <a:ext uri="{0D108BD9-81ED-4DB2-BD59-A6C34878D82A}">
+                    <a16:rowId xmlns:a16="http://schemas.microsoft.com/office/drawing/2014/main" val="10008"/>
+                  </a:ext>
+                </a:extLst>
               </a:tr>
               <a:tr h="331560">
                 <a:tc>
                   <a:txBody>
-                    <a:bodyPr anchor="t">
-                      <a:noAutofit/>
-                    </a:bodyPr>
+                    <a:bodyPr/>
+                    <a:lstStyle/>
                     <a:p>
                       <a:pPr>
                         <a:lnSpc>
@@ -4609,7 +5135,7 @@
                         <a:buNone/>
                       </a:pPr>
                       <a:r>
-                        <a:rPr b="0" lang="en-AU" sz="1600" spc="-1" strike="noStrike">
+                        <a:rPr lang="en-AU" sz="1600" b="0" strike="noStrike" spc="-1">
                           <a:solidFill>
                             <a:srgbClr val="000000"/>
                           </a:solidFill>
@@ -4618,12 +5144,12 @@
                         </a:rPr>
                         <a:t>9: M5</a:t>
                       </a:r>
-                      <a:endParaRPr b="0" lang="en-AU" sz="1600" spc="-1" strike="noStrike">
+                      <a:endParaRPr lang="en-AU" sz="1600" b="0" strike="noStrike" spc="-1">
                         <a:latin typeface="Arial"/>
                       </a:endParaRPr>
                     </a:p>
                   </a:txBody>
-                  <a:tcPr anchor="t" marL="91440" marR="91440">
+                  <a:tcPr>
                     <a:lnL w="12240">
                       <a:solidFill>
                         <a:srgbClr val="000000"/>
@@ -4645,15 +5171,14 @@
                       </a:solidFill>
                     </a:lnB>
                     <a:solidFill>
-                      <a:srgbClr val="cccccc"/>
+                      <a:srgbClr val="CCCCCC"/>
                     </a:solidFill>
                   </a:tcPr>
                 </a:tc>
                 <a:tc>
                   <a:txBody>
-                    <a:bodyPr anchor="t">
-                      <a:noAutofit/>
-                    </a:bodyPr>
+                    <a:bodyPr/>
+                    <a:lstStyle/>
                     <a:p>
                       <a:pPr>
                         <a:lnSpc>
@@ -4662,7 +5187,7 @@
                         <a:buNone/>
                       </a:pPr>
                       <a:r>
-                        <a:rPr b="0" lang="en-AU" sz="1600" spc="-1" strike="noStrike">
+                        <a:rPr lang="en-AU" sz="1600" b="0" strike="noStrike" spc="-1">
                           <a:solidFill>
                             <a:srgbClr val="000000"/>
                           </a:solidFill>
@@ -4671,12 +5196,12 @@
                         </a:rPr>
                         <a:t>Integration &amp; Improvement</a:t>
                       </a:r>
-                      <a:endParaRPr b="0" lang="en-AU" sz="1600" spc="-1" strike="noStrike">
+                      <a:endParaRPr lang="en-AU" sz="1600" b="0" strike="noStrike" spc="-1">
                         <a:latin typeface="Arial"/>
                       </a:endParaRPr>
                     </a:p>
                   </a:txBody>
-                  <a:tcPr anchor="t" marL="91440" marR="91440">
+                  <a:tcPr>
                     <a:lnL w="12240">
                       <a:solidFill>
                         <a:srgbClr val="000000"/>
@@ -4698,15 +5223,14 @@
                       </a:solidFill>
                     </a:lnB>
                     <a:solidFill>
-                      <a:srgbClr val="cccccc"/>
+                      <a:srgbClr val="CCCCCC"/>
                     </a:solidFill>
                   </a:tcPr>
                 </a:tc>
                 <a:tc>
                   <a:txBody>
-                    <a:bodyPr anchor="t">
-                      <a:noAutofit/>
-                    </a:bodyPr>
+                    <a:bodyPr/>
+                    <a:lstStyle/>
                     <a:p>
                       <a:pPr>
                         <a:lnSpc>
@@ -4715,7 +5239,7 @@
                         <a:buNone/>
                       </a:pPr>
                       <a:r>
-                        <a:rPr b="0" lang="en-AU" sz="1600" spc="-1" strike="noStrike">
+                        <a:rPr lang="en-AU" sz="1600" b="0" strike="noStrike" spc="-1">
                           <a:solidFill>
                             <a:srgbClr val="000000"/>
                           </a:solidFill>
@@ -4724,12 +5248,12 @@
                         </a:rPr>
                         <a:t>M4 due</a:t>
                       </a:r>
-                      <a:endParaRPr b="0" lang="en-AU" sz="1600" spc="-1" strike="noStrike">
+                      <a:endParaRPr lang="en-AU" sz="1600" b="0" strike="noStrike" spc="-1">
                         <a:latin typeface="Arial"/>
                       </a:endParaRPr>
                     </a:p>
                   </a:txBody>
-                  <a:tcPr anchor="t" marL="91440" marR="91440">
+                  <a:tcPr>
                     <a:lnL w="12240">
                       <a:solidFill>
                         <a:srgbClr val="000000"/>
@@ -4751,17 +5275,21 @@
                       </a:solidFill>
                     </a:lnB>
                     <a:solidFill>
-                      <a:srgbClr val="cccccc"/>
+                      <a:srgbClr val="CCCCCC"/>
                     </a:solidFill>
                   </a:tcPr>
                 </a:tc>
+                <a:extLst>
+                  <a:ext uri="{0D108BD9-81ED-4DB2-BD59-A6C34878D82A}">
+                    <a16:rowId xmlns:a16="http://schemas.microsoft.com/office/drawing/2014/main" val="10009"/>
+                  </a:ext>
+                </a:extLst>
               </a:tr>
               <a:tr h="335160">
                 <a:tc>
                   <a:txBody>
-                    <a:bodyPr anchor="t">
-                      <a:noAutofit/>
-                    </a:bodyPr>
+                    <a:bodyPr/>
+                    <a:lstStyle/>
                     <a:p>
                       <a:pPr>
                         <a:lnSpc>
@@ -4770,7 +5298,7 @@
                         <a:buNone/>
                       </a:pPr>
                       <a:r>
-                        <a:rPr b="0" lang="en-AU" sz="1600" spc="-1" strike="noStrike">
+                        <a:rPr lang="en-AU" sz="1600" b="0" strike="noStrike" spc="-1">
                           <a:solidFill>
                             <a:srgbClr val="000000"/>
                           </a:solidFill>
@@ -4779,12 +5307,12 @@
                         </a:rPr>
                         <a:t>10: Final</a:t>
                       </a:r>
-                      <a:endParaRPr b="0" lang="en-AU" sz="1600" spc="-1" strike="noStrike">
+                      <a:endParaRPr lang="en-AU" sz="1600" b="0" strike="noStrike" spc="-1">
                         <a:latin typeface="Arial"/>
                       </a:endParaRPr>
                     </a:p>
                   </a:txBody>
-                  <a:tcPr anchor="t" marL="91440" marR="91440">
+                  <a:tcPr>
                     <a:lnL w="12240">
                       <a:solidFill>
                         <a:srgbClr val="000000"/>
@@ -4806,15 +5334,14 @@
                       </a:solidFill>
                     </a:lnB>
                     <a:solidFill>
-                      <a:srgbClr val="e7e7e7"/>
+                      <a:srgbClr val="E7E7E7"/>
                     </a:solidFill>
                   </a:tcPr>
                 </a:tc>
                 <a:tc>
                   <a:txBody>
-                    <a:bodyPr anchor="t">
-                      <a:noAutofit/>
-                    </a:bodyPr>
+                    <a:bodyPr/>
+                    <a:lstStyle/>
                     <a:p>
                       <a:pPr>
                         <a:lnSpc>
@@ -4823,7 +5350,7 @@
                         <a:buNone/>
                       </a:pPr>
                       <a:r>
-                        <a:rPr b="0" lang="en-AU" sz="1600" spc="-1" strike="noStrike">
+                        <a:rPr lang="en-AU" sz="1600" b="0" strike="noStrike" spc="-1">
                           <a:solidFill>
                             <a:srgbClr val="000000"/>
                           </a:solidFill>
@@ -4832,12 +5359,12 @@
                         </a:rPr>
                         <a:t>Trial run of final demo</a:t>
                       </a:r>
-                      <a:endParaRPr b="0" lang="en-AU" sz="1600" spc="-1" strike="noStrike">
+                      <a:endParaRPr lang="en-AU" sz="1600" b="0" strike="noStrike" spc="-1">
                         <a:latin typeface="Arial"/>
                       </a:endParaRPr>
                     </a:p>
                   </a:txBody>
-                  <a:tcPr anchor="t" marL="91440" marR="91440">
+                  <a:tcPr>
                     <a:lnL w="12240">
                       <a:solidFill>
                         <a:srgbClr val="000000"/>
@@ -4859,15 +5386,14 @@
                       </a:solidFill>
                     </a:lnB>
                     <a:solidFill>
-                      <a:srgbClr val="e7e7e7"/>
+                      <a:srgbClr val="E7E7E7"/>
                     </a:solidFill>
                   </a:tcPr>
                 </a:tc>
                 <a:tc>
                   <a:txBody>
-                    <a:bodyPr anchor="t">
-                      <a:noAutofit/>
-                    </a:bodyPr>
+                    <a:bodyPr/>
+                    <a:lstStyle/>
                     <a:p>
                       <a:pPr>
                         <a:lnSpc>
@@ -4876,7 +5402,7 @@
                         <a:buNone/>
                       </a:pPr>
                       <a:r>
-                        <a:rPr b="0" lang="en-AU" sz="1600" spc="-1" strike="noStrike">
+                        <a:rPr lang="en-AU" sz="1600" b="0" strike="noStrike" spc="-1">
                           <a:solidFill>
                             <a:srgbClr val="000000"/>
                           </a:solidFill>
@@ -4885,12 +5411,12 @@
                         </a:rPr>
                         <a:t>M5 due</a:t>
                       </a:r>
-                      <a:endParaRPr b="0" lang="en-AU" sz="1600" spc="-1" strike="noStrike">
+                      <a:endParaRPr lang="en-AU" sz="1600" b="0" strike="noStrike" spc="-1">
                         <a:latin typeface="Arial"/>
                       </a:endParaRPr>
                     </a:p>
                   </a:txBody>
-                  <a:tcPr anchor="t" marL="91440" marR="91440">
+                  <a:tcPr>
                     <a:lnL w="12240">
                       <a:solidFill>
                         <a:srgbClr val="000000"/>
@@ -4912,17 +5438,21 @@
                       </a:solidFill>
                     </a:lnB>
                     <a:solidFill>
-                      <a:srgbClr val="e7e7e7"/>
+                      <a:srgbClr val="E7E7E7"/>
                     </a:solidFill>
                   </a:tcPr>
                 </a:tc>
+                <a:extLst>
+                  <a:ext uri="{0D108BD9-81ED-4DB2-BD59-A6C34878D82A}">
+                    <a16:rowId xmlns:a16="http://schemas.microsoft.com/office/drawing/2014/main" val="10010"/>
+                  </a:ext>
+                </a:extLst>
               </a:tr>
               <a:tr h="335160">
                 <a:tc>
                   <a:txBody>
-                    <a:bodyPr anchor="t">
-                      <a:noAutofit/>
-                    </a:bodyPr>
+                    <a:bodyPr/>
+                    <a:lstStyle/>
                     <a:p>
                       <a:pPr>
                         <a:lnSpc>
@@ -4931,7 +5461,7 @@
                         <a:buNone/>
                       </a:pPr>
                       <a:r>
-                        <a:rPr b="0" lang="en-AU" sz="1600" spc="-1" strike="noStrike">
+                        <a:rPr lang="en-AU" sz="1600" b="0" strike="noStrike" spc="-1">
                           <a:solidFill>
                             <a:srgbClr val="000000"/>
                           </a:solidFill>
@@ -4940,12 +5470,12 @@
                         </a:rPr>
                         <a:t>11: Final</a:t>
                       </a:r>
-                      <a:endParaRPr b="0" lang="en-AU" sz="1600" spc="-1" strike="noStrike">
+                      <a:endParaRPr lang="en-AU" sz="1600" b="0" strike="noStrike" spc="-1">
                         <a:latin typeface="Arial"/>
                       </a:endParaRPr>
                     </a:p>
                   </a:txBody>
-                  <a:tcPr anchor="t" marL="91440" marR="91440">
+                  <a:tcPr>
                     <a:lnL w="12240">
                       <a:solidFill>
                         <a:srgbClr val="000000"/>
@@ -4967,15 +5497,14 @@
                       </a:solidFill>
                     </a:lnB>
                     <a:solidFill>
-                      <a:srgbClr val="cccccc"/>
+                      <a:srgbClr val="CCCCCC"/>
                     </a:solidFill>
                   </a:tcPr>
                 </a:tc>
                 <a:tc>
                   <a:txBody>
-                    <a:bodyPr anchor="t">
-                      <a:noAutofit/>
-                    </a:bodyPr>
+                    <a:bodyPr/>
+                    <a:lstStyle/>
                     <a:p>
                       <a:pPr>
                         <a:lnSpc>
@@ -4984,7 +5513,7 @@
                         <a:buNone/>
                       </a:pPr>
                       <a:r>
-                        <a:rPr b="0" lang="en-AU" sz="1600" spc="-1" strike="noStrike">
+                        <a:rPr lang="en-AU" sz="1600" b="0" strike="noStrike" spc="-1">
                           <a:solidFill>
                             <a:srgbClr val="000000"/>
                           </a:solidFill>
@@ -4993,12 +5522,12 @@
                         </a:rPr>
                         <a:t>Improving your final demo</a:t>
                       </a:r>
-                      <a:endParaRPr b="0" lang="en-AU" sz="1600" spc="-1" strike="noStrike">
+                      <a:endParaRPr lang="en-AU" sz="1600" b="0" strike="noStrike" spc="-1">
                         <a:latin typeface="Arial"/>
                       </a:endParaRPr>
                     </a:p>
                   </a:txBody>
-                  <a:tcPr anchor="t" marL="91440" marR="91440">
+                  <a:tcPr>
                     <a:lnL w="12240">
                       <a:solidFill>
                         <a:srgbClr val="000000"/>
@@ -5020,12 +5549,19 @@
                       </a:solidFill>
                     </a:lnB>
                     <a:solidFill>
-                      <a:srgbClr val="cccccc"/>
+                      <a:srgbClr val="CCCCCC"/>
                     </a:solidFill>
                   </a:tcPr>
                 </a:tc>
                 <a:tc>
-                  <a:tcPr anchor="t" marL="91440" marR="91440">
+                  <a:txBody>
+                    <a:bodyPr/>
+                    <a:lstStyle/>
+                    <a:p>
+                      <a:endParaRPr lang="en-US"/>
+                    </a:p>
+                  </a:txBody>
+                  <a:tcPr>
                     <a:lnL w="12240">
                       <a:solidFill>
                         <a:srgbClr val="000000"/>
@@ -5047,17 +5583,21 @@
                       </a:solidFill>
                     </a:lnB>
                     <a:solidFill>
-                      <a:srgbClr val="cccccc"/>
+                      <a:srgbClr val="CCCCCC"/>
                     </a:solidFill>
                   </a:tcPr>
                 </a:tc>
+                <a:extLst>
+                  <a:ext uri="{0D108BD9-81ED-4DB2-BD59-A6C34878D82A}">
+                    <a16:rowId xmlns:a16="http://schemas.microsoft.com/office/drawing/2014/main" val="10011"/>
+                  </a:ext>
+                </a:extLst>
               </a:tr>
               <a:tr h="335160">
                 <a:tc>
                   <a:txBody>
-                    <a:bodyPr anchor="t">
-                      <a:noAutofit/>
-                    </a:bodyPr>
+                    <a:bodyPr/>
+                    <a:lstStyle/>
                     <a:p>
                       <a:pPr>
                         <a:lnSpc>
@@ -5066,7 +5606,7 @@
                         <a:buNone/>
                       </a:pPr>
                       <a:r>
-                        <a:rPr b="0" lang="en-AU" sz="1600" spc="-1" strike="noStrike">
+                        <a:rPr lang="en-AU" sz="1600" b="0" strike="noStrike" spc="-1">
                           <a:solidFill>
                             <a:srgbClr val="000000"/>
                           </a:solidFill>
@@ -5075,12 +5615,12 @@
                         </a:rPr>
                         <a:t>12: Final</a:t>
                       </a:r>
-                      <a:endParaRPr b="0" lang="en-AU" sz="1600" spc="-1" strike="noStrike">
+                      <a:endParaRPr lang="en-AU" sz="1600" b="0" strike="noStrike" spc="-1">
                         <a:latin typeface="Arial"/>
                       </a:endParaRPr>
                     </a:p>
                   </a:txBody>
-                  <a:tcPr anchor="t" marL="91440" marR="91440">
+                  <a:tcPr>
                     <a:lnL w="12240">
                       <a:solidFill>
                         <a:srgbClr val="000000"/>
@@ -5102,15 +5642,14 @@
                       </a:solidFill>
                     </a:lnB>
                     <a:solidFill>
-                      <a:srgbClr val="cccccc"/>
+                      <a:srgbClr val="CCCCCC"/>
                     </a:solidFill>
                   </a:tcPr>
                 </a:tc>
                 <a:tc>
                   <a:txBody>
-                    <a:bodyPr anchor="t">
-                      <a:noAutofit/>
-                    </a:bodyPr>
+                    <a:bodyPr/>
+                    <a:lstStyle/>
                     <a:p>
                       <a:pPr>
                         <a:lnSpc>
@@ -5119,7 +5658,7 @@
                         <a:buNone/>
                       </a:pPr>
                       <a:r>
-                        <a:rPr b="0" lang="en-AU" sz="1600" spc="-1" strike="noStrike">
+                        <a:rPr lang="en-AU" sz="1600" b="0" strike="noStrike" spc="-1">
                           <a:solidFill>
                             <a:srgbClr val="000000"/>
                           </a:solidFill>
@@ -5128,12 +5667,12 @@
                         </a:rPr>
                         <a:t>Final demo</a:t>
                       </a:r>
-                      <a:endParaRPr b="0" lang="en-AU" sz="1600" spc="-1" strike="noStrike">
+                      <a:endParaRPr lang="en-AU" sz="1600" b="0" strike="noStrike" spc="-1">
                         <a:latin typeface="Arial"/>
                       </a:endParaRPr>
                     </a:p>
                   </a:txBody>
-                  <a:tcPr anchor="t" marL="91440" marR="91440">
+                  <a:tcPr>
                     <a:lnL w="12240">
                       <a:solidFill>
                         <a:srgbClr val="000000"/>
@@ -5155,15 +5694,14 @@
                       </a:solidFill>
                     </a:lnB>
                     <a:solidFill>
-                      <a:srgbClr val="cccccc"/>
+                      <a:srgbClr val="CCCCCC"/>
                     </a:solidFill>
                   </a:tcPr>
                 </a:tc>
                 <a:tc>
                   <a:txBody>
-                    <a:bodyPr anchor="t">
-                      <a:noAutofit/>
-                    </a:bodyPr>
+                    <a:bodyPr/>
+                    <a:lstStyle/>
                     <a:p>
                       <a:pPr>
                         <a:lnSpc>
@@ -5172,7 +5710,7 @@
                         <a:buNone/>
                       </a:pPr>
                       <a:r>
-                        <a:rPr b="0" lang="en-AU" sz="1600" spc="-1" strike="noStrike">
+                        <a:rPr lang="en-AU" sz="1600" b="0" strike="noStrike" spc="-1">
                           <a:solidFill>
                             <a:srgbClr val="000000"/>
                           </a:solidFill>
@@ -5181,12 +5719,12 @@
                         </a:rPr>
                         <a:t>Final demo</a:t>
                       </a:r>
-                      <a:endParaRPr b="0" lang="en-AU" sz="1600" spc="-1" strike="noStrike">
+                      <a:endParaRPr lang="en-AU" sz="1600" b="0" strike="noStrike" spc="-1">
                         <a:latin typeface="Arial"/>
                       </a:endParaRPr>
                     </a:p>
                   </a:txBody>
-                  <a:tcPr anchor="t" marL="91440" marR="91440">
+                  <a:tcPr>
                     <a:lnL w="12240">
                       <a:solidFill>
                         <a:srgbClr val="000000"/>
@@ -5208,10 +5746,15 @@
                       </a:solidFill>
                     </a:lnB>
                     <a:solidFill>
-                      <a:srgbClr val="cccccc"/>
+                      <a:srgbClr val="CCCCCC"/>
                     </a:solidFill>
                   </a:tcPr>
                 </a:tc>
+                <a:extLst>
+                  <a:ext uri="{0D108BD9-81ED-4DB2-BD59-A6C34878D82A}">
+                    <a16:rowId xmlns:a16="http://schemas.microsoft.com/office/drawing/2014/main" val="10012"/>
+                  </a:ext>
+                </a:extLst>
               </a:tr>
             </a:tbl>
           </a:graphicData>
@@ -5233,7 +5776,7 @@
           </a:prstGeom>
           <a:ln w="38100">
             <a:solidFill>
-              <a:srgbClr val="6f6f74"/>
+              <a:srgbClr val="6F6F74"/>
             </a:solidFill>
             <a:prstDash val="dash"/>
             <a:round/>
@@ -5251,22 +5794,24 @@
           </a:effectRef>
           <a:fontRef idx="minor"/>
         </p:style>
+        <p:txBody>
+          <a:bodyPr/>
+          <a:lstStyle/>
+          <a:p>
+            <a:endParaRPr lang="en-AU"/>
+          </a:p>
+        </p:txBody>
       </p:sp>
     </p:spTree>
   </p:cSld>
-  <mc:AlternateContent>
-    <mc:Choice Requires="p14">
-      <p:transition spd="slow" p14:dur="2000"/>
-    </mc:Choice>
-    <mc:Fallback>
-      <p:transition spd="slow"/>
-    </mc:Fallback>
-  </mc:AlternateContent>
+  <p:clrMapOvr>
+    <a:masterClrMapping/>
+  </p:clrMapOvr>
 </p:sld>
 </file>
 
 <file path=ppt/slides/slide3.xml><?xml version="1.0" encoding="utf-8"?>
-<p:sld xmlns:a="http://schemas.openxmlformats.org/drawingml/2006/main" xmlns:p="http://schemas.openxmlformats.org/presentationml/2006/main" xmlns:r="http://schemas.openxmlformats.org/officeDocument/2006/relationships" xmlns:p14="http://schemas.microsoft.com/office/powerpoint/2010/main" xmlns:p15="http://schemas.microsoft.com/office/powerpoint/2012/main" xmlns:mc="http://schemas.openxmlformats.org/markup-compatibility/2006">
+<p:sld xmlns:a="http://schemas.openxmlformats.org/drawingml/2006/main" xmlns:r="http://schemas.openxmlformats.org/officeDocument/2006/relationships" xmlns:p="http://schemas.openxmlformats.org/presentationml/2006/main">
   <p:cSld>
     <p:spTree>
       <p:nvGrpSpPr>
@@ -5302,15 +5847,22 @@
           </a:ln>
         </p:spPr>
         <p:style>
-          <a:lnRef idx="0"/>
-          <a:fillRef idx="0"/>
-          <a:effectRef idx="0"/>
+          <a:lnRef idx="0">
+            <a:scrgbClr r="0" g="0" b="0"/>
+          </a:lnRef>
+          <a:fillRef idx="0">
+            <a:scrgbClr r="0" g="0" b="0"/>
+          </a:fillRef>
+          <a:effectRef idx="0">
+            <a:scrgbClr r="0" g="0" b="0"/>
+          </a:effectRef>
           <a:fontRef idx="minor"/>
         </p:style>
         <p:txBody>
-          <a:bodyPr lIns="90000" rIns="90000" tIns="45000" bIns="45000" anchor="t">
+          <a:bodyPr lIns="90000" tIns="45000" rIns="90000" bIns="45000" anchor="t">
             <a:spAutoFit/>
           </a:bodyPr>
+          <a:lstStyle/>
           <a:p>
             <a:pPr algn="ctr">
               <a:lnSpc>
@@ -5319,16 +5871,16 @@
               <a:buNone/>
             </a:pPr>
             <a:r>
-              <a:rPr b="0" lang="en-AU" sz="4800" spc="-1" strike="noStrike">
-                <a:solidFill>
-                  <a:srgbClr val="ffffff"/>
+              <a:rPr lang="en-AU" sz="4800" b="0" strike="noStrike" spc="-1">
+                <a:solidFill>
+                  <a:srgbClr val="FFFFFF"/>
                 </a:solidFill>
                 <a:latin typeface="Century Schoolbook"/>
                 <a:ea typeface="DejaVu Sans"/>
               </a:rPr>
               <a:t>Milestone 2: SLAM</a:t>
             </a:r>
-            <a:endParaRPr b="0" lang="en-AU" sz="4800" spc="-1" strike="noStrike">
+            <a:endParaRPr lang="en-AU" sz="4800" b="0" strike="noStrike" spc="-1">
               <a:latin typeface="Arial"/>
             </a:endParaRPr>
           </a:p>
@@ -5354,15 +5906,22 @@
           </a:ln>
         </p:spPr>
         <p:style>
-          <a:lnRef idx="0"/>
-          <a:fillRef idx="0"/>
-          <a:effectRef idx="0"/>
+          <a:lnRef idx="0">
+            <a:scrgbClr r="0" g="0" b="0"/>
+          </a:lnRef>
+          <a:fillRef idx="0">
+            <a:scrgbClr r="0" g="0" b="0"/>
+          </a:fillRef>
+          <a:effectRef idx="0">
+            <a:scrgbClr r="0" g="0" b="0"/>
+          </a:effectRef>
           <a:fontRef idx="minor"/>
         </p:style>
         <p:txBody>
-          <a:bodyPr lIns="90000" rIns="90000" tIns="45000" bIns="45000" anchor="t">
+          <a:bodyPr lIns="90000" tIns="45000" rIns="90000" bIns="45000" anchor="t">
             <a:spAutoFit/>
           </a:bodyPr>
+          <a:lstStyle/>
           <a:p>
             <a:pPr>
               <a:lnSpc>
@@ -5371,16 +5930,16 @@
               <a:buNone/>
             </a:pPr>
             <a:r>
-              <a:rPr b="0" lang="en-US" sz="1800" spc="-1" strike="noStrike">
-                <a:solidFill>
-                  <a:srgbClr val="ffffff"/>
+              <a:rPr lang="en-US" sz="1800" b="0" strike="noStrike" spc="-1">
+                <a:solidFill>
+                  <a:srgbClr val="FFFFFF"/>
                 </a:solidFill>
                 <a:latin typeface="Century Schoolbook"/>
                 <a:ea typeface="DejaVu Sans"/>
               </a:rPr>
               <a:t>PenguinPi is at the supermarket. </a:t>
             </a:r>
-            <a:endParaRPr b="0" lang="en-AU" sz="1800" spc="-1" strike="noStrike">
+            <a:endParaRPr lang="en-AU" sz="1800" b="0" strike="noStrike" spc="-1">
               <a:latin typeface="Arial"/>
             </a:endParaRPr>
           </a:p>
@@ -5391,7 +5950,7 @@
               </a:lnSpc>
               <a:buNone/>
             </a:pPr>
-            <a:endParaRPr b="0" lang="en-AU" sz="1800" spc="-1" strike="noStrike">
+            <a:endParaRPr lang="en-AU" sz="1800" b="0" strike="noStrike" spc="-1">
               <a:latin typeface="Arial"/>
             </a:endParaRPr>
           </a:p>
@@ -5403,16 +5962,16 @@
               <a:buNone/>
             </a:pPr>
             <a:r>
-              <a:rPr b="0" lang="en-US" sz="1800" spc="-1" strike="noStrike">
-                <a:solidFill>
-                  <a:srgbClr val="ffffff"/>
+              <a:rPr lang="en-US" sz="1800" b="0" strike="noStrike" spc="-1">
+                <a:solidFill>
+                  <a:srgbClr val="FFFFFF"/>
                 </a:solidFill>
                 <a:latin typeface="Century Schoolbook"/>
                 <a:ea typeface="DejaVu Sans"/>
               </a:rPr>
               <a:t>It can read the aisle labels if it sees them, it also remembers how its wheels has moved.</a:t>
             </a:r>
-            <a:endParaRPr b="0" lang="en-AU" sz="1800" spc="-1" strike="noStrike">
+            <a:endParaRPr lang="en-AU" sz="1800" b="0" strike="noStrike" spc="-1">
               <a:latin typeface="Arial"/>
             </a:endParaRPr>
           </a:p>
@@ -5424,16 +5983,16 @@
               <a:buNone/>
             </a:pPr>
             <a:r>
-              <a:rPr b="0" lang="en-US" sz="1800" spc="-1" strike="noStrike">
-                <a:solidFill>
-                  <a:srgbClr val="ffffff"/>
+              <a:rPr lang="en-US" sz="1800" b="0" strike="noStrike" spc="-1">
+                <a:solidFill>
+                  <a:srgbClr val="FFFFFF"/>
                 </a:solidFill>
                 <a:latin typeface="Century Schoolbook"/>
                 <a:ea typeface="DejaVu Sans"/>
               </a:rPr>
               <a:t> </a:t>
             </a:r>
-            <a:endParaRPr b="0" lang="en-AU" sz="1800" spc="-1" strike="noStrike">
+            <a:endParaRPr lang="en-AU" sz="1800" b="0" strike="noStrike" spc="-1">
               <a:latin typeface="Arial"/>
             </a:endParaRPr>
           </a:p>
@@ -5445,16 +6004,16 @@
               <a:buNone/>
             </a:pPr>
             <a:r>
-              <a:rPr b="0" lang="en-US" sz="1800" spc="-1" strike="noStrike">
-                <a:solidFill>
-                  <a:srgbClr val="ffffff"/>
+              <a:rPr lang="en-US" sz="1800" b="0" strike="noStrike" spc="-1">
+                <a:solidFill>
+                  <a:srgbClr val="FFFFFF"/>
                 </a:solidFill>
                 <a:latin typeface="Century Schoolbook"/>
                 <a:ea typeface="DejaVu Sans"/>
               </a:rPr>
               <a:t>How would it know where itself is and where those aisles are while wondering around? </a:t>
             </a:r>
-            <a:endParaRPr b="0" lang="en-AU" sz="1800" spc="-1" strike="noStrike">
+            <a:endParaRPr lang="en-AU" sz="1800" b="0" strike="noStrike" spc="-1">
               <a:latin typeface="Arial"/>
             </a:endParaRPr>
           </a:p>
@@ -5465,7 +6024,7 @@
               </a:lnSpc>
               <a:buNone/>
             </a:pPr>
-            <a:endParaRPr b="0" lang="en-AU" sz="1800" spc="-1" strike="noStrike">
+            <a:endParaRPr lang="en-AU" sz="1800" b="0" strike="noStrike" spc="-1">
               <a:latin typeface="Arial"/>
             </a:endParaRPr>
           </a:p>
@@ -5477,16 +6036,16 @@
               <a:buNone/>
             </a:pPr>
             <a:r>
-              <a:rPr b="0" lang="en-US" sz="1800" spc="-1" strike="noStrike">
-                <a:solidFill>
-                  <a:srgbClr val="ffffff"/>
+              <a:rPr lang="en-US" sz="1800" b="0" strike="noStrike" spc="-1">
+                <a:solidFill>
+                  <a:srgbClr val="FFFFFF"/>
                 </a:solidFill>
                 <a:latin typeface="Century Schoolbook"/>
                 <a:ea typeface="DejaVu Sans"/>
               </a:rPr>
               <a:t>M2 is all about SLAM, in which the robot uses information from its motion model and camera inputs to estimate the position of all 10 aisle labels (ARUCO markers) in a supermarket (3m x 3m arena), in which it started at (x,y,theta) = (0,0,0)</a:t>
             </a:r>
-            <a:endParaRPr b="0" lang="en-AU" sz="1800" spc="-1" strike="noStrike">
+            <a:endParaRPr lang="en-AU" sz="1800" b="0" strike="noStrike" spc="-1">
               <a:latin typeface="Arial"/>
             </a:endParaRPr>
           </a:p>
@@ -5497,7 +6056,7 @@
               </a:lnSpc>
               <a:buNone/>
             </a:pPr>
-            <a:endParaRPr b="0" lang="en-AU" sz="1800" spc="-1" strike="noStrike">
+            <a:endParaRPr lang="en-AU" sz="1800" b="0" strike="noStrike" spc="-1">
               <a:latin typeface="Arial"/>
             </a:endParaRPr>
           </a:p>
@@ -5509,9 +6068,9 @@
               <a:buNone/>
             </a:pPr>
             <a:r>
-              <a:rPr b="0" lang="en-US" sz="1800" spc="-1" strike="noStrike">
-                <a:solidFill>
-                  <a:srgbClr val="ffffff"/>
+              <a:rPr lang="en-US" sz="1800" b="0" strike="noStrike" spc="-1">
+                <a:solidFill>
+                  <a:srgbClr val="FFFFFF"/>
                 </a:solidFill>
                 <a:latin typeface="Century Schoolbook"/>
                 <a:ea typeface="DejaVu Sans"/>
@@ -5519,9 +6078,9 @@
               <a:t>You will need to install a few additional Python packages. Please read the </a:t>
             </a:r>
             <a:r>
-              <a:rPr b="0" i="1" lang="en-US" sz="1800" spc="-1" strike="noStrike">
-                <a:solidFill>
-                  <a:srgbClr val="ffffff"/>
+              <a:rPr lang="en-US" sz="1800" b="0" i="1" strike="noStrike" spc="-1">
+                <a:solidFill>
+                  <a:srgbClr val="FFFFFF"/>
                 </a:solidFill>
                 <a:latin typeface="Century Schoolbook"/>
                 <a:ea typeface="DejaVu Sans"/>
@@ -5529,16 +6088,16 @@
               <a:t>README.md </a:t>
             </a:r>
             <a:r>
-              <a:rPr b="0" lang="en-US" sz="1800" spc="-1" strike="noStrike">
-                <a:solidFill>
-                  <a:srgbClr val="ffffff"/>
+              <a:rPr lang="en-US" sz="1800" b="0" strike="noStrike" spc="-1">
+                <a:solidFill>
+                  <a:srgbClr val="FFFFFF"/>
                 </a:solidFill>
                 <a:latin typeface="Century Schoolbook"/>
                 <a:ea typeface="DejaVu Sans"/>
               </a:rPr>
               <a:t>carefully</a:t>
             </a:r>
-            <a:endParaRPr b="0" lang="en-AU" sz="1800" spc="-1" strike="noStrike">
+            <a:endParaRPr lang="en-AU" sz="1800" b="0" strike="noStrike" spc="-1">
               <a:latin typeface="Arial"/>
             </a:endParaRPr>
           </a:p>
@@ -5549,7 +6108,7 @@
               </a:lnSpc>
               <a:buNone/>
             </a:pPr>
-            <a:endParaRPr b="0" lang="en-AU" sz="1800" spc="-1" strike="noStrike">
+            <a:endParaRPr lang="en-AU" sz="1800" b="0" strike="noStrike" spc="-1">
               <a:latin typeface="Arial"/>
             </a:endParaRPr>
           </a:p>
@@ -5561,9 +6120,9 @@
               <a:buNone/>
             </a:pPr>
             <a:r>
-              <a:rPr b="0" lang="en-US" sz="1800" spc="-1" strike="noStrike">
-                <a:solidFill>
-                  <a:srgbClr val="ffffff"/>
+              <a:rPr lang="en-US" sz="1800" b="0" strike="noStrike" spc="-1">
+                <a:solidFill>
+                  <a:srgbClr val="FFFFFF"/>
                 </a:solidFill>
                 <a:latin typeface="Century Schoolbook"/>
                 <a:ea typeface="DejaVu Sans"/>
@@ -5571,16 +6130,16 @@
               <a:t>Live demo marking wk5 (will talk more in wk4): see </a:t>
             </a:r>
             <a:r>
-              <a:rPr b="0" i="1" lang="en-US" sz="1800" spc="-1" strike="noStrike">
-                <a:solidFill>
-                  <a:srgbClr val="ffffff"/>
+              <a:rPr lang="en-US" sz="1800" b="0" i="1" strike="noStrike" spc="-1">
+                <a:solidFill>
+                  <a:srgbClr val="FFFFFF"/>
                 </a:solidFill>
                 <a:latin typeface="Century Schoolbook"/>
                 <a:ea typeface="DejaVu Sans"/>
               </a:rPr>
               <a:t>M2_marking_instructions.md</a:t>
             </a:r>
-            <a:endParaRPr b="0" lang="en-AU" sz="1800" spc="-1" strike="noStrike">
+            <a:endParaRPr lang="en-AU" sz="1800" b="0" strike="noStrike" spc="-1">
               <a:latin typeface="Arial"/>
             </a:endParaRPr>
           </a:p>
@@ -5593,7 +6152,7 @@
           <p:nvPr/>
         </p:nvPicPr>
         <p:blipFill>
-          <a:blip r:embed="rId1"/>
+          <a:blip r:embed="rId2"/>
           <a:stretch/>
         </p:blipFill>
         <p:spPr>
@@ -5611,19 +6170,14 @@
       </p:pic>
     </p:spTree>
   </p:cSld>
-  <mc:AlternateContent>
-    <mc:Choice Requires="p14">
-      <p:transition spd="slow" p14:dur="2000"/>
-    </mc:Choice>
-    <mc:Fallback>
-      <p:transition spd="slow"/>
-    </mc:Fallback>
-  </mc:AlternateContent>
+  <p:clrMapOvr>
+    <a:masterClrMapping/>
+  </p:clrMapOvr>
 </p:sld>
 </file>
 
 <file path=ppt/slides/slide4.xml><?xml version="1.0" encoding="utf-8"?>
-<p:sld xmlns:a="http://schemas.openxmlformats.org/drawingml/2006/main" xmlns:p="http://schemas.openxmlformats.org/presentationml/2006/main" xmlns:r="http://schemas.openxmlformats.org/officeDocument/2006/relationships" xmlns:p14="http://schemas.microsoft.com/office/powerpoint/2010/main" xmlns:p15="http://schemas.microsoft.com/office/powerpoint/2012/main" xmlns:mc="http://schemas.openxmlformats.org/markup-compatibility/2006">
+<p:sld xmlns:a="http://schemas.openxmlformats.org/drawingml/2006/main" xmlns:r="http://schemas.openxmlformats.org/officeDocument/2006/relationships" xmlns:p="http://schemas.openxmlformats.org/presentationml/2006/main">
   <p:cSld>
     <p:spTree>
       <p:nvGrpSpPr>
@@ -5659,15 +6213,22 @@
           </a:ln>
         </p:spPr>
         <p:style>
-          <a:lnRef idx="0"/>
-          <a:fillRef idx="0"/>
-          <a:effectRef idx="0"/>
+          <a:lnRef idx="0">
+            <a:scrgbClr r="0" g="0" b="0"/>
+          </a:lnRef>
+          <a:fillRef idx="0">
+            <a:scrgbClr r="0" g="0" b="0"/>
+          </a:fillRef>
+          <a:effectRef idx="0">
+            <a:scrgbClr r="0" g="0" b="0"/>
+          </a:effectRef>
           <a:fontRef idx="minor"/>
         </p:style>
         <p:txBody>
-          <a:bodyPr lIns="90000" rIns="90000" tIns="45000" bIns="45000" anchor="t">
+          <a:bodyPr lIns="90000" tIns="45000" rIns="90000" bIns="45000" anchor="t">
             <a:spAutoFit/>
           </a:bodyPr>
+          <a:lstStyle/>
           <a:p>
             <a:pPr algn="ctr">
               <a:lnSpc>
@@ -5676,16 +6237,16 @@
               <a:buNone/>
             </a:pPr>
             <a:r>
-              <a:rPr b="0" lang="en-AU" sz="4800" spc="-1" strike="noStrike">
-                <a:solidFill>
-                  <a:srgbClr val="ffffff"/>
+              <a:rPr lang="en-AU" sz="4800" b="0" strike="noStrike" spc="-1">
+                <a:solidFill>
+                  <a:srgbClr val="FFFFFF"/>
                 </a:solidFill>
                 <a:latin typeface="Century Schoolbook"/>
                 <a:ea typeface="DejaVu Sans"/>
               </a:rPr>
               <a:t>M2 – Wheel Calibration</a:t>
             </a:r>
-            <a:endParaRPr b="0" lang="en-AU" sz="4800" spc="-1" strike="noStrike">
+            <a:endParaRPr lang="en-AU" sz="4800" b="0" strike="noStrike" spc="-1">
               <a:latin typeface="Arial"/>
             </a:endParaRPr>
           </a:p>
@@ -5711,15 +6272,22 @@
           </a:ln>
         </p:spPr>
         <p:style>
-          <a:lnRef idx="0"/>
-          <a:fillRef idx="0"/>
-          <a:effectRef idx="0"/>
+          <a:lnRef idx="0">
+            <a:scrgbClr r="0" g="0" b="0"/>
+          </a:lnRef>
+          <a:fillRef idx="0">
+            <a:scrgbClr r="0" g="0" b="0"/>
+          </a:fillRef>
+          <a:effectRef idx="0">
+            <a:scrgbClr r="0" g="0" b="0"/>
+          </a:effectRef>
           <a:fontRef idx="minor"/>
         </p:style>
         <p:txBody>
-          <a:bodyPr lIns="90000" rIns="90000" tIns="45000" bIns="45000" anchor="t">
+          <a:bodyPr lIns="90000" tIns="45000" rIns="90000" bIns="45000" anchor="t">
             <a:spAutoFit/>
           </a:bodyPr>
+          <a:lstStyle/>
           <a:p>
             <a:pPr>
               <a:lnSpc>
@@ -5728,16 +6296,16 @@
               <a:buNone/>
             </a:pPr>
             <a:r>
-              <a:rPr b="0" lang="en-US" sz="1800" spc="-1" strike="noStrike">
-                <a:solidFill>
-                  <a:srgbClr val="ffffff"/>
+              <a:rPr lang="en-US" sz="1800" b="0" strike="noStrike" spc="-1">
+                <a:solidFill>
+                  <a:srgbClr val="FFFFFF"/>
                 </a:solidFill>
                 <a:latin typeface="Century Schoolbook"/>
                 <a:ea typeface="DejaVu Sans"/>
               </a:rPr>
               <a:t>Task 1: Wheel calibration (Week 2)</a:t>
             </a:r>
-            <a:endParaRPr b="0" lang="en-AU" sz="1800" spc="-1" strike="noStrike">
+            <a:endParaRPr lang="en-AU" sz="1800" b="0" strike="noStrike" spc="-1">
               <a:latin typeface="Arial"/>
             </a:endParaRPr>
           </a:p>
@@ -5748,7 +6316,7 @@
               </a:lnSpc>
               <a:buNone/>
             </a:pPr>
-            <a:endParaRPr b="0" lang="en-AU" sz="1800" spc="-1" strike="noStrike">
+            <a:endParaRPr lang="en-AU" sz="1800" b="0" strike="noStrike" spc="-1">
               <a:latin typeface="Arial"/>
             </a:endParaRPr>
           </a:p>
@@ -5760,56 +6328,67 @@
               <a:buNone/>
             </a:pPr>
             <a:r>
-              <a:rPr b="0" lang="en-US" sz="1800" spc="-1" strike="noStrike">
-                <a:solidFill>
-                  <a:srgbClr val="ffffff"/>
+              <a:rPr lang="en-US" sz="1800" b="0" strike="noStrike" spc="-1">
+                <a:solidFill>
+                  <a:srgbClr val="FFFFFF"/>
+                </a:solidFill>
+                <a:latin typeface="Century Schoolbook"/>
+                <a:ea typeface="DejaVu Sans"/>
+              </a:rPr>
+              <a:t>	- Objective is to calculate the wheel radius </a:t>
+            </a:r>
+            <a:r>
+              <a:rPr lang="en-US" sz="1800" b="0" i="1" strike="noStrike" spc="-1">
+                <a:solidFill>
+                  <a:srgbClr val="FFFFFF"/>
+                </a:solidFill>
+                <a:latin typeface="Century Schoolbook"/>
+                <a:ea typeface="DejaVu Sans"/>
+              </a:rPr>
+              <a:t>r</a:t>
+            </a:r>
+            <a:r>
+              <a:rPr lang="en-US" sz="1800" b="0" strike="noStrike" spc="-1">
+                <a:solidFill>
+                  <a:srgbClr val="FFFFFF"/>
+                </a:solidFill>
+                <a:latin typeface="Century Schoolbook"/>
+                <a:ea typeface="DejaVu Sans"/>
+              </a:rPr>
+              <a:t> and the distance between both wheels </a:t>
+            </a:r>
+            <a:r>
+              <a:rPr lang="en-US" sz="1800" b="0" i="1" strike="noStrike" spc="-1">
+                <a:solidFill>
+                  <a:srgbClr val="FFFFFF"/>
+                </a:solidFill>
+                <a:latin typeface="Century Schoolbook"/>
+                <a:ea typeface="DejaVu Sans"/>
+              </a:rPr>
+              <a:t>L</a:t>
+            </a:r>
+            <a:endParaRPr lang="en-AU" sz="1800" b="0" strike="noStrike" spc="-1">
+              <a:latin typeface="Arial"/>
+            </a:endParaRPr>
+          </a:p>
+          <a:p>
+            <a:pPr>
+              <a:lnSpc>
+                <a:spcPct val="100000"/>
+              </a:lnSpc>
+              <a:buNone/>
+            </a:pPr>
+            <a:r>
+              <a:rPr lang="en-US" sz="1800" b="0" strike="noStrike" spc="-1">
+                <a:solidFill>
+                  <a:srgbClr val="FFFFFF"/>
                 </a:solidFill>
                 <a:latin typeface="Century Schoolbook"/>
                 <a:ea typeface="DejaVu Sans"/>
               </a:rPr>
               <a:t>	</a:t>
             </a:r>
-            <a:r>
-              <a:rPr b="0" lang="en-US" sz="1800" spc="-1" strike="noStrike">
-                <a:solidFill>
-                  <a:srgbClr val="ffffff"/>
-                </a:solidFill>
-                <a:latin typeface="Century Schoolbook"/>
-                <a:ea typeface="DejaVu Sans"/>
-              </a:rPr>
-              <a:t>- Objective is to calculate the wheel radius </a:t>
-            </a:r>
-            <a:r>
-              <a:rPr b="0" i="1" lang="en-US" sz="1800" spc="-1" strike="noStrike">
-                <a:solidFill>
-                  <a:srgbClr val="ffffff"/>
-                </a:solidFill>
-                <a:latin typeface="Century Schoolbook"/>
-                <a:ea typeface="DejaVu Sans"/>
-              </a:rPr>
-              <a:t>r</a:t>
-            </a:r>
-            <a:r>
-              <a:rPr b="0" lang="en-US" sz="1800" spc="-1" strike="noStrike">
-                <a:solidFill>
-                  <a:srgbClr val="ffffff"/>
-                </a:solidFill>
-                <a:latin typeface="Century Schoolbook"/>
-                <a:ea typeface="DejaVu Sans"/>
-              </a:rPr>
-              <a:t> and the distance between both wheels </a:t>
-            </a:r>
-            <a:r>
-              <a:rPr b="0" i="1" lang="en-US" sz="1800" spc="-1" strike="noStrike">
-                <a:solidFill>
-                  <a:srgbClr val="ffffff"/>
-                </a:solidFill>
-                <a:latin typeface="Century Schoolbook"/>
-                <a:ea typeface="DejaVu Sans"/>
-              </a:rPr>
-              <a:t>L</a:t>
-            </a:r>
-            <a:endParaRPr b="0" lang="en-AU" sz="1800" spc="-1" strike="noStrike">
+            <a:endParaRPr lang="en-AU" sz="1800" b="0" strike="noStrike" spc="-1">
               <a:latin typeface="Arial"/>
             </a:endParaRPr>
           </a:p>
@@ -5821,16 +6400,37 @@
               <a:buNone/>
             </a:pPr>
             <a:r>
-              <a:rPr b="0" lang="en-US" sz="1800" spc="-1" strike="noStrike">
-                <a:solidFill>
-                  <a:srgbClr val="ffffff"/>
+              <a:rPr lang="en-US" sz="1800" b="0" strike="noStrike" spc="-1">
+                <a:solidFill>
+                  <a:srgbClr val="FFFFFF"/>
+                </a:solidFill>
+                <a:latin typeface="Century Schoolbook"/>
+                <a:ea typeface="DejaVu Sans"/>
+              </a:rPr>
+              <a:t>	- You will need to modify “wheel_calibration.py”</a:t>
+            </a:r>
+            <a:endParaRPr lang="en-AU" sz="1800" b="0" strike="noStrike" spc="-1">
+              <a:latin typeface="Arial"/>
+            </a:endParaRPr>
+          </a:p>
+          <a:p>
+            <a:pPr>
+              <a:lnSpc>
+                <a:spcPct val="100000"/>
+              </a:lnSpc>
+              <a:buNone/>
+            </a:pPr>
+            <a:r>
+              <a:rPr lang="en-US" sz="1800" b="0" strike="noStrike" spc="-1">
+                <a:solidFill>
+                  <a:srgbClr val="FFFFFF"/>
                 </a:solidFill>
                 <a:latin typeface="Century Schoolbook"/>
                 <a:ea typeface="DejaVu Sans"/>
               </a:rPr>
               <a:t>	</a:t>
             </a:r>
-            <a:endParaRPr b="0" lang="en-AU" sz="1800" spc="-1" strike="noStrike">
+            <a:endParaRPr lang="en-AU" sz="1800" b="0" strike="noStrike" spc="-1">
               <a:latin typeface="Arial"/>
             </a:endParaRPr>
           </a:p>
@@ -5842,26 +6442,16 @@
               <a:buNone/>
             </a:pPr>
             <a:r>
-              <a:rPr b="0" lang="en-US" sz="1800" spc="-1" strike="noStrike">
-                <a:solidFill>
-                  <a:srgbClr val="ffffff"/>
-                </a:solidFill>
-                <a:latin typeface="Century Schoolbook"/>
-                <a:ea typeface="DejaVu Sans"/>
-              </a:rPr>
-              <a:t>	</a:t>
-            </a:r>
-            <a:r>
-              <a:rPr b="0" lang="en-US" sz="1800" spc="-1" strike="noStrike">
-                <a:solidFill>
-                  <a:srgbClr val="ffffff"/>
-                </a:solidFill>
-                <a:latin typeface="Century Schoolbook"/>
-                <a:ea typeface="DejaVu Sans"/>
-              </a:rPr>
-              <a:t>- You will need to modify “wheel_calibration.py”</a:t>
-            </a:r>
-            <a:endParaRPr b="0" lang="en-AU" sz="1800" spc="-1" strike="noStrike">
+              <a:rPr lang="en-US" sz="1800" b="0" strike="noStrike" spc="-1">
+                <a:solidFill>
+                  <a:srgbClr val="FFFFFF"/>
+                </a:solidFill>
+                <a:latin typeface="Century Schoolbook"/>
+                <a:ea typeface="DejaVu Sans"/>
+              </a:rPr>
+              <a:t>	- Using the motion equations from the lectures</a:t>
+            </a:r>
+            <a:endParaRPr lang="en-AU" sz="1800" b="0" strike="noStrike" spc="-1">
               <a:latin typeface="Arial"/>
             </a:endParaRPr>
           </a:p>
@@ -5872,17 +6462,7 @@
               </a:lnSpc>
               <a:buNone/>
             </a:pPr>
-            <a:r>
-              <a:rPr b="0" lang="en-US" sz="1800" spc="-1" strike="noStrike">
-                <a:solidFill>
-                  <a:srgbClr val="ffffff"/>
-                </a:solidFill>
-                <a:latin typeface="Century Schoolbook"/>
-                <a:ea typeface="DejaVu Sans"/>
-              </a:rPr>
-              <a:t>	</a:t>
-            </a:r>
-            <a:endParaRPr b="0" lang="en-AU" sz="1800" spc="-1" strike="noStrike">
+            <a:endParaRPr lang="en-AU" sz="1800" b="0" strike="noStrike" spc="-1">
               <a:latin typeface="Arial"/>
             </a:endParaRPr>
           </a:p>
@@ -5894,131 +6474,19 @@
               <a:buNone/>
             </a:pPr>
             <a:r>
-              <a:rPr b="0" lang="en-US" sz="1800" spc="-1" strike="noStrike">
-                <a:solidFill>
-                  <a:srgbClr val="ffffff"/>
-                </a:solidFill>
-                <a:latin typeface="Century Schoolbook"/>
-                <a:ea typeface="DejaVu Sans"/>
-              </a:rPr>
-              <a:t>	</a:t>
-            </a:r>
-            <a:r>
-              <a:rPr b="0" lang="en-US" sz="1800" spc="-1" strike="noStrike">
-                <a:solidFill>
-                  <a:srgbClr val="ffffff"/>
-                </a:solidFill>
-                <a:latin typeface="Century Schoolbook"/>
-                <a:ea typeface="DejaVu Sans"/>
-              </a:rPr>
-              <a:t>- Using the motion equations from the lectures</a:t>
-            </a:r>
-            <a:endParaRPr b="0" lang="en-AU" sz="1800" spc="-1" strike="noStrike">
-              <a:latin typeface="Arial"/>
-            </a:endParaRPr>
-          </a:p>
-          <a:p>
-            <a:pPr>
-              <a:lnSpc>
-                <a:spcPct val="100000"/>
-              </a:lnSpc>
-              <a:buNone/>
-            </a:pPr>
-            <a:endParaRPr b="0" lang="en-AU" sz="1800" spc="-1" strike="noStrike">
-              <a:latin typeface="Arial"/>
-            </a:endParaRPr>
-          </a:p>
-          <a:p>
-            <a:pPr>
-              <a:lnSpc>
-                <a:spcPct val="100000"/>
-              </a:lnSpc>
-              <a:buNone/>
-            </a:pPr>
-            <a:r>
-              <a:rPr b="0" lang="en-US" sz="1800" spc="-1" strike="noStrike">
-                <a:solidFill>
-                  <a:srgbClr val="ffffff"/>
-                </a:solidFill>
-                <a:latin typeface="Century Schoolbook"/>
-                <a:ea typeface="DejaVu Sans"/>
-              </a:rPr>
-              <a:t>	</a:t>
-            </a:r>
-            <a:r>
-              <a:rPr b="0" lang="en-US" sz="1800" spc="-1" strike="noStrike">
-                <a:solidFill>
-                  <a:srgbClr val="ffffff"/>
-                </a:solidFill>
-                <a:latin typeface="Century Schoolbook"/>
-                <a:ea typeface="DejaVu Sans"/>
-              </a:rPr>
-              <a:t>	</a:t>
-            </a:r>
-            <a:r>
-              <a:rPr b="0" lang="en-US" sz="1800" spc="-1" strike="noStrike">
-                <a:solidFill>
-                  <a:srgbClr val="ffffff"/>
-                </a:solidFill>
-                <a:latin typeface="Century Schoolbook"/>
-                <a:ea typeface="DejaVu Sans"/>
-              </a:rPr>
-              <a:t>	</a:t>
-            </a:r>
-            <a:r>
-              <a:rPr b="0" lang="en-US" sz="1800" spc="-1" strike="noStrike">
-                <a:solidFill>
-                  <a:srgbClr val="ffffff"/>
-                </a:solidFill>
-                <a:latin typeface="Century Schoolbook"/>
-                <a:ea typeface="DejaVu Sans"/>
-              </a:rPr>
-              <a:t>	</a:t>
-            </a:r>
-            <a:r>
-              <a:rPr b="0" lang="en-US" sz="1800" spc="-1" strike="noStrike">
-                <a:solidFill>
-                  <a:srgbClr val="ffffff"/>
-                </a:solidFill>
-                <a:latin typeface="Century Schoolbook"/>
-                <a:ea typeface="DejaVu Sans"/>
-              </a:rPr>
-              <a:t>	</a:t>
-            </a:r>
-            <a:r>
-              <a:rPr b="0" lang="en-US" sz="1800" spc="-1" strike="noStrike">
-                <a:solidFill>
-                  <a:srgbClr val="ffffff"/>
-                </a:solidFill>
-                <a:latin typeface="Century Schoolbook"/>
-                <a:ea typeface="DejaVu Sans"/>
-              </a:rPr>
-              <a:t>	</a:t>
-            </a:r>
-            <a:r>
-              <a:rPr b="0" lang="en-US" sz="1800" spc="-1" strike="noStrike">
-                <a:solidFill>
-                  <a:srgbClr val="ffffff"/>
-                </a:solidFill>
-                <a:latin typeface="Century Schoolbook"/>
-                <a:ea typeface="DejaVu Sans"/>
-              </a:rPr>
-              <a:t>	</a:t>
-            </a:r>
-            <a:r>
-              <a:rPr b="0" lang="en-US" sz="1800" spc="-1" strike="noStrike">
-                <a:solidFill>
-                  <a:srgbClr val="ffffff"/>
-                </a:solidFill>
-                <a:latin typeface="Century Schoolbook"/>
-                <a:ea typeface="DejaVu Sans"/>
-              </a:rPr>
-              <a:t>	</a:t>
+              <a:rPr lang="en-US" sz="1800" b="0" strike="noStrike" spc="-1">
+                <a:solidFill>
+                  <a:srgbClr val="FFFFFF"/>
+                </a:solidFill>
+                <a:latin typeface="Century Schoolbook"/>
+                <a:ea typeface="DejaVu Sans"/>
+              </a:rPr>
+              <a:t>								</a:t>
             </a:r>
             <a:br>
               <a:rPr sz="1800"/>
             </a:br>
-            <a:endParaRPr b="0" lang="en-AU" sz="1800" spc="-1" strike="noStrike">
+            <a:endParaRPr lang="en-AU" sz="1800" b="0" strike="noStrike" spc="-1">
               <a:latin typeface="Arial"/>
             </a:endParaRPr>
           </a:p>
@@ -6030,26 +6498,37 @@
               <a:buNone/>
             </a:pPr>
             <a:r>
-              <a:rPr b="0" lang="en-US" sz="1800" spc="-1" strike="noStrike">
-                <a:solidFill>
-                  <a:srgbClr val="ffffff"/>
+              <a:rPr lang="en-US" sz="1800" b="0" strike="noStrike" spc="-1">
+                <a:solidFill>
+                  <a:srgbClr val="FFFFFF"/>
+                </a:solidFill>
+                <a:latin typeface="Century Schoolbook"/>
+                <a:ea typeface="DejaVu Sans"/>
+              </a:rPr>
+              <a:t>	- Figure out how to estimate  and  by driving forwards and spinning on the spot</a:t>
+            </a:r>
+            <a:endParaRPr lang="en-AU" sz="1800" b="0" strike="noStrike" spc="-1">
+              <a:latin typeface="Arial"/>
+            </a:endParaRPr>
+          </a:p>
+          <a:p>
+            <a:pPr>
+              <a:lnSpc>
+                <a:spcPct val="100000"/>
+              </a:lnSpc>
+              <a:buNone/>
+            </a:pPr>
+            <a:r>
+              <a:rPr lang="en-US" sz="1800" b="0" strike="noStrike" spc="-1">
+                <a:solidFill>
+                  <a:srgbClr val="FFFFFF"/>
                 </a:solidFill>
                 <a:latin typeface="Century Schoolbook"/>
                 <a:ea typeface="DejaVu Sans"/>
               </a:rPr>
               <a:t>	</a:t>
             </a:r>
-            <a:r>
-              <a:rPr b="0" lang="en-US" sz="1800" spc="-1" strike="noStrike">
-                <a:solidFill>
-                  <a:srgbClr val="ffffff"/>
-                </a:solidFill>
-                <a:latin typeface="Century Schoolbook"/>
-                <a:ea typeface="DejaVu Sans"/>
-              </a:rPr>
-              <a:t>- Figure out how to estimate  and  by driving forwards and spinning on the spot</a:t>
-            </a:r>
-            <a:endParaRPr b="0" lang="en-AU" sz="1800" spc="-1" strike="noStrike">
+            <a:endParaRPr lang="en-AU" sz="1800" b="0" strike="noStrike" spc="-1">
               <a:latin typeface="Arial"/>
             </a:endParaRPr>
           </a:p>
@@ -6061,47 +6540,16 @@
               <a:buNone/>
             </a:pPr>
             <a:r>
-              <a:rPr b="0" lang="en-US" sz="1800" spc="-1" strike="noStrike">
-                <a:solidFill>
-                  <a:srgbClr val="ffffff"/>
-                </a:solidFill>
-                <a:latin typeface="Century Schoolbook"/>
-                <a:ea typeface="DejaVu Sans"/>
-              </a:rPr>
-              <a:t>	</a:t>
-            </a:r>
-            <a:endParaRPr b="0" lang="en-AU" sz="1800" spc="-1" strike="noStrike">
-              <a:latin typeface="Arial"/>
-            </a:endParaRPr>
-          </a:p>
-          <a:p>
-            <a:pPr>
-              <a:lnSpc>
-                <a:spcPct val="100000"/>
-              </a:lnSpc>
-              <a:buNone/>
-            </a:pPr>
-            <a:r>
-              <a:rPr b="0" lang="en-US" sz="1800" spc="-1" strike="noStrike">
-                <a:solidFill>
-                  <a:srgbClr val="ffffff"/>
-                </a:solidFill>
-                <a:latin typeface="Century Schoolbook"/>
-                <a:ea typeface="DejaVu Sans"/>
-              </a:rPr>
-              <a:t>	</a:t>
-            </a:r>
-            <a:r>
-              <a:rPr b="0" lang="en-US" sz="1800" spc="-1" strike="noStrike">
-                <a:solidFill>
-                  <a:srgbClr val="ffffff"/>
-                </a:solidFill>
-                <a:latin typeface="Century Schoolbook"/>
-                <a:ea typeface="DejaVu Sans"/>
-              </a:rPr>
-              <a:t>- The wheel radius is saved in “scale.txt”, wheel distance in “baseline.txt”, under “calibration/param/”</a:t>
-            </a:r>
-            <a:endParaRPr b="0" lang="en-AU" sz="1800" spc="-1" strike="noStrike">
+              <a:rPr lang="en-US" sz="1800" b="0" strike="noStrike" spc="-1">
+                <a:solidFill>
+                  <a:srgbClr val="FFFFFF"/>
+                </a:solidFill>
+                <a:latin typeface="Century Schoolbook"/>
+                <a:ea typeface="DejaVu Sans"/>
+              </a:rPr>
+              <a:t>	- The wheel radius is saved in “scale.txt”, wheel distance in “baseline.txt”, under “calibration/param/”</a:t>
+            </a:r>
+            <a:endParaRPr lang="en-AU" sz="1800" b="0" strike="noStrike" spc="-1">
               <a:latin typeface="Arial"/>
             </a:endParaRPr>
           </a:p>
@@ -6109,19 +6557,14 @@
       </p:sp>
     </p:spTree>
   </p:cSld>
-  <mc:AlternateContent>
-    <mc:Choice Requires="p14">
-      <p:transition spd="slow" p14:dur="2000"/>
-    </mc:Choice>
-    <mc:Fallback>
-      <p:transition spd="slow"/>
-    </mc:Fallback>
-  </mc:AlternateContent>
+  <p:clrMapOvr>
+    <a:masterClrMapping/>
+  </p:clrMapOvr>
 </p:sld>
 </file>
 
 <file path=ppt/slides/slide5.xml><?xml version="1.0" encoding="utf-8"?>
-<p:sld xmlns:a="http://schemas.openxmlformats.org/drawingml/2006/main" xmlns:p="http://schemas.openxmlformats.org/presentationml/2006/main" xmlns:r="http://schemas.openxmlformats.org/officeDocument/2006/relationships" xmlns:p14="http://schemas.microsoft.com/office/powerpoint/2010/main" xmlns:p15="http://schemas.microsoft.com/office/powerpoint/2012/main" xmlns:mc="http://schemas.openxmlformats.org/markup-compatibility/2006">
+<p:sld xmlns:a="http://schemas.openxmlformats.org/drawingml/2006/main" xmlns:r="http://schemas.openxmlformats.org/officeDocument/2006/relationships" xmlns:p="http://schemas.openxmlformats.org/presentationml/2006/main">
   <p:cSld>
     <p:spTree>
       <p:nvGrpSpPr>
@@ -6157,15 +6600,22 @@
           </a:ln>
         </p:spPr>
         <p:style>
-          <a:lnRef idx="0"/>
-          <a:fillRef idx="0"/>
-          <a:effectRef idx="0"/>
+          <a:lnRef idx="0">
+            <a:scrgbClr r="0" g="0" b="0"/>
+          </a:lnRef>
+          <a:fillRef idx="0">
+            <a:scrgbClr r="0" g="0" b="0"/>
+          </a:fillRef>
+          <a:effectRef idx="0">
+            <a:scrgbClr r="0" g="0" b="0"/>
+          </a:effectRef>
           <a:fontRef idx="minor"/>
         </p:style>
         <p:txBody>
-          <a:bodyPr lIns="90000" rIns="90000" tIns="45000" bIns="45000" anchor="t">
+          <a:bodyPr lIns="90000" tIns="45000" rIns="90000" bIns="45000" anchor="t">
             <a:spAutoFit/>
           </a:bodyPr>
+          <a:lstStyle/>
           <a:p>
             <a:pPr algn="ctr">
               <a:lnSpc>
@@ -6174,16 +6624,16 @@
               <a:buNone/>
             </a:pPr>
             <a:r>
-              <a:rPr b="0" lang="en-AU" sz="4800" spc="-1" strike="noStrike">
-                <a:solidFill>
-                  <a:srgbClr val="ffffff"/>
+              <a:rPr lang="en-AU" sz="4800" b="0" strike="noStrike" spc="-1">
+                <a:solidFill>
+                  <a:srgbClr val="FFFFFF"/>
                 </a:solidFill>
                 <a:latin typeface="Century Schoolbook"/>
                 <a:ea typeface="DejaVu Sans"/>
               </a:rPr>
               <a:t>M2 – Camera Calibration</a:t>
             </a:r>
-            <a:endParaRPr b="0" lang="en-AU" sz="4800" spc="-1" strike="noStrike">
+            <a:endParaRPr lang="en-AU" sz="4800" b="0" strike="noStrike" spc="-1">
               <a:latin typeface="Arial"/>
             </a:endParaRPr>
           </a:p>
@@ -6209,15 +6659,22 @@
           </a:ln>
         </p:spPr>
         <p:style>
-          <a:lnRef idx="0"/>
-          <a:fillRef idx="0"/>
-          <a:effectRef idx="0"/>
+          <a:lnRef idx="0">
+            <a:scrgbClr r="0" g="0" b="0"/>
+          </a:lnRef>
+          <a:fillRef idx="0">
+            <a:scrgbClr r="0" g="0" b="0"/>
+          </a:fillRef>
+          <a:effectRef idx="0">
+            <a:scrgbClr r="0" g="0" b="0"/>
+          </a:effectRef>
           <a:fontRef idx="minor"/>
         </p:style>
         <p:txBody>
-          <a:bodyPr lIns="90000" rIns="90000" tIns="45000" bIns="45000" anchor="t">
+          <a:bodyPr lIns="90000" tIns="45000" rIns="90000" bIns="45000" anchor="t">
             <a:spAutoFit/>
           </a:bodyPr>
+          <a:lstStyle/>
           <a:p>
             <a:pPr>
               <a:lnSpc>
@@ -6226,16 +6683,16 @@
               <a:buNone/>
             </a:pPr>
             <a:r>
-              <a:rPr b="0" lang="en-US" sz="1800" spc="-1" strike="noStrike">
-                <a:solidFill>
-                  <a:srgbClr val="ffffff"/>
+              <a:rPr lang="en-US" sz="1800" b="0" strike="noStrike" spc="-1">
+                <a:solidFill>
+                  <a:srgbClr val="FFFFFF"/>
                 </a:solidFill>
                 <a:latin typeface="Century Schoolbook"/>
                 <a:ea typeface="DejaVu Sans"/>
               </a:rPr>
               <a:t>Task 2: Camera calibration (Week 2)</a:t>
             </a:r>
-            <a:endParaRPr b="0" lang="en-AU" sz="1800" spc="-1" strike="noStrike">
+            <a:endParaRPr lang="en-AU" sz="1800" b="0" strike="noStrike" spc="-1">
               <a:latin typeface="Arial"/>
             </a:endParaRPr>
           </a:p>
@@ -6246,7 +6703,7 @@
               </a:lnSpc>
               <a:buNone/>
             </a:pPr>
-            <a:endParaRPr b="0" lang="en-AU" sz="1800" spc="-1" strike="noStrike">
+            <a:endParaRPr lang="en-AU" sz="1800" b="0" strike="noStrike" spc="-1">
               <a:latin typeface="Arial"/>
             </a:endParaRPr>
           </a:p>
@@ -6258,29 +6715,19 @@
               <a:buNone/>
             </a:pPr>
             <a:r>
-              <a:rPr b="0" lang="en-US" sz="1800" spc="-1" strike="noStrike">
-                <a:solidFill>
-                  <a:srgbClr val="ffffff"/>
-                </a:solidFill>
-                <a:latin typeface="Century Schoolbook"/>
-                <a:ea typeface="DejaVu Sans"/>
-              </a:rPr>
-              <a:t>	</a:t>
-            </a:r>
-            <a:r>
-              <a:rPr b="0" lang="en-US" sz="1800" spc="-1" strike="noStrike">
-                <a:solidFill>
-                  <a:srgbClr val="ffffff"/>
-                </a:solidFill>
-                <a:latin typeface="Century Schoolbook"/>
-                <a:ea typeface="DejaVu Sans"/>
-              </a:rPr>
-              <a:t>- Objective is to calculate the </a:t>
-            </a:r>
-            <a:r>
-              <a:rPr b="1" lang="en-US" sz="1800" spc="-1" strike="noStrike">
-                <a:solidFill>
-                  <a:srgbClr val="ffffff"/>
+              <a:rPr lang="en-US" sz="1800" b="0" strike="noStrike" spc="-1">
+                <a:solidFill>
+                  <a:srgbClr val="FFFFFF"/>
+                </a:solidFill>
+                <a:latin typeface="Century Schoolbook"/>
+                <a:ea typeface="DejaVu Sans"/>
+              </a:rPr>
+              <a:t>	- Objective is to calculate the </a:t>
+            </a:r>
+            <a:r>
+              <a:rPr lang="en-US" sz="1800" b="1" strike="noStrike" spc="-1">
+                <a:solidFill>
+                  <a:srgbClr val="FFFFFF"/>
                 </a:solidFill>
                 <a:latin typeface="Century Schoolbook"/>
                 <a:ea typeface="DejaVu Sans"/>
@@ -6288,16 +6735,16 @@
               <a:t>intrinsic parameters</a:t>
             </a:r>
             <a:r>
-              <a:rPr b="0" lang="en-US" sz="1800" spc="-1" strike="noStrike">
-                <a:solidFill>
-                  <a:srgbClr val="ffffff"/>
+              <a:rPr lang="en-US" sz="1800" b="0" strike="noStrike" spc="-1">
+                <a:solidFill>
+                  <a:srgbClr val="FFFFFF"/>
                 </a:solidFill>
                 <a:latin typeface="Century Schoolbook"/>
                 <a:ea typeface="DejaVu Sans"/>
               </a:rPr>
               <a:t> of the camera</a:t>
             </a:r>
-            <a:endParaRPr b="0" lang="en-AU" sz="1800" spc="-1" strike="noStrike">
+            <a:endParaRPr lang="en-AU" sz="1800" b="0" strike="noStrike" spc="-1">
               <a:latin typeface="Arial"/>
             </a:endParaRPr>
           </a:p>
@@ -6309,36 +6756,16 @@
               <a:buNone/>
             </a:pPr>
             <a:r>
-              <a:rPr b="0" lang="en-US" sz="1800" spc="-1" strike="noStrike">
-                <a:solidFill>
-                  <a:srgbClr val="ffffff"/>
-                </a:solidFill>
-                <a:latin typeface="Century Schoolbook"/>
-                <a:ea typeface="DejaVu Sans"/>
-              </a:rPr>
-              <a:t>	</a:t>
-            </a:r>
-            <a:r>
-              <a:rPr b="0" lang="en-US" sz="1800" spc="-1" strike="noStrike">
-                <a:solidFill>
-                  <a:srgbClr val="ffffff"/>
-                </a:solidFill>
-                <a:latin typeface="Century Schoolbook"/>
-                <a:ea typeface="DejaVu Sans"/>
-              </a:rPr>
-              <a:t>	</a:t>
-            </a:r>
-            <a:r>
-              <a:rPr b="0" lang="en-US" sz="1800" spc="-1" strike="noStrike">
-                <a:solidFill>
-                  <a:srgbClr val="ffffff"/>
-                </a:solidFill>
-                <a:latin typeface="Century Schoolbook"/>
-                <a:ea typeface="DejaVu Sans"/>
-              </a:rPr>
-              <a:t>(you’ll learn more about this in M3 / Week 5 workshop)</a:t>
-            </a:r>
-            <a:endParaRPr b="0" lang="en-AU" sz="1800" spc="-1" strike="noStrike">
+              <a:rPr lang="en-US" sz="1800" b="0" strike="noStrike" spc="-1">
+                <a:solidFill>
+                  <a:srgbClr val="FFFFFF"/>
+                </a:solidFill>
+                <a:latin typeface="Century Schoolbook"/>
+                <a:ea typeface="DejaVu Sans"/>
+              </a:rPr>
+              <a:t>		(you’ll learn more about this in M3 / Week 5 workshop)</a:t>
+            </a:r>
+            <a:endParaRPr lang="en-AU" sz="1800" b="0" strike="noStrike" spc="-1">
               <a:latin typeface="Arial"/>
             </a:endParaRPr>
           </a:p>
@@ -6350,96 +6777,16 @@
               <a:buNone/>
             </a:pPr>
             <a:r>
-              <a:rPr b="0" lang="en-US" sz="1800" spc="-1" strike="noStrike">
-                <a:solidFill>
-                  <a:srgbClr val="ffffff"/>
-                </a:solidFill>
-                <a:latin typeface="Century Schoolbook"/>
-                <a:ea typeface="DejaVu Sans"/>
-              </a:rPr>
-              <a:t>	</a:t>
-            </a:r>
-            <a:r>
-              <a:rPr b="0" lang="en-US" sz="1800" spc="-1" strike="noStrike">
-                <a:solidFill>
-                  <a:srgbClr val="ffffff"/>
-                </a:solidFill>
-                <a:latin typeface="Century Schoolbook"/>
-                <a:ea typeface="DejaVu Sans"/>
-              </a:rPr>
-              <a:t>	</a:t>
-            </a:r>
-            <a:r>
-              <a:rPr b="0" lang="en-US" sz="1800" spc="-1" strike="noStrike">
-                <a:solidFill>
-                  <a:srgbClr val="ffffff"/>
-                </a:solidFill>
-                <a:latin typeface="Century Schoolbook"/>
-                <a:ea typeface="DejaVu Sans"/>
-              </a:rPr>
-              <a:t>	</a:t>
-            </a:r>
-            <a:r>
-              <a:rPr b="0" lang="en-US" sz="1800" spc="-1" strike="noStrike">
-                <a:solidFill>
-                  <a:srgbClr val="ffffff"/>
-                </a:solidFill>
-                <a:latin typeface="Century Schoolbook"/>
-                <a:ea typeface="DejaVu Sans"/>
-              </a:rPr>
-              <a:t>	</a:t>
-            </a:r>
-            <a:r>
-              <a:rPr b="0" lang="en-US" sz="1800" spc="-1" strike="noStrike">
-                <a:solidFill>
-                  <a:srgbClr val="ffffff"/>
-                </a:solidFill>
-                <a:latin typeface="Century Schoolbook"/>
-                <a:ea typeface="DejaVu Sans"/>
-              </a:rPr>
-              <a:t>	</a:t>
-            </a:r>
-            <a:r>
-              <a:rPr b="0" lang="en-US" sz="1800" spc="-1" strike="noStrike">
-                <a:solidFill>
-                  <a:srgbClr val="ffffff"/>
-                </a:solidFill>
-                <a:latin typeface="Century Schoolbook"/>
-                <a:ea typeface="DejaVu Sans"/>
-              </a:rPr>
-              <a:t>	</a:t>
-            </a:r>
-            <a:r>
-              <a:rPr b="0" lang="en-US" sz="1800" spc="-1" strike="noStrike">
-                <a:solidFill>
-                  <a:srgbClr val="ffffff"/>
-                </a:solidFill>
-                <a:latin typeface="Century Schoolbook"/>
-                <a:ea typeface="DejaVu Sans"/>
-              </a:rPr>
-              <a:t>	</a:t>
-            </a:r>
-            <a:r>
-              <a:rPr b="0" lang="en-US" sz="1800" spc="-1" strike="noStrike">
-                <a:solidFill>
-                  <a:srgbClr val="ffffff"/>
-                </a:solidFill>
-                <a:latin typeface="Century Schoolbook"/>
-                <a:ea typeface="DejaVu Sans"/>
-              </a:rPr>
-              <a:t>	</a:t>
-            </a:r>
-            <a:r>
-              <a:rPr b="0" lang="en-US" sz="1800" spc="-1" strike="noStrike">
-                <a:solidFill>
-                  <a:srgbClr val="ffffff"/>
-                </a:solidFill>
-                <a:latin typeface="Century Schoolbook"/>
-                <a:ea typeface="DejaVu Sans"/>
-              </a:rPr>
-              <a:t>	</a:t>
-            </a:r>
-            <a:endParaRPr b="0" lang="en-AU" sz="1800" spc="-1" strike="noStrike">
+              <a:rPr lang="en-US" sz="1800" b="0" strike="noStrike" spc="-1">
+                <a:solidFill>
+                  <a:srgbClr val="FFFFFF"/>
+                </a:solidFill>
+                <a:latin typeface="Century Schoolbook"/>
+                <a:ea typeface="DejaVu Sans"/>
+              </a:rPr>
+              <a:t>									</a:t>
+            </a:r>
+            <a:endParaRPr lang="en-AU" sz="1800" b="0" strike="noStrike" spc="-1">
               <a:latin typeface="Arial"/>
             </a:endParaRPr>
           </a:p>
@@ -6450,7 +6797,7 @@
               </a:lnSpc>
               <a:buNone/>
             </a:pPr>
-            <a:endParaRPr b="0" lang="en-AU" sz="1800" spc="-1" strike="noStrike">
+            <a:endParaRPr lang="en-AU" sz="1800" b="0" strike="noStrike" spc="-1">
               <a:latin typeface="Arial"/>
             </a:endParaRPr>
           </a:p>
@@ -6461,7 +6808,7 @@
               </a:lnSpc>
               <a:buNone/>
             </a:pPr>
-            <a:endParaRPr b="0" lang="en-AU" sz="1800" spc="-1" strike="noStrike">
+            <a:endParaRPr lang="en-AU" sz="1800" b="0" strike="noStrike" spc="-1">
               <a:latin typeface="Arial"/>
             </a:endParaRPr>
           </a:p>
@@ -6473,26 +6820,16 @@
               <a:buNone/>
             </a:pPr>
             <a:r>
-              <a:rPr b="0" lang="en-US" sz="1800" spc="-1" strike="noStrike">
-                <a:solidFill>
-                  <a:srgbClr val="ffffff"/>
-                </a:solidFill>
-                <a:latin typeface="Century Schoolbook"/>
-                <a:ea typeface="DejaVu Sans"/>
-              </a:rPr>
-              <a:t>	</a:t>
-            </a:r>
-            <a:r>
-              <a:rPr b="0" lang="en-US" sz="1800" spc="-1" strike="noStrike">
-                <a:solidFill>
-                  <a:srgbClr val="ffffff"/>
-                </a:solidFill>
-                <a:latin typeface="Century Schoolbook"/>
-                <a:ea typeface="DejaVu Sans"/>
-              </a:rPr>
-              <a:t>- Modify “calib_pic.py” based on your M1 to move the robot</a:t>
-            </a:r>
-            <a:endParaRPr b="0" lang="en-AU" sz="1800" spc="-1" strike="noStrike">
+              <a:rPr lang="en-US" sz="1800" b="0" strike="noStrike" spc="-1">
+                <a:solidFill>
+                  <a:srgbClr val="FFFFFF"/>
+                </a:solidFill>
+                <a:latin typeface="Century Schoolbook"/>
+                <a:ea typeface="DejaVu Sans"/>
+              </a:rPr>
+              <a:t>	- Modify “calib_pic.py” based on your M1 to move the robot</a:t>
+            </a:r>
+            <a:endParaRPr lang="en-AU" sz="1800" b="0" strike="noStrike" spc="-1">
               <a:latin typeface="Arial"/>
             </a:endParaRPr>
           </a:p>
@@ -6504,36 +6841,16 @@
               <a:buNone/>
             </a:pPr>
             <a:r>
-              <a:rPr b="0" lang="en-US" sz="1800" spc="-1" strike="noStrike">
-                <a:solidFill>
-                  <a:srgbClr val="ffffff"/>
-                </a:solidFill>
-                <a:latin typeface="Century Schoolbook"/>
-                <a:ea typeface="DejaVu Sans"/>
-              </a:rPr>
-              <a:t>	</a:t>
-            </a:r>
-            <a:r>
-              <a:rPr b="0" lang="en-US" sz="1800" spc="-1" strike="noStrike">
-                <a:solidFill>
-                  <a:srgbClr val="ffffff"/>
-                </a:solidFill>
-                <a:latin typeface="Century Schoolbook"/>
-                <a:ea typeface="DejaVu Sans"/>
-              </a:rPr>
-              <a:t>	</a:t>
-            </a:r>
-            <a:r>
-              <a:rPr b="0" lang="en-US" sz="1800" spc="-1" strike="noStrike">
-                <a:solidFill>
-                  <a:srgbClr val="ffffff"/>
-                </a:solidFill>
-                <a:latin typeface="Century Schoolbook"/>
-                <a:ea typeface="DejaVu Sans"/>
-              </a:rPr>
-              <a:t>Then run “calib_pic.py” to take a picture of the calibration rig</a:t>
-            </a:r>
-            <a:endParaRPr b="0" lang="en-AU" sz="1800" spc="-1" strike="noStrike">
+              <a:rPr lang="en-US" sz="1800" b="0" strike="noStrike" spc="-1">
+                <a:solidFill>
+                  <a:srgbClr val="FFFFFF"/>
+                </a:solidFill>
+                <a:latin typeface="Century Schoolbook"/>
+                <a:ea typeface="DejaVu Sans"/>
+              </a:rPr>
+              <a:t>		Then run “calib_pic.py” to take a picture of the calibration rig</a:t>
+            </a:r>
+            <a:endParaRPr lang="en-AU" sz="1800" b="0" strike="noStrike" spc="-1">
               <a:latin typeface="Arial"/>
             </a:endParaRPr>
           </a:p>
@@ -6544,7 +6861,7 @@
               </a:lnSpc>
               <a:buNone/>
             </a:pPr>
-            <a:endParaRPr b="0" lang="en-AU" sz="1800" spc="-1" strike="noStrike">
+            <a:endParaRPr lang="en-AU" sz="1800" b="0" strike="noStrike" spc="-1">
               <a:latin typeface="Arial"/>
             </a:endParaRPr>
           </a:p>
@@ -6556,26 +6873,16 @@
               <a:buNone/>
             </a:pPr>
             <a:r>
-              <a:rPr b="0" lang="en-US" sz="1800" spc="-1" strike="noStrike">
-                <a:solidFill>
-                  <a:srgbClr val="ffffff"/>
-                </a:solidFill>
-                <a:latin typeface="Century Schoolbook"/>
-                <a:ea typeface="DejaVu Sans"/>
-              </a:rPr>
-              <a:t>	</a:t>
-            </a:r>
-            <a:r>
-              <a:rPr b="0" lang="en-US" sz="1800" spc="-1" strike="noStrike">
-                <a:solidFill>
-                  <a:srgbClr val="ffffff"/>
-                </a:solidFill>
-                <a:latin typeface="Century Schoolbook"/>
-                <a:ea typeface="DejaVu Sans"/>
-              </a:rPr>
-              <a:t>- Using the “camera_calibration.py” script, calibrate the camera</a:t>
-            </a:r>
-            <a:endParaRPr b="0" lang="en-AU" sz="1800" spc="-1" strike="noStrike">
+              <a:rPr lang="en-US" sz="1800" b="0" strike="noStrike" spc="-1">
+                <a:solidFill>
+                  <a:srgbClr val="FFFFFF"/>
+                </a:solidFill>
+                <a:latin typeface="Century Schoolbook"/>
+                <a:ea typeface="DejaVu Sans"/>
+              </a:rPr>
+              <a:t>	- Using the “camera_calibration.py” script, calibrate the camera</a:t>
+            </a:r>
+            <a:endParaRPr lang="en-AU" sz="1800" b="0" strike="noStrike" spc="-1">
               <a:latin typeface="Arial"/>
             </a:endParaRPr>
           </a:p>
@@ -6587,36 +6894,16 @@
               <a:buNone/>
             </a:pPr>
             <a:r>
-              <a:rPr b="0" lang="en-US" sz="1800" spc="-1" strike="noStrike">
-                <a:solidFill>
-                  <a:srgbClr val="ffffff"/>
-                </a:solidFill>
-                <a:latin typeface="Century Schoolbook"/>
-                <a:ea typeface="DejaVu Sans"/>
-              </a:rPr>
-              <a:t>	</a:t>
-            </a:r>
-            <a:r>
-              <a:rPr b="0" lang="en-US" sz="1800" spc="-1" strike="noStrike">
-                <a:solidFill>
-                  <a:srgbClr val="ffffff"/>
-                </a:solidFill>
-                <a:latin typeface="Century Schoolbook"/>
-                <a:ea typeface="DejaVu Sans"/>
-              </a:rPr>
-              <a:t>	</a:t>
-            </a:r>
-            <a:r>
-              <a:rPr b="0" lang="en-US" sz="1800" spc="-1" strike="noStrike">
-                <a:solidFill>
-                  <a:srgbClr val="ffffff"/>
-                </a:solidFill>
-                <a:latin typeface="Century Schoolbook"/>
-                <a:ea typeface="DejaVu Sans"/>
-              </a:rPr>
-              <a:t>(Make sure you click the dots in the correct order)</a:t>
-            </a:r>
-            <a:endParaRPr b="0" lang="en-AU" sz="1800" spc="-1" strike="noStrike">
+              <a:rPr lang="en-US" sz="1800" b="0" strike="noStrike" spc="-1">
+                <a:solidFill>
+                  <a:srgbClr val="FFFFFF"/>
+                </a:solidFill>
+                <a:latin typeface="Century Schoolbook"/>
+                <a:ea typeface="DejaVu Sans"/>
+              </a:rPr>
+              <a:t>		(Make sure you click the dots in the correct order)</a:t>
+            </a:r>
+            <a:endParaRPr lang="en-AU" sz="1800" b="0" strike="noStrike" spc="-1">
               <a:latin typeface="Arial"/>
             </a:endParaRPr>
           </a:p>
@@ -6628,36 +6915,16 @@
               <a:buNone/>
             </a:pPr>
             <a:r>
-              <a:rPr b="0" lang="en-US" sz="1800" spc="-1" strike="noStrike">
-                <a:solidFill>
-                  <a:srgbClr val="ffffff"/>
-                </a:solidFill>
-                <a:latin typeface="Century Schoolbook"/>
-                <a:ea typeface="DejaVu Sans"/>
-              </a:rPr>
-              <a:t>	</a:t>
-            </a:r>
-            <a:r>
-              <a:rPr b="0" lang="en-US" sz="1800" spc="-1" strike="noStrike">
-                <a:solidFill>
-                  <a:srgbClr val="ffffff"/>
-                </a:solidFill>
-                <a:latin typeface="Century Schoolbook"/>
-                <a:ea typeface="DejaVu Sans"/>
-              </a:rPr>
-              <a:t>	</a:t>
-            </a:r>
-            <a:r>
-              <a:rPr b="0" lang="en-US" sz="1800" spc="-1" strike="noStrike">
-                <a:solidFill>
-                  <a:srgbClr val="ffffff"/>
-                </a:solidFill>
-                <a:latin typeface="Century Schoolbook"/>
-                <a:ea typeface="DejaVu Sans"/>
-              </a:rPr>
-              <a:t>no need to modify “camera_calibration.py”</a:t>
-            </a:r>
-            <a:endParaRPr b="0" lang="en-AU" sz="1800" spc="-1" strike="noStrike">
+              <a:rPr lang="en-US" sz="1800" b="0" strike="noStrike" spc="-1">
+                <a:solidFill>
+                  <a:srgbClr val="FFFFFF"/>
+                </a:solidFill>
+                <a:latin typeface="Century Schoolbook"/>
+                <a:ea typeface="DejaVu Sans"/>
+              </a:rPr>
+              <a:t>		no need to modify “camera_calibration.py”</a:t>
+            </a:r>
+            <a:endParaRPr lang="en-AU" sz="1800" b="0" strike="noStrike" spc="-1">
               <a:latin typeface="Arial"/>
             </a:endParaRPr>
           </a:p>
@@ -6668,7 +6935,7 @@
               </a:lnSpc>
               <a:buNone/>
             </a:pPr>
-            <a:endParaRPr b="0" lang="en-AU" sz="1800" spc="-1" strike="noStrike">
+            <a:endParaRPr lang="en-AU" sz="1800" b="0" strike="noStrike" spc="-1">
               <a:latin typeface="Arial"/>
             </a:endParaRPr>
           </a:p>
@@ -6680,26 +6947,16 @@
               <a:buNone/>
             </a:pPr>
             <a:r>
-              <a:rPr b="0" lang="en-US" sz="1800" spc="-1" strike="noStrike">
-                <a:solidFill>
-                  <a:srgbClr val="ffffff"/>
-                </a:solidFill>
-                <a:latin typeface="Century Schoolbook"/>
-                <a:ea typeface="DejaVu Sans"/>
-              </a:rPr>
-              <a:t>	</a:t>
-            </a:r>
-            <a:r>
-              <a:rPr b="0" lang="en-US" sz="1800" spc="-1" strike="noStrike">
-                <a:solidFill>
-                  <a:srgbClr val="ffffff"/>
-                </a:solidFill>
-                <a:latin typeface="Century Schoolbook"/>
-                <a:ea typeface="DejaVu Sans"/>
-              </a:rPr>
-              <a:t>- Your results are saved in “intrinsic.txt”</a:t>
-            </a:r>
-            <a:endParaRPr b="0" lang="en-AU" sz="1800" spc="-1" strike="noStrike">
+              <a:rPr lang="en-US" sz="1800" b="0" strike="noStrike" spc="-1">
+                <a:solidFill>
+                  <a:srgbClr val="FFFFFF"/>
+                </a:solidFill>
+                <a:latin typeface="Century Schoolbook"/>
+                <a:ea typeface="DejaVu Sans"/>
+              </a:rPr>
+              <a:t>	- Your results are saved in “intrinsic.txt”</a:t>
+            </a:r>
+            <a:endParaRPr lang="en-AU" sz="1800" b="0" strike="noStrike" spc="-1">
               <a:latin typeface="Arial"/>
             </a:endParaRPr>
           </a:p>
@@ -6712,7 +6969,7 @@
           <p:nvPr/>
         </p:nvPicPr>
         <p:blipFill>
-          <a:blip r:embed="rId1"/>
+          <a:blip r:embed="rId2"/>
           <a:stretch/>
         </p:blipFill>
         <p:spPr>
@@ -6730,19 +6987,14 @@
       </p:pic>
     </p:spTree>
   </p:cSld>
-  <mc:AlternateContent>
-    <mc:Choice Requires="p14">
-      <p:transition spd="slow" p14:dur="2000"/>
-    </mc:Choice>
-    <mc:Fallback>
-      <p:transition spd="slow"/>
-    </mc:Fallback>
-  </mc:AlternateContent>
+  <p:clrMapOvr>
+    <a:masterClrMapping/>
+  </p:clrMapOvr>
 </p:sld>
 </file>
 
 <file path=ppt/slides/slide6.xml><?xml version="1.0" encoding="utf-8"?>
-<p:sld xmlns:a="http://schemas.openxmlformats.org/drawingml/2006/main" xmlns:p="http://schemas.openxmlformats.org/presentationml/2006/main" xmlns:r="http://schemas.openxmlformats.org/officeDocument/2006/relationships" xmlns:p14="http://schemas.microsoft.com/office/powerpoint/2010/main" xmlns:p15="http://schemas.microsoft.com/office/powerpoint/2012/main" xmlns:mc="http://schemas.openxmlformats.org/markup-compatibility/2006">
+<p:sld xmlns:a="http://schemas.openxmlformats.org/drawingml/2006/main" xmlns:r="http://schemas.openxmlformats.org/officeDocument/2006/relationships" xmlns:p="http://schemas.openxmlformats.org/presentationml/2006/main">
   <p:cSld>
     <p:spTree>
       <p:nvGrpSpPr>
@@ -6778,15 +7030,22 @@
           </a:ln>
         </p:spPr>
         <p:style>
-          <a:lnRef idx="0"/>
-          <a:fillRef idx="0"/>
-          <a:effectRef idx="0"/>
+          <a:lnRef idx="0">
+            <a:scrgbClr r="0" g="0" b="0"/>
+          </a:lnRef>
+          <a:fillRef idx="0">
+            <a:scrgbClr r="0" g="0" b="0"/>
+          </a:fillRef>
+          <a:effectRef idx="0">
+            <a:scrgbClr r="0" g="0" b="0"/>
+          </a:effectRef>
           <a:fontRef idx="minor"/>
         </p:style>
         <p:txBody>
-          <a:bodyPr lIns="90000" rIns="90000" tIns="45000" bIns="45000" anchor="t">
+          <a:bodyPr lIns="90000" tIns="45000" rIns="90000" bIns="45000" anchor="t">
             <a:spAutoFit/>
           </a:bodyPr>
+          <a:lstStyle/>
           <a:p>
             <a:pPr algn="ctr">
               <a:lnSpc>
@@ -6795,16 +7054,16 @@
               <a:buNone/>
             </a:pPr>
             <a:r>
-              <a:rPr b="0" lang="en-AU" sz="4800" spc="-1" strike="noStrike">
-                <a:solidFill>
-                  <a:srgbClr val="ffffff"/>
+              <a:rPr lang="en-AU" sz="4800" b="0" strike="noStrike" spc="-1">
+                <a:solidFill>
+                  <a:srgbClr val="FFFFFF"/>
                 </a:solidFill>
                 <a:latin typeface="Century Schoolbook"/>
                 <a:ea typeface="DejaVu Sans"/>
               </a:rPr>
               <a:t>M2 – SLAM (Week 3&amp;4)</a:t>
             </a:r>
-            <a:endParaRPr b="0" lang="en-AU" sz="4800" spc="-1" strike="noStrike">
+            <a:endParaRPr lang="en-AU" sz="4800" b="0" strike="noStrike" spc="-1">
               <a:latin typeface="Arial"/>
             </a:endParaRPr>
           </a:p>
@@ -6830,15 +7089,22 @@
           </a:ln>
         </p:spPr>
         <p:style>
-          <a:lnRef idx="0"/>
-          <a:fillRef idx="0"/>
-          <a:effectRef idx="0"/>
+          <a:lnRef idx="0">
+            <a:scrgbClr r="0" g="0" b="0"/>
+          </a:lnRef>
+          <a:fillRef idx="0">
+            <a:scrgbClr r="0" g="0" b="0"/>
+          </a:fillRef>
+          <a:effectRef idx="0">
+            <a:scrgbClr r="0" g="0" b="0"/>
+          </a:effectRef>
           <a:fontRef idx="minor"/>
         </p:style>
         <p:txBody>
-          <a:bodyPr lIns="90000" rIns="90000" tIns="45000" bIns="45000" anchor="t">
+          <a:bodyPr lIns="90000" tIns="45000" rIns="90000" bIns="45000" anchor="t">
             <a:spAutoFit/>
           </a:bodyPr>
+          <a:lstStyle/>
           <a:p>
             <a:pPr>
               <a:lnSpc>
@@ -6847,16 +7113,16 @@
               <a:buNone/>
             </a:pPr>
             <a:r>
-              <a:rPr b="0" lang="en-US" sz="1800" spc="-1" strike="noStrike">
-                <a:solidFill>
-                  <a:srgbClr val="ffffff"/>
+              <a:rPr lang="en-US" sz="1800" b="0" strike="noStrike" spc="-1">
+                <a:solidFill>
+                  <a:srgbClr val="FFFFFF"/>
                 </a:solidFill>
                 <a:latin typeface="Century Schoolbook"/>
                 <a:ea typeface="DejaVu Sans"/>
               </a:rPr>
               <a:t>Task 3: SLAM (Week 3 &amp; 4)</a:t>
             </a:r>
-            <a:endParaRPr b="0" lang="en-AU" sz="1800" spc="-1" strike="noStrike">
+            <a:endParaRPr lang="en-AU" sz="1800" b="0" strike="noStrike" spc="-1">
               <a:latin typeface="Arial"/>
             </a:endParaRPr>
           </a:p>
@@ -6867,7 +7133,7 @@
               </a:lnSpc>
               <a:buNone/>
             </a:pPr>
-            <a:endParaRPr b="0" lang="en-AU" sz="1800" spc="-1" strike="noStrike">
+            <a:endParaRPr lang="en-AU" sz="1800" b="0" strike="noStrike" spc="-1">
               <a:latin typeface="Arial"/>
             </a:endParaRPr>
           </a:p>
@@ -6879,26 +7145,16 @@
               <a:buNone/>
             </a:pPr>
             <a:r>
-              <a:rPr b="0" lang="en-US" sz="1800" spc="-1" strike="noStrike">
-                <a:solidFill>
-                  <a:srgbClr val="ffffff"/>
-                </a:solidFill>
-                <a:latin typeface="Century Schoolbook"/>
-                <a:ea typeface="DejaVu Sans"/>
-              </a:rPr>
-              <a:t>	</a:t>
-            </a:r>
-            <a:r>
-              <a:rPr b="0" lang="en-US" sz="1800" spc="-1" strike="noStrike">
-                <a:solidFill>
-                  <a:srgbClr val="ffffff"/>
-                </a:solidFill>
-                <a:latin typeface="Century Schoolbook"/>
-                <a:ea typeface="DejaVu Sans"/>
-              </a:rPr>
-              <a:t>- Estimate the position of the robot and ARUCO markers in the environment using a Kalman filter</a:t>
-            </a:r>
-            <a:endParaRPr b="0" lang="en-AU" sz="1800" spc="-1" strike="noStrike">
+              <a:rPr lang="en-US" sz="1800" b="0" strike="noStrike" spc="-1">
+                <a:solidFill>
+                  <a:srgbClr val="FFFFFF"/>
+                </a:solidFill>
+                <a:latin typeface="Century Schoolbook"/>
+                <a:ea typeface="DejaVu Sans"/>
+              </a:rPr>
+              <a:t>	- Estimate the position of the robot and ARUCO markers in the environment using a Kalman filter</a:t>
+            </a:r>
+            <a:endParaRPr lang="en-AU" sz="1800" b="0" strike="noStrike" spc="-1">
               <a:latin typeface="Arial"/>
             </a:endParaRPr>
           </a:p>
@@ -6909,7 +7165,7 @@
               </a:lnSpc>
               <a:buNone/>
             </a:pPr>
-            <a:endParaRPr b="0" lang="en-AU" sz="1800" spc="-1" strike="noStrike">
+            <a:endParaRPr lang="en-AU" sz="1800" b="0" strike="noStrike" spc="-1">
               <a:latin typeface="Arial"/>
             </a:endParaRPr>
           </a:p>
@@ -6921,26 +7177,16 @@
               <a:buNone/>
             </a:pPr>
             <a:r>
-              <a:rPr b="0" lang="en-US" sz="1800" spc="-1" strike="noStrike">
-                <a:solidFill>
-                  <a:srgbClr val="ffffff"/>
-                </a:solidFill>
-                <a:latin typeface="Century Schoolbook"/>
-                <a:ea typeface="DejaVu Sans"/>
-              </a:rPr>
-              <a:t>	</a:t>
-            </a:r>
-            <a:r>
-              <a:rPr b="0" lang="en-US" sz="1800" spc="-1" strike="noStrike">
-                <a:solidFill>
-                  <a:srgbClr val="ffffff"/>
-                </a:solidFill>
-                <a:latin typeface="Century Schoolbook"/>
-                <a:ea typeface="DejaVu Sans"/>
-              </a:rPr>
-              <a:t>- You’ll need to modify “robot.py” and “ekf.py” under the “slam” folder</a:t>
-            </a:r>
-            <a:endParaRPr b="0" lang="en-AU" sz="1800" spc="-1" strike="noStrike">
+              <a:rPr lang="en-US" sz="1800" b="0" strike="noStrike" spc="-1">
+                <a:solidFill>
+                  <a:srgbClr val="FFFFFF"/>
+                </a:solidFill>
+                <a:latin typeface="Century Schoolbook"/>
+                <a:ea typeface="DejaVu Sans"/>
+              </a:rPr>
+              <a:t>	- You’ll need to modify “robot.py” and “ekf.py” under the “slam” folder</a:t>
+            </a:r>
+            <a:endParaRPr lang="en-AU" sz="1800" b="0" strike="noStrike" spc="-1">
               <a:latin typeface="Arial"/>
             </a:endParaRPr>
           </a:p>
@@ -6951,7 +7197,7 @@
               </a:lnSpc>
               <a:buNone/>
             </a:pPr>
-            <a:endParaRPr b="0" lang="en-AU" sz="1800" spc="-1" strike="noStrike">
+            <a:endParaRPr lang="en-AU" sz="1800" b="0" strike="noStrike" spc="-1">
               <a:latin typeface="Arial"/>
             </a:endParaRPr>
           </a:p>
@@ -6963,76 +7209,16 @@
               <a:buNone/>
             </a:pPr>
             <a:r>
-              <a:rPr b="0" lang="en-US" sz="1800" spc="-1" strike="noStrike">
-                <a:solidFill>
-                  <a:srgbClr val="ffffff"/>
-                </a:solidFill>
-                <a:latin typeface="Century Schoolbook"/>
-                <a:ea typeface="DejaVu Sans"/>
-              </a:rPr>
-              <a:t>	</a:t>
-            </a:r>
-            <a:r>
-              <a:rPr b="0" lang="en-US" sz="1800" spc="-1" strike="noStrike">
-                <a:solidFill>
-                  <a:srgbClr val="ffffff"/>
-                </a:solidFill>
-                <a:latin typeface="Century Schoolbook"/>
-                <a:ea typeface="DejaVu Sans"/>
-              </a:rPr>
-              <a:t>- When running “operate.py”, press ENTER to start slam and press S to save the map (predicted </a:t>
-            </a:r>
-            <a:r>
-              <a:rPr b="0" lang="en-US" sz="1800" spc="-1" strike="noStrike">
-                <a:solidFill>
-                  <a:srgbClr val="ffffff"/>
-                </a:solidFill>
-                <a:latin typeface="Century Schoolbook"/>
-                <a:ea typeface="DejaVu Sans"/>
-              </a:rPr>
-              <a:t>	</a:t>
-            </a:r>
-            <a:r>
-              <a:rPr b="0" lang="en-US" sz="1800" spc="-1" strike="noStrike">
-                <a:solidFill>
-                  <a:srgbClr val="ffffff"/>
-                </a:solidFill>
-                <a:latin typeface="Century Schoolbook"/>
-                <a:ea typeface="DejaVu Sans"/>
-              </a:rPr>
-              <a:t>	</a:t>
-            </a:r>
-            <a:r>
-              <a:rPr b="0" lang="en-US" sz="1800" spc="-1" strike="noStrike">
-                <a:solidFill>
-                  <a:srgbClr val="ffffff"/>
-                </a:solidFill>
-                <a:latin typeface="Century Schoolbook"/>
-                <a:ea typeface="DejaVu Sans"/>
-              </a:rPr>
-              <a:t>	</a:t>
-            </a:r>
-            <a:r>
-              <a:rPr b="0" lang="en-US" sz="1800" spc="-1" strike="noStrike">
-                <a:solidFill>
-                  <a:srgbClr val="ffffff"/>
-                </a:solidFill>
-                <a:latin typeface="Century Schoolbook"/>
-                <a:ea typeface="DejaVu Sans"/>
-              </a:rPr>
-              <a:t>	</a:t>
-            </a:r>
-            <a:r>
-              <a:rPr b="0" lang="en-US" sz="1800" spc="-1" strike="noStrike">
-                <a:solidFill>
-                  <a:srgbClr val="ffffff"/>
-                </a:solidFill>
-                <a:latin typeface="Century Schoolbook"/>
-                <a:ea typeface="DejaVu Sans"/>
-              </a:rPr>
-              <a:t>marker positions) as “slam.txt“ under a “lab_output” folder</a:t>
-            </a:r>
-            <a:endParaRPr b="0" lang="en-AU" sz="1800" spc="-1" strike="noStrike">
+              <a:rPr lang="en-US" sz="1800" b="0" strike="noStrike" spc="-1">
+                <a:solidFill>
+                  <a:srgbClr val="FFFFFF"/>
+                </a:solidFill>
+                <a:latin typeface="Century Schoolbook"/>
+                <a:ea typeface="DejaVu Sans"/>
+              </a:rPr>
+              <a:t>	- When running “operate.py”, press ENTER to start slam and press S to save the map (predicted 				marker positions) as “slam.txt“ under a “lab_output” folder</a:t>
+            </a:r>
+            <a:endParaRPr lang="en-AU" sz="1800" b="0" strike="noStrike" spc="-1">
               <a:latin typeface="Arial"/>
             </a:endParaRPr>
           </a:p>
@@ -7043,7 +7229,7 @@
               </a:lnSpc>
               <a:buNone/>
             </a:pPr>
-            <a:endParaRPr b="0" lang="en-AU" sz="1800" spc="-1" strike="noStrike">
+            <a:endParaRPr lang="en-AU" sz="1800" b="0" strike="noStrike" spc="-1">
               <a:latin typeface="Arial"/>
             </a:endParaRPr>
           </a:p>
@@ -7055,26 +7241,16 @@
               <a:buNone/>
             </a:pPr>
             <a:r>
-              <a:rPr b="0" lang="en-US" sz="1800" spc="-1" strike="noStrike">
-                <a:solidFill>
-                  <a:srgbClr val="ffffff"/>
-                </a:solidFill>
-                <a:latin typeface="Century Schoolbook"/>
-                <a:ea typeface="DejaVu Sans"/>
-              </a:rPr>
-              <a:t>	</a:t>
-            </a:r>
-            <a:r>
-              <a:rPr b="0" lang="en-US" sz="1800" spc="-1" strike="noStrike">
-                <a:solidFill>
-                  <a:srgbClr val="ffffff"/>
-                </a:solidFill>
-                <a:latin typeface="Century Schoolbook"/>
-                <a:ea typeface="DejaVu Sans"/>
-              </a:rPr>
-              <a:t>- Will talk about this more next week</a:t>
-            </a:r>
-            <a:endParaRPr b="0" lang="en-AU" sz="1800" spc="-1" strike="noStrike">
+              <a:rPr lang="en-US" sz="1800" b="0" strike="noStrike" spc="-1">
+                <a:solidFill>
+                  <a:srgbClr val="FFFFFF"/>
+                </a:solidFill>
+                <a:latin typeface="Century Schoolbook"/>
+                <a:ea typeface="DejaVu Sans"/>
+              </a:rPr>
+              <a:t>	- Will talk about this more next week</a:t>
+            </a:r>
+            <a:endParaRPr lang="en-AU" sz="1800" b="0" strike="noStrike" spc="-1">
               <a:latin typeface="Arial"/>
             </a:endParaRPr>
           </a:p>
@@ -7085,7 +7261,7 @@
               </a:lnSpc>
               <a:buNone/>
             </a:pPr>
-            <a:endParaRPr b="0" lang="en-AU" sz="1800" spc="-1" strike="noStrike">
+            <a:endParaRPr lang="en-AU" sz="1800" b="0" strike="noStrike" spc="-1">
               <a:latin typeface="Arial"/>
             </a:endParaRPr>
           </a:p>
@@ -7097,36 +7273,26 @@
               <a:buNone/>
             </a:pPr>
             <a:r>
-              <a:rPr b="0" lang="en-US" sz="1800" spc="-1" strike="noStrike">
-                <a:solidFill>
-                  <a:srgbClr val="ffffff"/>
-                </a:solidFill>
-                <a:latin typeface="Century Schoolbook"/>
-                <a:ea typeface="DejaVu Sans"/>
-              </a:rPr>
-              <a:t>	</a:t>
-            </a:r>
-            <a:r>
-              <a:rPr b="0" lang="en-US" sz="1800" spc="-1" strike="noStrike">
-                <a:solidFill>
-                  <a:srgbClr val="ffffff"/>
-                </a:solidFill>
-                <a:latin typeface="Century Schoolbook"/>
-                <a:ea typeface="DejaVu Sans"/>
-              </a:rPr>
-              <a:t>- Also check out the additional contents in </a:t>
-            </a:r>
-            <a:r>
-              <a:rPr b="0" i="1" lang="en-US" sz="1800" spc="-1" strike="noStrike">
-                <a:solidFill>
-                  <a:srgbClr val="ffffff"/>
+              <a:rPr lang="en-US" sz="1800" b="0" strike="noStrike" spc="-1">
+                <a:solidFill>
+                  <a:srgbClr val="FFFFFF"/>
+                </a:solidFill>
+                <a:latin typeface="Century Schoolbook"/>
+                <a:ea typeface="DejaVu Sans"/>
+              </a:rPr>
+              <a:t>	- Also check out the additional contents in </a:t>
+            </a:r>
+            <a:r>
+              <a:rPr lang="en-US" sz="1800" b="0" i="1" strike="noStrike" spc="-1">
+                <a:solidFill>
+                  <a:srgbClr val="FFFFFF"/>
                 </a:solidFill>
                 <a:latin typeface="Century Schoolbook"/>
                 <a:ea typeface="DejaVu Sans"/>
               </a:rPr>
               <a:t>Lab2_additional_contents.pptx</a:t>
             </a:r>
-            <a:endParaRPr b="0" lang="en-AU" sz="1800" spc="-1" strike="noStrike">
+            <a:endParaRPr lang="en-AU" sz="1800" b="0" strike="noStrike" spc="-1">
               <a:latin typeface="Arial"/>
             </a:endParaRPr>
           </a:p>
@@ -7134,19 +7300,14 @@
       </p:sp>
     </p:spTree>
   </p:cSld>
-  <mc:AlternateContent>
-    <mc:Choice Requires="p14">
-      <p:transition spd="slow" p14:dur="2000"/>
-    </mc:Choice>
-    <mc:Fallback>
-      <p:transition spd="slow"/>
-    </mc:Fallback>
-  </mc:AlternateContent>
+  <p:clrMapOvr>
+    <a:masterClrMapping/>
+  </p:clrMapOvr>
 </p:sld>
 </file>
 
 <file path=ppt/slides/slide7.xml><?xml version="1.0" encoding="utf-8"?>
-<p:sld xmlns:a="http://schemas.openxmlformats.org/drawingml/2006/main" xmlns:p="http://schemas.openxmlformats.org/presentationml/2006/main" xmlns:r="http://schemas.openxmlformats.org/officeDocument/2006/relationships" xmlns:p14="http://schemas.microsoft.com/office/powerpoint/2010/main" xmlns:p15="http://schemas.microsoft.com/office/powerpoint/2012/main" xmlns:mc="http://schemas.openxmlformats.org/markup-compatibility/2006">
+<p:sld xmlns:a="http://schemas.openxmlformats.org/drawingml/2006/main" xmlns:r="http://schemas.openxmlformats.org/officeDocument/2006/relationships" xmlns:p="http://schemas.openxmlformats.org/presentationml/2006/main">
   <p:cSld>
     <p:spTree>
       <p:nvGrpSpPr>
@@ -7182,15 +7343,22 @@
           </a:ln>
         </p:spPr>
         <p:style>
-          <a:lnRef idx="0"/>
-          <a:fillRef idx="0"/>
-          <a:effectRef idx="0"/>
+          <a:lnRef idx="0">
+            <a:scrgbClr r="0" g="0" b="0"/>
+          </a:lnRef>
+          <a:fillRef idx="0">
+            <a:scrgbClr r="0" g="0" b="0"/>
+          </a:fillRef>
+          <a:effectRef idx="0">
+            <a:scrgbClr r="0" g="0" b="0"/>
+          </a:effectRef>
           <a:fontRef idx="minor"/>
         </p:style>
         <p:txBody>
-          <a:bodyPr lIns="90000" rIns="90000" tIns="45000" bIns="45000" anchor="t">
+          <a:bodyPr lIns="90000" tIns="45000" rIns="90000" bIns="45000" anchor="t">
             <a:spAutoFit/>
           </a:bodyPr>
+          <a:lstStyle/>
           <a:p>
             <a:pPr algn="ctr">
               <a:lnSpc>
@@ -7199,16 +7367,16 @@
               <a:buNone/>
             </a:pPr>
             <a:r>
-              <a:rPr b="0" lang="en-AU" sz="4800" spc="-1" strike="noStrike">
-                <a:solidFill>
-                  <a:srgbClr val="ffffff"/>
+              <a:rPr lang="en-AU" sz="4800" b="0" strike="noStrike" spc="-1">
+                <a:solidFill>
+                  <a:srgbClr val="FFFFFF"/>
                 </a:solidFill>
                 <a:latin typeface="Century Schoolbook"/>
                 <a:ea typeface="DejaVu Sans"/>
               </a:rPr>
               <a:t>Additional recommendations (optional)</a:t>
             </a:r>
-            <a:endParaRPr b="0" lang="en-AU" sz="4800" spc="-1" strike="noStrike">
+            <a:endParaRPr lang="en-AU" sz="4800" b="0" strike="noStrike" spc="-1">
               <a:latin typeface="Arial"/>
             </a:endParaRPr>
           </a:p>
@@ -7234,15 +7402,22 @@
           </a:ln>
         </p:spPr>
         <p:style>
-          <a:lnRef idx="0"/>
-          <a:fillRef idx="0"/>
-          <a:effectRef idx="0"/>
+          <a:lnRef idx="0">
+            <a:scrgbClr r="0" g="0" b="0"/>
+          </a:lnRef>
+          <a:fillRef idx="0">
+            <a:scrgbClr r="0" g="0" b="0"/>
+          </a:fillRef>
+          <a:effectRef idx="0">
+            <a:scrgbClr r="0" g="0" b="0"/>
+          </a:effectRef>
           <a:fontRef idx="minor"/>
         </p:style>
         <p:txBody>
-          <a:bodyPr lIns="90000" rIns="90000" tIns="45000" bIns="45000" anchor="t">
+          <a:bodyPr lIns="90000" tIns="45000" rIns="90000" bIns="45000" anchor="t">
             <a:spAutoFit/>
           </a:bodyPr>
+          <a:lstStyle/>
           <a:p>
             <a:pPr>
               <a:lnSpc>
@@ -7251,9 +7426,9 @@
               <a:buNone/>
             </a:pPr>
             <a:r>
-              <a:rPr b="0" lang="en-AU" sz="1800" spc="-1" strike="noStrike">
-                <a:solidFill>
-                  <a:srgbClr val="ffffff"/>
+              <a:rPr lang="en-AU" sz="1800" b="0" strike="noStrike" spc="-1">
+                <a:solidFill>
+                  <a:srgbClr val="FFFFFF"/>
                 </a:solidFill>
                 <a:latin typeface="Century Schoolbook"/>
                 <a:ea typeface="DejaVu Sans"/>
@@ -7261,9 +7436,9 @@
               <a:t>- By default, the </a:t>
             </a:r>
             <a:r>
-              <a:rPr b="0" lang="en-US" sz="1800" spc="-1" strike="noStrike">
-                <a:solidFill>
-                  <a:srgbClr val="ffffff"/>
+              <a:rPr lang="en-US" sz="1800" b="0" strike="noStrike" spc="-1">
+                <a:solidFill>
+                  <a:srgbClr val="FFFFFF"/>
                 </a:solidFill>
                 <a:latin typeface="Century Schoolbook"/>
                 <a:ea typeface="DejaVu Sans"/>
@@ -7271,36 +7446,79 @@
               <a:t>“wheel_calibration.py” script will require you to provide a time for it to travel 1m or  </a:t>
             </a:r>
             <a:r>
-              <a:rPr b="0" lang="en-AU" sz="1800" spc="-1" strike="noStrike">
-                <a:solidFill>
-                  <a:srgbClr val="ffffff"/>
+              <a:rPr lang="en-AU" sz="1800" b="0" strike="noStrike" spc="-1">
+                <a:solidFill>
+                  <a:srgbClr val="FFFFFF"/>
+                </a:solidFill>
+                <a:latin typeface="Century Schoolbook"/>
+                <a:ea typeface="DejaVu Sans"/>
+              </a:rPr>
+              <a:t>	What might you do to improve this? Do you always need to travel exactly </a:t>
+            </a:r>
+            <a:r>
+              <a:rPr lang="en-US" sz="1800" b="0" strike="noStrike" spc="-1">
+                <a:solidFill>
+                  <a:srgbClr val="FFFFFF"/>
+                </a:solidFill>
+                <a:latin typeface="Century Schoolbook"/>
+                <a:ea typeface="DejaVu Sans"/>
+              </a:rPr>
+              <a:t>1m or ? </a:t>
+            </a:r>
+            <a:endParaRPr lang="en-AU" sz="1800" b="0" strike="noStrike" spc="-1">
+              <a:latin typeface="Arial"/>
+            </a:endParaRPr>
+          </a:p>
+          <a:p>
+            <a:pPr>
+              <a:lnSpc>
+                <a:spcPct val="100000"/>
+              </a:lnSpc>
+              <a:buNone/>
+            </a:pPr>
+            <a:endParaRPr lang="en-AU" sz="1800" b="0" strike="noStrike" spc="-1">
+              <a:latin typeface="Arial"/>
+            </a:endParaRPr>
+          </a:p>
+          <a:p>
+            <a:pPr>
+              <a:lnSpc>
+                <a:spcPct val="100000"/>
+              </a:lnSpc>
+              <a:buNone/>
+            </a:pPr>
+            <a:r>
+              <a:rPr lang="en-AU" sz="1800" b="0" strike="noStrike" spc="-1">
+                <a:solidFill>
+                  <a:srgbClr val="FFFFFF"/>
+                </a:solidFill>
+                <a:latin typeface="Century Schoolbook"/>
+                <a:ea typeface="DejaVu Sans"/>
+              </a:rPr>
+              <a:t>- An alternative way to calibrate your camera is to take multiple images of a calibration checkerboard:</a:t>
+            </a:r>
+            <a:endParaRPr lang="en-AU" sz="1800" b="0" strike="noStrike" spc="-1">
+              <a:latin typeface="Arial"/>
+            </a:endParaRPr>
+          </a:p>
+          <a:p>
+            <a:pPr>
+              <a:lnSpc>
+                <a:spcPct val="100000"/>
+              </a:lnSpc>
+              <a:buNone/>
+            </a:pPr>
+            <a:r>
+              <a:rPr lang="en-AU" sz="1800" b="0" strike="noStrike" spc="-1">
+                <a:solidFill>
+                  <a:srgbClr val="FFFFFF"/>
                 </a:solidFill>
                 <a:latin typeface="Century Schoolbook"/>
                 <a:ea typeface="DejaVu Sans"/>
               </a:rPr>
               <a:t>	</a:t>
             </a:r>
-            <a:r>
-              <a:rPr b="0" lang="en-AU" sz="1800" spc="-1" strike="noStrike">
-                <a:solidFill>
-                  <a:srgbClr val="ffffff"/>
-                </a:solidFill>
-                <a:latin typeface="Century Schoolbook"/>
-                <a:ea typeface="DejaVu Sans"/>
-              </a:rPr>
-              <a:t>What might you do to improve this? Do you always need to travel exactly </a:t>
-            </a:r>
-            <a:r>
-              <a:rPr b="0" lang="en-US" sz="1800" spc="-1" strike="noStrike">
-                <a:solidFill>
-                  <a:srgbClr val="ffffff"/>
-                </a:solidFill>
-                <a:latin typeface="Century Schoolbook"/>
-                <a:ea typeface="DejaVu Sans"/>
-              </a:rPr>
-              <a:t>1m or ? </a:t>
-            </a:r>
-            <a:endParaRPr b="0" lang="en-AU" sz="1800" spc="-1" strike="noStrike">
+            <a:endParaRPr lang="en-AU" sz="1800" b="0" strike="noStrike" spc="-1">
               <a:latin typeface="Arial"/>
             </a:endParaRPr>
           </a:p>
@@ -7311,7 +7529,29 @@
               </a:lnSpc>
               <a:buNone/>
             </a:pPr>
-            <a:endParaRPr b="0" lang="en-AU" sz="1800" spc="-1" strike="noStrike">
+            <a:r>
+              <a:rPr lang="en-AU" sz="1800" b="0" strike="noStrike" spc="-1">
+                <a:solidFill>
+                  <a:srgbClr val="FFFFFF"/>
+                </a:solidFill>
+                <a:latin typeface="Century Schoolbook"/>
+                <a:ea typeface="DejaVu Sans"/>
+              </a:rPr>
+              <a:t>	See </a:t>
+            </a:r>
+            <a:r>
+              <a:rPr lang="en-AU" sz="1800" b="0" u="sng" strike="noStrike" spc="-1">
+                <a:solidFill>
+                  <a:srgbClr val="67AABF"/>
+                </a:solidFill>
+                <a:uFillTx/>
+                <a:latin typeface="Century Schoolbook"/>
+                <a:ea typeface="DejaVu Sans"/>
+                <a:hlinkClick r:id="rId2"/>
+              </a:rPr>
+              <a:t>https://docs.opencv.org/4.x/dc/dbb/tutorial_py_calibration.html</a:t>
+            </a:r>
+            <a:endParaRPr lang="en-AU" sz="1800" b="0" strike="noStrike" spc="-1">
               <a:latin typeface="Arial"/>
             </a:endParaRPr>
           </a:p>
@@ -7323,16 +7563,38 @@
               <a:buNone/>
             </a:pPr>
             <a:r>
-              <a:rPr b="0" lang="en-AU" sz="1800" spc="-1" strike="noStrike">
-                <a:solidFill>
-                  <a:srgbClr val="ffffff"/>
-                </a:solidFill>
-                <a:latin typeface="Century Schoolbook"/>
-                <a:ea typeface="DejaVu Sans"/>
-              </a:rPr>
-              <a:t>- An alternative way to calibrate your camera is to take multiple images of a calibration checkerboard:</a:t>
-            </a:r>
-            <a:endParaRPr b="0" lang="en-AU" sz="1800" spc="-1" strike="noStrike">
+              <a:rPr lang="en-AU" sz="1800" b="0" strike="noStrike" spc="-1">
+                <a:solidFill>
+                  <a:srgbClr val="FFFFFF"/>
+                </a:solidFill>
+                <a:latin typeface="Century Schoolbook"/>
+                <a:ea typeface="DejaVu Sans"/>
+              </a:rPr>
+              <a:t>	and </a:t>
+            </a:r>
+            <a:r>
+              <a:rPr lang="en-AU" sz="1800" b="0" u="sng" strike="noStrike" spc="-1">
+                <a:solidFill>
+                  <a:srgbClr val="67AABF"/>
+                </a:solidFill>
+                <a:uFillTx/>
+                <a:latin typeface="Century Schoolbook"/>
+                <a:ea typeface="DejaVu Sans"/>
+                <a:hlinkClick r:id="rId3"/>
+              </a:rPr>
+              <a:t>https://learnopencv.com/camera-calibration-using-opencv/</a:t>
+            </a:r>
+            <a:r>
+              <a:rPr lang="en-AU" sz="1800" b="0" strike="noStrike" spc="-1">
+                <a:solidFill>
+                  <a:srgbClr val="FFFFFF"/>
+                </a:solidFill>
+                <a:latin typeface="Century Schoolbook"/>
+                <a:ea typeface="DejaVu Sans"/>
+              </a:rPr>
+              <a:t> </a:t>
+            </a:r>
+            <a:endParaRPr lang="en-AU" sz="1800" b="0" strike="noStrike" spc="-1">
               <a:latin typeface="Arial"/>
             </a:endParaRPr>
           </a:p>
@@ -7344,16 +7606,16 @@
               <a:buNone/>
             </a:pPr>
             <a:r>
-              <a:rPr b="0" lang="en-AU" sz="1800" spc="-1" strike="noStrike">
-                <a:solidFill>
-                  <a:srgbClr val="ffffff"/>
-                </a:solidFill>
-                <a:latin typeface="Century Schoolbook"/>
-                <a:ea typeface="DejaVu Sans"/>
-              </a:rPr>
-              <a:t>	</a:t>
-            </a:r>
-            <a:endParaRPr b="0" lang="en-AU" sz="1800" spc="-1" strike="noStrike">
+              <a:rPr lang="en-AU" sz="1800" b="0" strike="noStrike" spc="-1">
+                <a:solidFill>
+                  <a:srgbClr val="FFFFFF"/>
+                </a:solidFill>
+                <a:latin typeface="Century Schoolbook"/>
+                <a:ea typeface="DejaVu Sans"/>
+              </a:rPr>
+              <a:t>	for more details</a:t>
+            </a:r>
+            <a:endParaRPr lang="en-AU" sz="1800" b="0" strike="noStrike" spc="-1">
               <a:latin typeface="Arial"/>
             </a:endParaRPr>
           </a:p>
@@ -7364,39 +7626,7 @@
               </a:lnSpc>
               <a:buNone/>
             </a:pPr>
-            <a:r>
-              <a:rPr b="0" lang="en-AU" sz="1800" spc="-1" strike="noStrike">
-                <a:solidFill>
-                  <a:srgbClr val="ffffff"/>
-                </a:solidFill>
-                <a:latin typeface="Century Schoolbook"/>
-                <a:ea typeface="DejaVu Sans"/>
-              </a:rPr>
-              <a:t>	</a:t>
-            </a:r>
-            <a:r>
-              <a:rPr b="0" lang="en-AU" sz="1800" spc="-1" strike="noStrike">
-                <a:solidFill>
-                  <a:srgbClr val="ffffff"/>
-                </a:solidFill>
-                <a:latin typeface="Century Schoolbook"/>
-                <a:ea typeface="DejaVu Sans"/>
-              </a:rPr>
-              <a:t>See </a:t>
-            </a:r>
-            <a:r>
-              <a:rPr b="0" lang="en-AU" sz="1800" spc="-1" strike="noStrike" u="sng">
-                <a:solidFill>
-                  <a:srgbClr val="67aabf"/>
-                </a:solidFill>
-                <a:uFillTx/>
-                <a:latin typeface="Century Schoolbook"/>
-                <a:ea typeface="DejaVu Sans"/>
-                <a:hlinkClick r:id="rId1"/>
-              </a:rPr>
-              <a:t>https://docs.opencv.org/4.x/dc/dbb/tutorial_py_calibration.html</a:t>
-            </a:r>
-            <a:endParaRPr b="0" lang="en-AU" sz="1800" spc="-1" strike="noStrike">
+            <a:endParaRPr lang="en-AU" sz="1800" b="0" strike="noStrike" spc="-1">
               <a:latin typeface="Arial"/>
             </a:endParaRPr>
           </a:p>
@@ -7408,48 +7638,16 @@
               <a:buNone/>
             </a:pPr>
             <a:r>
-              <a:rPr b="0" lang="en-AU" sz="1800" spc="-1" strike="noStrike">
-                <a:solidFill>
-                  <a:srgbClr val="ffffff"/>
-                </a:solidFill>
-                <a:latin typeface="Century Schoolbook"/>
-                <a:ea typeface="DejaVu Sans"/>
-              </a:rPr>
-              <a:t>	</a:t>
-            </a:r>
-            <a:r>
-              <a:rPr b="0" lang="en-AU" sz="1800" spc="-1" strike="noStrike">
-                <a:solidFill>
-                  <a:srgbClr val="ffffff"/>
-                </a:solidFill>
-                <a:latin typeface="Century Schoolbook"/>
-                <a:ea typeface="DejaVu Sans"/>
-              </a:rPr>
-              <a:t>and </a:t>
-            </a:r>
-            <a:r>
-              <a:rPr b="0" lang="en-AU" sz="1800" spc="-1" strike="noStrike" u="sng">
-                <a:solidFill>
-                  <a:srgbClr val="67aabf"/>
-                </a:solidFill>
-                <a:uFillTx/>
-                <a:latin typeface="Century Schoolbook"/>
-                <a:ea typeface="DejaVu Sans"/>
-                <a:hlinkClick r:id="rId2"/>
-              </a:rPr>
-              <a:t>https://learnopencv.com/camera-calibration-using-opencv/</a:t>
-            </a:r>
-            <a:r>
-              <a:rPr b="0" lang="en-AU" sz="1800" spc="-1" strike="noStrike">
-                <a:solidFill>
-                  <a:srgbClr val="ffffff"/>
-                </a:solidFill>
-                <a:latin typeface="Century Schoolbook"/>
-                <a:ea typeface="DejaVu Sans"/>
-              </a:rPr>
-              <a:t> </a:t>
-            </a:r>
-            <a:endParaRPr b="0" lang="en-AU" sz="1800" spc="-1" strike="noStrike">
+              <a:rPr lang="en-AU" sz="1800" b="0" strike="noStrike" spc="-1">
+                <a:solidFill>
+                  <a:srgbClr val="FFFFFF"/>
+                </a:solidFill>
+                <a:latin typeface="Century Schoolbook"/>
+                <a:ea typeface="DejaVu Sans"/>
+              </a:rPr>
+              <a:t>- After calibrating the wheels, make a basic script that will estimate the position of the robot given key 	presses, this can be used to validate your estimations and will be useful for SLAM next week</a:t>
+            </a:r>
+            <a:endParaRPr lang="en-AU" sz="1800" b="0" strike="noStrike" spc="-1">
               <a:latin typeface="Arial"/>
             </a:endParaRPr>
           </a:p>
@@ -7460,27 +7658,7 @@
               </a:lnSpc>
               <a:buNone/>
             </a:pPr>
-            <a:r>
-              <a:rPr b="0" lang="en-AU" sz="1800" spc="-1" strike="noStrike">
-                <a:solidFill>
-                  <a:srgbClr val="ffffff"/>
-                </a:solidFill>
-                <a:latin typeface="Century Schoolbook"/>
-                <a:ea typeface="DejaVu Sans"/>
-              </a:rPr>
-              <a:t>	</a:t>
-            </a:r>
-            <a:r>
-              <a:rPr b="0" lang="en-AU" sz="1800" spc="-1" strike="noStrike">
-                <a:solidFill>
-                  <a:srgbClr val="ffffff"/>
-                </a:solidFill>
-                <a:latin typeface="Century Schoolbook"/>
-                <a:ea typeface="DejaVu Sans"/>
-              </a:rPr>
-              <a:t>for more details</a:t>
-            </a:r>
-            <a:endParaRPr b="0" lang="en-AU" sz="1800" spc="-1" strike="noStrike">
+            <a:endParaRPr lang="en-AU" sz="1800" b="0" strike="noStrike" spc="-1">
               <a:latin typeface="Arial"/>
             </a:endParaRPr>
           </a:p>
@@ -7491,70 +7669,7 @@
               </a:lnSpc>
               <a:buNone/>
             </a:pPr>
-            <a:endParaRPr b="0" lang="en-AU" sz="1800" spc="-1" strike="noStrike">
-              <a:latin typeface="Arial"/>
-            </a:endParaRPr>
-          </a:p>
-          <a:p>
-            <a:pPr>
-              <a:lnSpc>
-                <a:spcPct val="100000"/>
-              </a:lnSpc>
-              <a:buNone/>
-            </a:pPr>
-            <a:r>
-              <a:rPr b="0" lang="en-AU" sz="1800" spc="-1" strike="noStrike">
-                <a:solidFill>
-                  <a:srgbClr val="ffffff"/>
-                </a:solidFill>
-                <a:latin typeface="Century Schoolbook"/>
-                <a:ea typeface="DejaVu Sans"/>
-              </a:rPr>
-              <a:t>- After calibrating the wheels, make a basic script that will estimate the position of the robot given key </a:t>
-            </a:r>
-            <a:r>
-              <a:rPr b="0" lang="en-AU" sz="1800" spc="-1" strike="noStrike">
-                <a:solidFill>
-                  <a:srgbClr val="ffffff"/>
-                </a:solidFill>
-                <a:latin typeface="Century Schoolbook"/>
-                <a:ea typeface="DejaVu Sans"/>
-              </a:rPr>
-              <a:t>	</a:t>
-            </a:r>
-            <a:r>
-              <a:rPr b="0" lang="en-AU" sz="1800" spc="-1" strike="noStrike">
-                <a:solidFill>
-                  <a:srgbClr val="ffffff"/>
-                </a:solidFill>
-                <a:latin typeface="Century Schoolbook"/>
-                <a:ea typeface="DejaVu Sans"/>
-              </a:rPr>
-              <a:t>presses, this can be used to validate your estimations and will be useful for SLAM next week</a:t>
-            </a:r>
-            <a:endParaRPr b="0" lang="en-AU" sz="1800" spc="-1" strike="noStrike">
-              <a:latin typeface="Arial"/>
-            </a:endParaRPr>
-          </a:p>
-          <a:p>
-            <a:pPr>
-              <a:lnSpc>
-                <a:spcPct val="100000"/>
-              </a:lnSpc>
-              <a:buNone/>
-            </a:pPr>
-            <a:endParaRPr b="0" lang="en-AU" sz="1800" spc="-1" strike="noStrike">
-              <a:latin typeface="Arial"/>
-            </a:endParaRPr>
-          </a:p>
-          <a:p>
-            <a:pPr>
-              <a:lnSpc>
-                <a:spcPct val="100000"/>
-              </a:lnSpc>
-              <a:buNone/>
-            </a:pPr>
-            <a:endParaRPr b="0" lang="en-AU" sz="1800" spc="-1" strike="noStrike">
+            <a:endParaRPr lang="en-AU" sz="1800" b="0" strike="noStrike" spc="-1">
               <a:latin typeface="Arial"/>
             </a:endParaRPr>
           </a:p>
@@ -7562,19 +7677,14 @@
       </p:sp>
     </p:spTree>
   </p:cSld>
-  <mc:AlternateContent>
-    <mc:Choice Requires="p14">
-      <p:transition spd="slow" p14:dur="2000"/>
-    </mc:Choice>
-    <mc:Fallback>
-      <p:transition spd="slow"/>
-    </mc:Fallback>
-  </mc:AlternateContent>
+  <p:clrMapOvr>
+    <a:masterClrMapping/>
+  </p:clrMapOvr>
 </p:sld>
 </file>
 
 <file path=ppt/slides/slide8.xml><?xml version="1.0" encoding="utf-8"?>
-<p:sld xmlns:a="http://schemas.openxmlformats.org/drawingml/2006/main" xmlns:p="http://schemas.openxmlformats.org/presentationml/2006/main" xmlns:r="http://schemas.openxmlformats.org/officeDocument/2006/relationships" xmlns:p14="http://schemas.microsoft.com/office/powerpoint/2010/main" xmlns:p15="http://schemas.microsoft.com/office/powerpoint/2012/main" xmlns:mc="http://schemas.openxmlformats.org/markup-compatibility/2006">
+<p:sld xmlns:a="http://schemas.openxmlformats.org/drawingml/2006/main" xmlns:r="http://schemas.openxmlformats.org/officeDocument/2006/relationships" xmlns:p="http://schemas.openxmlformats.org/presentationml/2006/main">
   <p:cSld>
     <p:spTree>
       <p:nvGrpSpPr>
@@ -7610,15 +7720,22 @@
           </a:ln>
         </p:spPr>
         <p:style>
-          <a:lnRef idx="0"/>
-          <a:fillRef idx="0"/>
-          <a:effectRef idx="0"/>
+          <a:lnRef idx="0">
+            <a:scrgbClr r="0" g="0" b="0"/>
+          </a:lnRef>
+          <a:fillRef idx="0">
+            <a:scrgbClr r="0" g="0" b="0"/>
+          </a:fillRef>
+          <a:effectRef idx="0">
+            <a:scrgbClr r="0" g="0" b="0"/>
+          </a:effectRef>
           <a:fontRef idx="minor"/>
         </p:style>
         <p:txBody>
-          <a:bodyPr lIns="90000" rIns="90000" tIns="45000" bIns="45000" anchor="t">
+          <a:bodyPr lIns="90000" tIns="45000" rIns="90000" bIns="45000" anchor="t">
             <a:spAutoFit/>
           </a:bodyPr>
+          <a:lstStyle/>
           <a:p>
             <a:pPr algn="ctr">
               <a:lnSpc>
@@ -7627,16 +7744,16 @@
               <a:buNone/>
             </a:pPr>
             <a:r>
-              <a:rPr b="0" lang="en-AU" sz="4800" spc="-1" strike="noStrike">
-                <a:solidFill>
-                  <a:srgbClr val="ffffff"/>
+              <a:rPr lang="en-AU" sz="4800" b="0" strike="noStrike" spc="-1">
+                <a:solidFill>
+                  <a:srgbClr val="FFFFFF"/>
                 </a:solidFill>
                 <a:latin typeface="Century Schoolbook"/>
                 <a:ea typeface="DejaVu Sans"/>
               </a:rPr>
               <a:t>M1 marking</a:t>
             </a:r>
-            <a:endParaRPr b="0" lang="en-AU" sz="4800" spc="-1" strike="noStrike">
+            <a:endParaRPr lang="en-AU" sz="4800" b="0" strike="noStrike" spc="-1">
               <a:latin typeface="Arial"/>
             </a:endParaRPr>
           </a:p>
@@ -7651,7 +7768,7 @@
         <p:spPr>
           <a:xfrm>
             <a:off x="478080" y="946080"/>
-            <a:ext cx="11526120" cy="6124680"/>
+            <a:ext cx="11526120" cy="5630857"/>
           </a:xfrm>
           <a:prstGeom prst="rect">
             <a:avLst/>
@@ -7662,15 +7779,22 @@
           </a:ln>
         </p:spPr>
         <p:style>
-          <a:lnRef idx="0"/>
-          <a:fillRef idx="0"/>
-          <a:effectRef idx="0"/>
+          <a:lnRef idx="0">
+            <a:scrgbClr r="0" g="0" b="0"/>
+          </a:lnRef>
+          <a:fillRef idx="0">
+            <a:scrgbClr r="0" g="0" b="0"/>
+          </a:fillRef>
+          <a:effectRef idx="0">
+            <a:scrgbClr r="0" g="0" b="0"/>
+          </a:effectRef>
           <a:fontRef idx="minor"/>
         </p:style>
         <p:txBody>
-          <a:bodyPr lIns="90000" rIns="90000" tIns="45000" bIns="45000" anchor="t">
+          <a:bodyPr lIns="90000" tIns="45000" rIns="90000" bIns="45000" anchor="t">
             <a:spAutoFit/>
           </a:bodyPr>
+          <a:lstStyle/>
           <a:p>
             <a:pPr>
               <a:lnSpc>
@@ -7679,16 +7803,16 @@
               <a:buNone/>
             </a:pPr>
             <a:r>
-              <a:rPr b="1" lang="en-US" sz="1800" spc="-1" strike="noStrike">
-                <a:solidFill>
-                  <a:srgbClr val="ffffff"/>
+              <a:rPr lang="en-US" sz="1800" b="1" strike="noStrike" spc="-1" dirty="0">
+                <a:solidFill>
+                  <a:srgbClr val="FFFFFF"/>
                 </a:solidFill>
                 <a:latin typeface="Century Schoolbook"/>
                 <a:ea typeface="DejaVu Sans"/>
               </a:rPr>
               <a:t>You don’t need to be marked again if you have been marked last week already</a:t>
             </a:r>
-            <a:endParaRPr b="0" lang="en-AU" sz="1800" spc="-1" strike="noStrike">
+            <a:endParaRPr lang="en-AU" sz="1800" b="0" strike="noStrike" spc="-1" dirty="0">
               <a:latin typeface="Arial"/>
             </a:endParaRPr>
           </a:p>
@@ -7699,7 +7823,7 @@
               </a:lnSpc>
               <a:buNone/>
             </a:pPr>
-            <a:endParaRPr b="0" lang="en-AU" sz="1800" spc="-1" strike="noStrike">
+            <a:endParaRPr lang="en-AU" sz="1800" b="0" strike="noStrike" spc="-1" dirty="0">
               <a:latin typeface="Arial"/>
             </a:endParaRPr>
           </a:p>
@@ -7711,9 +7835,9 @@
               <a:buNone/>
             </a:pPr>
             <a:r>
-              <a:rPr b="0" lang="en-US" sz="1800" spc="-1" strike="noStrike">
-                <a:solidFill>
-                  <a:srgbClr val="ffffff"/>
+              <a:rPr lang="en-US" sz="1800" b="0" strike="noStrike" spc="-1" dirty="0">
+                <a:solidFill>
+                  <a:srgbClr val="FFFFFF"/>
                 </a:solidFill>
                 <a:latin typeface="Century Schoolbook"/>
                 <a:ea typeface="DejaVu Sans"/>
@@ -7721,9 +7845,9 @@
               <a:t>Check out the bottom of </a:t>
             </a:r>
             <a:r>
-              <a:rPr b="0" i="1" lang="en-US" sz="1800" spc="-1" strike="noStrike">
-                <a:solidFill>
-                  <a:srgbClr val="ffffff"/>
+              <a:rPr lang="en-US" sz="1800" b="0" i="1" strike="noStrike" spc="-1" dirty="0">
+                <a:solidFill>
+                  <a:srgbClr val="FFFFFF"/>
                 </a:solidFill>
                 <a:latin typeface="Century Schoolbook"/>
                 <a:ea typeface="DejaVu Sans"/>
@@ -7731,16 +7855,16 @@
               <a:t>README.md </a:t>
             </a:r>
             <a:r>
-              <a:rPr b="0" lang="en-US" sz="1800" spc="-1" strike="noStrike">
-                <a:solidFill>
-                  <a:srgbClr val="ffffff"/>
+              <a:rPr lang="en-US" sz="1800" b="0" strike="noStrike" spc="-1" dirty="0">
+                <a:solidFill>
+                  <a:srgbClr val="FFFFFF"/>
                 </a:solidFill>
                 <a:latin typeface="Century Schoolbook"/>
                 <a:ea typeface="DejaVu Sans"/>
               </a:rPr>
               <a:t>under the Week00-01 folder for the marking procedure</a:t>
             </a:r>
-            <a:endParaRPr b="0" lang="en-AU" sz="1800" spc="-1" strike="noStrike">
+            <a:endParaRPr lang="en-AU" sz="1800" b="0" strike="noStrike" spc="-1" dirty="0">
               <a:latin typeface="Arial"/>
             </a:endParaRPr>
           </a:p>
@@ -7751,7 +7875,7 @@
               </a:lnSpc>
               <a:buNone/>
             </a:pPr>
-            <a:endParaRPr b="0" lang="en-AU" sz="1800" spc="-1" strike="noStrike">
+            <a:endParaRPr lang="en-AU" sz="1800" b="0" strike="noStrike" spc="-1" dirty="0">
               <a:latin typeface="Arial"/>
             </a:endParaRPr>
           </a:p>
@@ -7763,16 +7887,16 @@
               <a:buNone/>
             </a:pPr>
             <a:r>
-              <a:rPr b="0" lang="en-US" sz="1800" spc="-1" strike="noStrike">
-                <a:solidFill>
-                  <a:srgbClr val="ffffff"/>
+              <a:rPr lang="en-US" sz="1800" b="0" strike="noStrike" spc="-1" dirty="0">
+                <a:solidFill>
+                  <a:srgbClr val="FFFFFF"/>
                 </a:solidFill>
                 <a:latin typeface="Century Schoolbook"/>
                 <a:ea typeface="DejaVu Sans"/>
               </a:rPr>
               <a:t>Step 1: (BEFORE coming to the lab)</a:t>
             </a:r>
-            <a:endParaRPr b="0" lang="en-AU" sz="1800" spc="-1" strike="noStrike">
+            <a:endParaRPr lang="en-AU" sz="1800" b="0" strike="noStrike" spc="-1" dirty="0">
               <a:latin typeface="Arial"/>
             </a:endParaRPr>
           </a:p>
@@ -7784,26 +7908,16 @@
               <a:buNone/>
             </a:pPr>
             <a:r>
-              <a:rPr b="0" lang="en-US" sz="1800" spc="-1" strike="noStrike">
-                <a:solidFill>
-                  <a:srgbClr val="ffffff"/>
-                </a:solidFill>
-                <a:latin typeface="Century Schoolbook"/>
-                <a:ea typeface="DejaVu Sans"/>
-              </a:rPr>
-              <a:t>	</a:t>
-            </a:r>
-            <a:r>
-              <a:rPr b="0" lang="en-US" sz="1800" spc="-1" strike="noStrike">
-                <a:solidFill>
-                  <a:srgbClr val="ffffff"/>
-                </a:solidFill>
-                <a:latin typeface="Century Schoolbook"/>
-                <a:ea typeface="DejaVu Sans"/>
-              </a:rPr>
-              <a:t>Submit a zipped folder containing:</a:t>
-            </a:r>
-            <a:endParaRPr b="0" lang="en-AU" sz="1800" spc="-1" strike="noStrike">
+              <a:rPr lang="en-US" sz="1800" b="0" strike="noStrike" spc="-1" dirty="0">
+                <a:solidFill>
+                  <a:srgbClr val="FFFFFF"/>
+                </a:solidFill>
+                <a:latin typeface="Century Schoolbook"/>
+                <a:ea typeface="DejaVu Sans"/>
+              </a:rPr>
+              <a:t>	Submit a zipped folder containing:</a:t>
+            </a:r>
+            <a:endParaRPr lang="en-AU" sz="1800" b="0" strike="noStrike" spc="-1" dirty="0">
               <a:latin typeface="Arial"/>
             </a:endParaRPr>
           </a:p>
@@ -7815,36 +7929,36 @@
               <a:buNone/>
             </a:pPr>
             <a:r>
-              <a:rPr b="0" lang="en-US" sz="1800" spc="-1" strike="noStrike">
-                <a:solidFill>
-                  <a:srgbClr val="ffffff"/>
-                </a:solidFill>
-                <a:latin typeface="Century Schoolbook"/>
-                <a:ea typeface="DejaVu Sans"/>
-              </a:rPr>
-              <a:t>	</a:t>
-            </a:r>
-            <a:r>
-              <a:rPr b="0" lang="en-US" sz="1800" spc="-1" strike="noStrike">
-                <a:solidFill>
-                  <a:srgbClr val="ffffff"/>
-                </a:solidFill>
-                <a:latin typeface="Century Schoolbook"/>
-                <a:ea typeface="DejaVu Sans"/>
-              </a:rPr>
-              <a:t>	</a:t>
-            </a:r>
-            <a:r>
-              <a:rPr b="0" lang="en-US" sz="1800" spc="-1" strike="noStrike">
-                <a:solidFill>
-                  <a:srgbClr val="ffffff"/>
-                </a:solidFill>
-                <a:latin typeface="Century Schoolbook"/>
-                <a:ea typeface="DejaVu Sans"/>
-              </a:rPr>
-              <a:t>Necessary files to run your solution (operate.py, util/, pics/, don’t include your Python venv)</a:t>
-            </a:r>
-            <a:endParaRPr b="0" lang="en-AU" sz="1800" spc="-1" strike="noStrike">
+              <a:rPr lang="en-US" sz="1800" b="0" strike="noStrike" spc="-1" dirty="0">
+                <a:solidFill>
+                  <a:srgbClr val="FFFFFF"/>
+                </a:solidFill>
+                <a:latin typeface="Century Schoolbook"/>
+                <a:ea typeface="DejaVu Sans"/>
+              </a:rPr>
+              <a:t>		Necessary files to run your solution (operate.py, util/, pics/, don’t include your Python </a:t>
+            </a:r>
+            <a:r>
+              <a:rPr lang="en-US" sz="1800" b="0" strike="noStrike" spc="-1" dirty="0" err="1">
+                <a:solidFill>
+                  <a:srgbClr val="FFFFFF"/>
+                </a:solidFill>
+                <a:latin typeface="Century Schoolbook"/>
+                <a:ea typeface="DejaVu Sans"/>
+              </a:rPr>
+              <a:t>venv</a:t>
+            </a:r>
+            <a:r>
+              <a:rPr lang="en-US" sz="1800" b="0" strike="noStrike" spc="-1" dirty="0">
+                <a:solidFill>
+                  <a:srgbClr val="FFFFFF"/>
+                </a:solidFill>
+                <a:latin typeface="Century Schoolbook"/>
+                <a:ea typeface="DejaVu Sans"/>
+              </a:rPr>
+              <a:t>)</a:t>
+            </a:r>
+            <a:endParaRPr lang="en-AU" sz="1800" b="0" strike="noStrike" spc="-1" dirty="0">
               <a:latin typeface="Arial"/>
             </a:endParaRPr>
           </a:p>
@@ -7856,36 +7970,16 @@
               <a:buNone/>
             </a:pPr>
             <a:r>
-              <a:rPr b="0" lang="en-US" sz="1800" spc="-1" strike="noStrike">
-                <a:solidFill>
-                  <a:srgbClr val="ffffff"/>
-                </a:solidFill>
-                <a:latin typeface="Century Schoolbook"/>
-                <a:ea typeface="DejaVu Sans"/>
-              </a:rPr>
-              <a:t>	</a:t>
-            </a:r>
-            <a:r>
-              <a:rPr b="0" lang="en-US" sz="1800" spc="-1" strike="noStrike">
-                <a:solidFill>
-                  <a:srgbClr val="ffffff"/>
-                </a:solidFill>
-                <a:latin typeface="Century Schoolbook"/>
-                <a:ea typeface="DejaVu Sans"/>
-              </a:rPr>
-              <a:t>	</a:t>
-            </a:r>
-            <a:r>
-              <a:rPr b="0" lang="en-US" sz="1800" spc="-1" strike="noStrike">
-                <a:solidFill>
-                  <a:srgbClr val="ffffff"/>
-                </a:solidFill>
-                <a:latin typeface="Century Schoolbook"/>
-                <a:ea typeface="DejaVu Sans"/>
-              </a:rPr>
-              <a:t>A text file of commands / self notes for easy copying and pasting (optional)</a:t>
-            </a:r>
-            <a:endParaRPr b="0" lang="en-AU" sz="1800" spc="-1" strike="noStrike">
+              <a:rPr lang="en-US" sz="1800" b="0" strike="noStrike" spc="-1" dirty="0">
+                <a:solidFill>
+                  <a:srgbClr val="FFFFFF"/>
+                </a:solidFill>
+                <a:latin typeface="Century Schoolbook"/>
+                <a:ea typeface="DejaVu Sans"/>
+              </a:rPr>
+              <a:t>		A text file of commands / self notes for easy copying and pasting (optional)</a:t>
+            </a:r>
+            <a:endParaRPr lang="en-AU" sz="1800" b="0" strike="noStrike" spc="-1" dirty="0">
               <a:latin typeface="Arial"/>
             </a:endParaRPr>
           </a:p>
@@ -7896,7 +7990,17 @@
               </a:lnSpc>
               <a:buNone/>
             </a:pPr>
-            <a:endParaRPr b="0" lang="en-AU" sz="1800" spc="-1" strike="noStrike">
+            <a:r>
+              <a:rPr lang="en-US" sz="1800" b="0" strike="noStrike" spc="-1" dirty="0">
+                <a:solidFill>
+                  <a:srgbClr val="FFFFFF"/>
+                </a:solidFill>
+                <a:latin typeface="Century Schoolbook"/>
+                <a:ea typeface="DejaVu Sans"/>
+              </a:rPr>
+              <a:t>Step 2: (BEFORE the demonstrator comes to mark you)</a:t>
+            </a:r>
+            <a:endParaRPr lang="en-AU" sz="1800" b="0" strike="noStrike" spc="-1" dirty="0">
               <a:latin typeface="Arial"/>
             </a:endParaRPr>
           </a:p>
@@ -7908,16 +8012,16 @@
               <a:buNone/>
             </a:pPr>
             <a:r>
-              <a:rPr b="0" lang="en-US" sz="1800" spc="-1" strike="noStrike">
-                <a:solidFill>
-                  <a:srgbClr val="ffffff"/>
-                </a:solidFill>
-                <a:latin typeface="Century Schoolbook"/>
-                <a:ea typeface="DejaVu Sans"/>
-              </a:rPr>
-              <a:t>Step 2: (BEFORE the demonstrator comes to mark you)</a:t>
-            </a:r>
-            <a:endParaRPr b="0" lang="en-AU" sz="1800" spc="-1" strike="noStrike">
+              <a:rPr lang="en-US" sz="1800" b="0" strike="noStrike" spc="-1" dirty="0">
+                <a:solidFill>
+                  <a:srgbClr val="FFFFFF"/>
+                </a:solidFill>
+                <a:latin typeface="Century Schoolbook"/>
+                <a:ea typeface="DejaVu Sans"/>
+              </a:rPr>
+              <a:t>	- Close all folders / applications / windows</a:t>
+            </a:r>
+            <a:endParaRPr lang="en-AU" sz="1800" b="0" strike="noStrike" spc="-1" dirty="0">
               <a:latin typeface="Arial"/>
             </a:endParaRPr>
           </a:p>
@@ -7929,26 +8033,16 @@
               <a:buNone/>
             </a:pPr>
             <a:r>
-              <a:rPr b="0" lang="en-US" sz="1800" spc="-1" strike="noStrike">
-                <a:solidFill>
-                  <a:srgbClr val="ffffff"/>
-                </a:solidFill>
-                <a:latin typeface="Century Schoolbook"/>
-                <a:ea typeface="DejaVu Sans"/>
-              </a:rPr>
-              <a:t>	</a:t>
-            </a:r>
-            <a:r>
-              <a:rPr b="0" lang="en-US" sz="1800" spc="-1" strike="noStrike">
-                <a:solidFill>
-                  <a:srgbClr val="ffffff"/>
-                </a:solidFill>
-                <a:latin typeface="Century Schoolbook"/>
-                <a:ea typeface="DejaVu Sans"/>
-              </a:rPr>
-              <a:t>- Close all folders / applications / windows</a:t>
-            </a:r>
-            <a:endParaRPr b="0" lang="en-AU" sz="1800" spc="-1" strike="noStrike">
+              <a:rPr lang="en-US" sz="1800" b="0" strike="noStrike" spc="-1" dirty="0">
+                <a:solidFill>
+                  <a:srgbClr val="FFFFFF"/>
+                </a:solidFill>
+                <a:latin typeface="Century Schoolbook"/>
+                <a:ea typeface="DejaVu Sans"/>
+              </a:rPr>
+              <a:t>	- Log into Moodle navigate to the M1 submission box</a:t>
+            </a:r>
+            <a:endParaRPr lang="en-AU" sz="1800" b="0" strike="noStrike" spc="-1" dirty="0">
               <a:latin typeface="Arial"/>
             </a:endParaRPr>
           </a:p>
@@ -7960,26 +8054,56 @@
               <a:buNone/>
             </a:pPr>
             <a:r>
-              <a:rPr b="0" lang="en-US" sz="1800" spc="-1" strike="noStrike">
-                <a:solidFill>
-                  <a:srgbClr val="ffffff"/>
-                </a:solidFill>
-                <a:latin typeface="Century Schoolbook"/>
-                <a:ea typeface="DejaVu Sans"/>
-              </a:rPr>
-              <a:t>	</a:t>
-            </a:r>
-            <a:r>
-              <a:rPr b="0" lang="en-US" sz="1800" spc="-1" strike="noStrike">
-                <a:solidFill>
-                  <a:srgbClr val="ffffff"/>
-                </a:solidFill>
-                <a:latin typeface="Century Schoolbook"/>
-                <a:ea typeface="DejaVu Sans"/>
-              </a:rPr>
-              <a:t>- Log into Moodle navigate to the M1 submission box</a:t>
-            </a:r>
-            <a:endParaRPr b="0" lang="en-AU" sz="1800" spc="-1" strike="noStrike">
+              <a:rPr lang="en-US" sz="1800" b="0" strike="noStrike" spc="-1" dirty="0">
+                <a:solidFill>
+                  <a:srgbClr val="FFFFFF"/>
+                </a:solidFill>
+                <a:latin typeface="Century Schoolbook"/>
+                <a:ea typeface="DejaVu Sans"/>
+              </a:rPr>
+              <a:t>	- Make an empty folder called “</a:t>
+            </a:r>
+            <a:r>
+              <a:rPr lang="en-US" sz="1800" b="0" strike="noStrike" spc="-1" dirty="0" err="1">
+                <a:solidFill>
+                  <a:srgbClr val="FFFFFF"/>
+                </a:solidFill>
+                <a:latin typeface="Century Schoolbook"/>
+                <a:ea typeface="DejaVu Sans"/>
+              </a:rPr>
+              <a:t>LiveDemo</a:t>
+            </a:r>
+            <a:r>
+              <a:rPr lang="en-US" sz="1800" b="0" strike="noStrike" spc="-1" dirty="0">
+                <a:solidFill>
+                  <a:srgbClr val="FFFFFF"/>
+                </a:solidFill>
+                <a:latin typeface="Century Schoolbook"/>
+                <a:ea typeface="DejaVu Sans"/>
+              </a:rPr>
+              <a:t>” in your home directory (  ~/</a:t>
+            </a:r>
+            <a:r>
+              <a:rPr lang="en-US" sz="1800" b="0" strike="noStrike" spc="-1" dirty="0" err="1">
+                <a:solidFill>
+                  <a:srgbClr val="FFFFFF"/>
+                </a:solidFill>
+                <a:latin typeface="Century Schoolbook"/>
+                <a:ea typeface="DejaVu Sans"/>
+              </a:rPr>
+              <a:t>LiveDemo</a:t>
+            </a:r>
+            <a:r>
+              <a:rPr lang="en-US" sz="1800" b="0" strike="noStrike" spc="-1" dirty="0">
+                <a:solidFill>
+                  <a:srgbClr val="FFFFFF"/>
+                </a:solidFill>
+                <a:latin typeface="Century Schoolbook"/>
+                <a:ea typeface="DejaVu Sans"/>
+              </a:rPr>
+              <a:t>/   )</a:t>
+            </a:r>
+            <a:endParaRPr lang="en-AU" sz="1800" b="0" strike="noStrike" spc="-1" dirty="0">
               <a:latin typeface="Arial"/>
             </a:endParaRPr>
           </a:p>
@@ -7991,26 +8115,16 @@
               <a:buNone/>
             </a:pPr>
             <a:r>
-              <a:rPr b="0" lang="en-US" sz="1800" spc="-1" strike="noStrike">
-                <a:solidFill>
-                  <a:srgbClr val="ffffff"/>
-                </a:solidFill>
-                <a:latin typeface="Century Schoolbook"/>
-                <a:ea typeface="DejaVu Sans"/>
-              </a:rPr>
-              <a:t>	</a:t>
-            </a:r>
-            <a:r>
-              <a:rPr b="0" lang="en-US" sz="1800" spc="-1" strike="noStrike">
-                <a:solidFill>
-                  <a:srgbClr val="ffffff"/>
-                </a:solidFill>
-                <a:latin typeface="Century Schoolbook"/>
-                <a:ea typeface="DejaVu Sans"/>
-              </a:rPr>
-              <a:t>- Make an empty folder called “LiveDemo” in your home directory (  ~/LiveDemo/   )</a:t>
-            </a:r>
-            <a:endParaRPr b="0" lang="en-AU" sz="1800" spc="-1" strike="noStrike">
+              <a:rPr lang="en-US" sz="1800" b="0" strike="noStrike" spc="-1" dirty="0">
+                <a:solidFill>
+                  <a:srgbClr val="FFFFFF"/>
+                </a:solidFill>
+                <a:latin typeface="Century Schoolbook"/>
+                <a:ea typeface="DejaVu Sans"/>
+              </a:rPr>
+              <a:t>Step 3: (DURING the marking period)</a:t>
+            </a:r>
+            <a:endParaRPr lang="en-AU" sz="1800" b="0" strike="noStrike" spc="-1" dirty="0">
               <a:latin typeface="Arial"/>
             </a:endParaRPr>
           </a:p>
@@ -8021,7 +8135,37 @@
               </a:lnSpc>
               <a:buNone/>
             </a:pPr>
-            <a:endParaRPr b="0" lang="en-AU" sz="1800" spc="-1" strike="noStrike">
+            <a:r>
+              <a:rPr lang="en-US" sz="1800" b="0" strike="noStrike" spc="-1" dirty="0">
+                <a:solidFill>
+                  <a:srgbClr val="FFFFFF"/>
+                </a:solidFill>
+                <a:latin typeface="Century Schoolbook"/>
+                <a:ea typeface="DejaVu Sans"/>
+              </a:rPr>
+              <a:t>	- Download your submission from Moodle into the </a:t>
+            </a:r>
+            <a:r>
+              <a:rPr lang="en-US" sz="1800" b="0" strike="noStrike" spc="-1" dirty="0" err="1">
+                <a:solidFill>
+                  <a:srgbClr val="FFFFFF"/>
+                </a:solidFill>
+                <a:latin typeface="Century Schoolbook"/>
+                <a:ea typeface="DejaVu Sans"/>
+              </a:rPr>
+              <a:t>LiveDemo</a:t>
+            </a:r>
+            <a:r>
+              <a:rPr lang="en-US" sz="1800" b="0" strike="noStrike" spc="-1" dirty="0">
+                <a:solidFill>
+                  <a:srgbClr val="FFFFFF"/>
+                </a:solidFill>
+                <a:latin typeface="Century Schoolbook"/>
+                <a:ea typeface="DejaVu Sans"/>
+              </a:rPr>
+              <a:t> folder and extract the contents</a:t>
+            </a:r>
+            <a:endParaRPr lang="en-AU" sz="1800" b="0" strike="noStrike" spc="-1" dirty="0">
               <a:latin typeface="Arial"/>
             </a:endParaRPr>
           </a:p>
@@ -8033,16 +8177,26 @@
               <a:buNone/>
             </a:pPr>
             <a:r>
-              <a:rPr b="0" lang="en-US" sz="1800" spc="-1" strike="noStrike">
-                <a:solidFill>
-                  <a:srgbClr val="ffffff"/>
-                </a:solidFill>
-                <a:latin typeface="Century Schoolbook"/>
-                <a:ea typeface="DejaVu Sans"/>
-              </a:rPr>
-              <a:t>Step 3: (DURING the marking period)</a:t>
-            </a:r>
-            <a:endParaRPr b="0" lang="en-AU" sz="1800" spc="-1" strike="noStrike">
+              <a:rPr lang="en-US" sz="1800" b="0" strike="noStrike" spc="-1" dirty="0">
+                <a:solidFill>
+                  <a:srgbClr val="FFFFFF"/>
+                </a:solidFill>
+                <a:latin typeface="Century Schoolbook"/>
+                <a:ea typeface="DejaVu Sans"/>
+              </a:rPr>
+              <a:t>	- Connect to the robot via </a:t>
+            </a:r>
+            <a:r>
+              <a:rPr lang="en-US" sz="1800" b="0" strike="noStrike" spc="-1" dirty="0" err="1">
+                <a:solidFill>
+                  <a:srgbClr val="FFFFFF"/>
+                </a:solidFill>
+                <a:latin typeface="Century Schoolbook"/>
+                <a:ea typeface="DejaVu Sans"/>
+              </a:rPr>
+              <a:t>WiFi</a:t>
+            </a:r>
+            <a:endParaRPr lang="en-AU" sz="1800" b="0" strike="noStrike" spc="-1" dirty="0">
               <a:latin typeface="Arial"/>
             </a:endParaRPr>
           </a:p>
@@ -8054,26 +8208,56 @@
               <a:buNone/>
             </a:pPr>
             <a:r>
-              <a:rPr b="0" lang="en-US" sz="1800" spc="-1" strike="noStrike">
-                <a:solidFill>
-                  <a:srgbClr val="ffffff"/>
-                </a:solidFill>
-                <a:latin typeface="Century Schoolbook"/>
-                <a:ea typeface="DejaVu Sans"/>
-              </a:rPr>
-              <a:t>	</a:t>
-            </a:r>
-            <a:r>
-              <a:rPr b="0" lang="en-US" sz="1800" spc="-1" strike="noStrike">
-                <a:solidFill>
-                  <a:srgbClr val="ffffff"/>
-                </a:solidFill>
-                <a:latin typeface="Century Schoolbook"/>
-                <a:ea typeface="DejaVu Sans"/>
-              </a:rPr>
-              <a:t>- Download your submission from Moodle into the LiveDemo folder and extract the contents</a:t>
-            </a:r>
-            <a:endParaRPr b="0" lang="en-AU" sz="1800" spc="-1" strike="noStrike">
+              <a:rPr lang="en-US" sz="1800" b="0" strike="noStrike" spc="-1" dirty="0">
+                <a:solidFill>
+                  <a:srgbClr val="FFFFFF"/>
+                </a:solidFill>
+                <a:latin typeface="Century Schoolbook"/>
+                <a:ea typeface="DejaVu Sans"/>
+              </a:rPr>
+              <a:t>	- Activate your python </a:t>
+            </a:r>
+            <a:r>
+              <a:rPr lang="en-US" sz="1800" b="0" strike="noStrike" spc="-1" dirty="0" err="1">
+                <a:solidFill>
+                  <a:srgbClr val="FFFFFF"/>
+                </a:solidFill>
+                <a:latin typeface="Century Schoolbook"/>
+                <a:ea typeface="DejaVu Sans"/>
+              </a:rPr>
+              <a:t>venv</a:t>
+            </a:r>
+            <a:r>
+              <a:rPr lang="en-US" sz="1800" b="0" strike="noStrike" spc="-1" dirty="0">
+                <a:solidFill>
+                  <a:srgbClr val="FFFFFF"/>
+                </a:solidFill>
+                <a:latin typeface="Century Schoolbook"/>
+                <a:ea typeface="DejaVu Sans"/>
+              </a:rPr>
+              <a:t> by typing “</a:t>
+            </a:r>
+            <a:r>
+              <a:rPr lang="en-US" sz="1800" b="0" strike="noStrike" spc="-1" dirty="0" err="1">
+                <a:solidFill>
+                  <a:srgbClr val="FFFFFF"/>
+                </a:solidFill>
+                <a:latin typeface="Century Schoolbook"/>
+                <a:ea typeface="DejaVu Sans"/>
+              </a:rPr>
+              <a:t>PenguinPi</a:t>
+            </a:r>
+            <a:r>
+              <a:rPr lang="en-US" sz="1800" b="0" strike="noStrike" spc="-1" dirty="0">
+                <a:solidFill>
+                  <a:srgbClr val="FFFFFF"/>
+                </a:solidFill>
+                <a:latin typeface="Century Schoolbook"/>
+                <a:ea typeface="DejaVu Sans"/>
+              </a:rPr>
+              <a:t>/Scripts/activate” in your terminal</a:t>
+            </a:r>
+            <a:endParaRPr lang="en-AU" sz="1800" b="0" strike="noStrike" spc="-1" dirty="0">
               <a:latin typeface="Arial"/>
             </a:endParaRPr>
           </a:p>
@@ -8085,26 +8269,36 @@
               <a:buNone/>
             </a:pPr>
             <a:r>
-              <a:rPr b="0" lang="en-US" sz="1800" spc="-1" strike="noStrike">
-                <a:solidFill>
-                  <a:srgbClr val="ffffff"/>
-                </a:solidFill>
-                <a:latin typeface="Century Schoolbook"/>
-                <a:ea typeface="DejaVu Sans"/>
-              </a:rPr>
-              <a:t>	</a:t>
-            </a:r>
-            <a:r>
-              <a:rPr b="0" lang="en-US" sz="1800" spc="-1" strike="noStrike">
-                <a:solidFill>
-                  <a:srgbClr val="ffffff"/>
-                </a:solidFill>
-                <a:latin typeface="Century Schoolbook"/>
-                <a:ea typeface="DejaVu Sans"/>
-              </a:rPr>
-              <a:t>- Connect to the robot via WiFi</a:t>
-            </a:r>
-            <a:endParaRPr b="0" lang="en-AU" sz="1800" spc="-1" strike="noStrike">
+              <a:rPr lang="en-US" sz="1800" b="0" strike="noStrike" spc="-1" dirty="0">
+                <a:solidFill>
+                  <a:srgbClr val="FFFFFF"/>
+                </a:solidFill>
+                <a:latin typeface="Century Schoolbook"/>
+                <a:ea typeface="DejaVu Sans"/>
+              </a:rPr>
+              <a:t>	- Navigate into the unzipped submission “cd </a:t>
+            </a:r>
+            <a:r>
+              <a:rPr lang="en-US" sz="1800" b="0" strike="noStrike" spc="-1" dirty="0" err="1">
+                <a:solidFill>
+                  <a:srgbClr val="FFFFFF"/>
+                </a:solidFill>
+                <a:latin typeface="Century Schoolbook"/>
+                <a:ea typeface="DejaVu Sans"/>
+              </a:rPr>
+              <a:t>LiveDemo</a:t>
+            </a:r>
+            <a:r>
+              <a:rPr lang="en-US" sz="1800" b="0" strike="noStrike" spc="-1" dirty="0">
+                <a:solidFill>
+                  <a:srgbClr val="FFFFFF"/>
+                </a:solidFill>
+                <a:latin typeface="Century Schoolbook"/>
+                <a:ea typeface="DejaVu Sans"/>
+              </a:rPr>
+              <a:t>/Week00-01/” in your terminal</a:t>
+            </a:r>
+            <a:endParaRPr lang="en-AU" sz="1800" b="0" strike="noStrike" spc="-1" dirty="0">
               <a:latin typeface="Arial"/>
             </a:endParaRPr>
           </a:p>
@@ -8116,118 +8310,36 @@
               <a:buNone/>
             </a:pPr>
             <a:r>
-              <a:rPr b="0" lang="en-US" sz="1800" spc="-1" strike="noStrike">
-                <a:solidFill>
-                  <a:srgbClr val="ffffff"/>
-                </a:solidFill>
-                <a:latin typeface="Century Schoolbook"/>
-                <a:ea typeface="DejaVu Sans"/>
-              </a:rPr>
-              <a:t>	</a:t>
-            </a:r>
-            <a:r>
-              <a:rPr b="0" lang="en-US" sz="1800" spc="-1" strike="noStrike">
-                <a:solidFill>
-                  <a:srgbClr val="ffffff"/>
-                </a:solidFill>
-                <a:latin typeface="Century Schoolbook"/>
-                <a:ea typeface="DejaVu Sans"/>
-              </a:rPr>
-              <a:t>- Activate your python venv by typing “PenguinPi/Scripts/activate” in your terminal</a:t>
-            </a:r>
-            <a:endParaRPr b="0" lang="en-AU" sz="1800" spc="-1" strike="noStrike">
-              <a:latin typeface="Arial"/>
-            </a:endParaRPr>
-          </a:p>
-          <a:p>
-            <a:pPr>
-              <a:lnSpc>
-                <a:spcPct val="100000"/>
-              </a:lnSpc>
-              <a:buNone/>
-            </a:pPr>
-            <a:r>
-              <a:rPr b="0" lang="en-US" sz="1800" spc="-1" strike="noStrike">
-                <a:solidFill>
-                  <a:srgbClr val="ffffff"/>
-                </a:solidFill>
-                <a:latin typeface="Century Schoolbook"/>
-                <a:ea typeface="DejaVu Sans"/>
-              </a:rPr>
-              <a:t>	</a:t>
-            </a:r>
-            <a:r>
-              <a:rPr b="0" lang="en-US" sz="1800" spc="-1" strike="noStrike">
-                <a:solidFill>
-                  <a:srgbClr val="ffffff"/>
-                </a:solidFill>
-                <a:latin typeface="Century Schoolbook"/>
-                <a:ea typeface="DejaVu Sans"/>
-              </a:rPr>
-              <a:t>- Navigate into the unzipped submission “cd LiveDemo/Week00-01/” in your terminal</a:t>
-            </a:r>
-            <a:endParaRPr b="0" lang="en-AU" sz="1800" spc="-1" strike="noStrike">
-              <a:latin typeface="Arial"/>
-            </a:endParaRPr>
-          </a:p>
-          <a:p>
-            <a:pPr>
-              <a:lnSpc>
-                <a:spcPct val="100000"/>
-              </a:lnSpc>
-              <a:buNone/>
-            </a:pPr>
-            <a:r>
-              <a:rPr b="0" lang="en-US" sz="1800" spc="-1" strike="noStrike">
-                <a:solidFill>
-                  <a:srgbClr val="ffffff"/>
-                </a:solidFill>
-                <a:latin typeface="Century Schoolbook"/>
-                <a:ea typeface="DejaVu Sans"/>
-              </a:rPr>
-              <a:t>	</a:t>
-            </a:r>
-            <a:r>
-              <a:rPr b="0" lang="en-US" sz="1800" spc="-1" strike="noStrike">
-                <a:solidFill>
-                  <a:srgbClr val="ffffff"/>
-                </a:solidFill>
-                <a:latin typeface="Century Schoolbook"/>
-                <a:ea typeface="DejaVu Sans"/>
-              </a:rPr>
-              <a:t>- When the demonstrator says it’s fine to start you may run your solution by typing “python operate.py </a:t>
-            </a:r>
-            <a:r>
-              <a:rPr b="0" lang="en-US" sz="1800" spc="-1" strike="noStrike">
-                <a:solidFill>
-                  <a:srgbClr val="ffffff"/>
-                </a:solidFill>
-                <a:latin typeface="Century Schoolbook"/>
-                <a:ea typeface="DejaVu Sans"/>
-              </a:rPr>
-              <a:t>	</a:t>
-            </a:r>
-            <a:r>
-              <a:rPr b="0" lang="en-US" sz="1800" spc="-1" strike="noStrike">
-                <a:solidFill>
-                  <a:srgbClr val="ffffff"/>
-                </a:solidFill>
-                <a:latin typeface="Century Schoolbook"/>
-                <a:ea typeface="DejaVu Sans"/>
-              </a:rPr>
-              <a:t>	</a:t>
-            </a:r>
-            <a:r>
-              <a:rPr b="0" lang="en-US" sz="1800" spc="-1" strike="noStrike">
-                <a:solidFill>
-                  <a:srgbClr val="ffffff"/>
-                </a:solidFill>
-                <a:latin typeface="Century Schoolbook"/>
-                <a:ea typeface="DejaVu Sans"/>
-              </a:rPr>
-              <a:t> --ip 192.168.50.1 --port 8080” in your terminal</a:t>
-            </a:r>
-            <a:endParaRPr b="0" lang="en-AU" sz="1800" spc="-1" strike="noStrike">
+              <a:rPr lang="en-US" sz="1800" b="0" strike="noStrike" spc="-1" dirty="0">
+                <a:solidFill>
+                  <a:srgbClr val="FFFFFF"/>
+                </a:solidFill>
+                <a:latin typeface="Century Schoolbook"/>
+                <a:ea typeface="DejaVu Sans"/>
+              </a:rPr>
+              <a:t>	- When the demonstrator says it’s fine to start you may run your solution by typing “python operate.py 		 --</a:t>
+            </a:r>
+            <a:r>
+              <a:rPr lang="en-US" sz="1800" b="0" strike="noStrike" spc="-1" dirty="0" err="1">
+                <a:solidFill>
+                  <a:srgbClr val="FFFFFF"/>
+                </a:solidFill>
+                <a:latin typeface="Century Schoolbook"/>
+                <a:ea typeface="DejaVu Sans"/>
+              </a:rPr>
+              <a:t>ip</a:t>
+            </a:r>
+            <a:r>
+              <a:rPr lang="en-US" sz="1800" b="0" strike="noStrike" spc="-1" dirty="0">
+                <a:solidFill>
+                  <a:srgbClr val="FFFFFF"/>
+                </a:solidFill>
+                <a:latin typeface="Century Schoolbook"/>
+                <a:ea typeface="DejaVu Sans"/>
+              </a:rPr>
+              <a:t> 192.168.50.1 --port 8080” in your terminal</a:t>
+            </a:r>
+            <a:endParaRPr lang="en-AU" sz="1800" b="0" strike="noStrike" spc="-1" dirty="0">
               <a:latin typeface="Arial"/>
             </a:endParaRPr>
           </a:p>
@@ -8235,14 +8347,9 @@
       </p:sp>
     </p:spTree>
   </p:cSld>
-  <mc:AlternateContent>
-    <mc:Choice Requires="p14">
-      <p:transition spd="slow" p14:dur="2000"/>
-    </mc:Choice>
-    <mc:Fallback>
-      <p:transition spd="slow"/>
-    </mc:Fallback>
-  </mc:AlternateContent>
+  <p:clrMapOvr>
+    <a:masterClrMapping/>
+  </p:clrMapOvr>
 </p:sld>
 </file>
 
@@ -8257,34 +8364,34 @@
         <a:sysClr val="window" lastClr="FFFFFF"/>
       </a:lt1>
       <a:dk2>
-        <a:srgbClr val="46464a"/>
+        <a:srgbClr val="46464A"/>
       </a:dk2>
       <a:lt2>
-        <a:srgbClr val="d6d3cc"/>
+        <a:srgbClr val="D6D3CC"/>
       </a:lt2>
       <a:accent1>
-        <a:srgbClr val="6f6f74"/>
+        <a:srgbClr val="6F6F74"/>
       </a:accent1>
       <a:accent2>
-        <a:srgbClr val="92a9b9"/>
+        <a:srgbClr val="92A9B9"/>
       </a:accent2>
       <a:accent3>
-        <a:srgbClr val="a7b789"/>
+        <a:srgbClr val="A7B789"/>
       </a:accent3>
       <a:accent4>
-        <a:srgbClr val="b9a489"/>
+        <a:srgbClr val="B9A489"/>
       </a:accent4>
       <a:accent5>
-        <a:srgbClr val="8d6374"/>
+        <a:srgbClr val="8D6374"/>
       </a:accent5>
       <a:accent6>
-        <a:srgbClr val="9b7362"/>
+        <a:srgbClr val="9B7362"/>
       </a:accent6>
       <a:hlink>
-        <a:srgbClr val="67aabf"/>
+        <a:srgbClr val="67AABF"/>
       </a:hlink>
       <a:folHlink>
-        <a:srgbClr val="abafa5"/>
+        <a:srgbClr val="ABAFA5"/>
       </a:folHlink>
     </a:clrScheme>
     <a:fontScheme name="Office">
@@ -8469,5 +8576,7 @@
       </a:bgFillStyleLst>
     </a:fmtScheme>
   </a:themeElements>
+  <a:objectDefaults/>
+  <a:extraClrSchemeLst/>
 </a:theme>
 </file>